--- a/presentazione.pptx
+++ b/presentazione.pptx
@@ -2,24 +2,26 @@
 <file path=ppt/presentation.xml><?xml version="1.0" encoding="utf-8"?>
 <p:presentation xmlns:a="http://schemas.openxmlformats.org/drawingml/2006/main" xmlns:r="http://schemas.openxmlformats.org/officeDocument/2006/relationships" xmlns:p="http://schemas.openxmlformats.org/presentationml/2006/main" saveSubsetFonts="1">
   <p:sldMasterIdLst>
-    <p:sldMasterId id="2147483702" r:id="rId1"/>
+    <p:sldMasterId id="2147483714" r:id="rId1"/>
   </p:sldMasterIdLst>
   <p:notesMasterIdLst>
-    <p:notesMasterId r:id="rId6"/>
+    <p:notesMasterId r:id="rId8"/>
   </p:notesMasterIdLst>
   <p:sldIdLst>
     <p:sldId id="256" r:id="rId2"/>
     <p:sldId id="259" r:id="rId3"/>
     <p:sldId id="257" r:id="rId4"/>
     <p:sldId id="258" r:id="rId5"/>
+    <p:sldId id="261" r:id="rId6"/>
+    <p:sldId id="260" r:id="rId7"/>
   </p:sldIdLst>
-  <p:sldSz cx="9144000" cy="6858000" type="screen4x3"/>
+  <p:sldSz cx="12192000" cy="6858000"/>
   <p:notesSz cx="6858000" cy="9144000"/>
   <p:defaultTextStyle>
     <a:defPPr>
-      <a:defRPr lang="it-IT"/>
+      <a:defRPr lang="en-US"/>
     </a:defPPr>
-    <a:lvl1pPr marL="0" algn="l" defTabSz="914400" rtl="0" eaLnBrk="1" latinLnBrk="0" hangingPunct="1">
+    <a:lvl1pPr marL="0" algn="l" defTabSz="457200" rtl="0" eaLnBrk="1" latinLnBrk="0" hangingPunct="1">
       <a:defRPr sz="1800" kern="1200">
         <a:solidFill>
           <a:schemeClr val="tx1"/>
@@ -29,7 +31,7 @@
         <a:cs typeface="+mn-cs"/>
       </a:defRPr>
     </a:lvl1pPr>
-    <a:lvl2pPr marL="457200" algn="l" defTabSz="914400" rtl="0" eaLnBrk="1" latinLnBrk="0" hangingPunct="1">
+    <a:lvl2pPr marL="457200" algn="l" defTabSz="457200" rtl="0" eaLnBrk="1" latinLnBrk="0" hangingPunct="1">
       <a:defRPr sz="1800" kern="1200">
         <a:solidFill>
           <a:schemeClr val="tx1"/>
@@ -39,7 +41,7 @@
         <a:cs typeface="+mn-cs"/>
       </a:defRPr>
     </a:lvl2pPr>
-    <a:lvl3pPr marL="914400" algn="l" defTabSz="914400" rtl="0" eaLnBrk="1" latinLnBrk="0" hangingPunct="1">
+    <a:lvl3pPr marL="914400" algn="l" defTabSz="457200" rtl="0" eaLnBrk="1" latinLnBrk="0" hangingPunct="1">
       <a:defRPr sz="1800" kern="1200">
         <a:solidFill>
           <a:schemeClr val="tx1"/>
@@ -49,7 +51,7 @@
         <a:cs typeface="+mn-cs"/>
       </a:defRPr>
     </a:lvl3pPr>
-    <a:lvl4pPr marL="1371600" algn="l" defTabSz="914400" rtl="0" eaLnBrk="1" latinLnBrk="0" hangingPunct="1">
+    <a:lvl4pPr marL="1371600" algn="l" defTabSz="457200" rtl="0" eaLnBrk="1" latinLnBrk="0" hangingPunct="1">
       <a:defRPr sz="1800" kern="1200">
         <a:solidFill>
           <a:schemeClr val="tx1"/>
@@ -59,7 +61,7 @@
         <a:cs typeface="+mn-cs"/>
       </a:defRPr>
     </a:lvl4pPr>
-    <a:lvl5pPr marL="1828800" algn="l" defTabSz="914400" rtl="0" eaLnBrk="1" latinLnBrk="0" hangingPunct="1">
+    <a:lvl5pPr marL="1828800" algn="l" defTabSz="457200" rtl="0" eaLnBrk="1" latinLnBrk="0" hangingPunct="1">
       <a:defRPr sz="1800" kern="1200">
         <a:solidFill>
           <a:schemeClr val="tx1"/>
@@ -69,7 +71,7 @@
         <a:cs typeface="+mn-cs"/>
       </a:defRPr>
     </a:lvl5pPr>
-    <a:lvl6pPr marL="2286000" algn="l" defTabSz="914400" rtl="0" eaLnBrk="1" latinLnBrk="0" hangingPunct="1">
+    <a:lvl6pPr marL="2286000" algn="l" defTabSz="457200" rtl="0" eaLnBrk="1" latinLnBrk="0" hangingPunct="1">
       <a:defRPr sz="1800" kern="1200">
         <a:solidFill>
           <a:schemeClr val="tx1"/>
@@ -79,7 +81,7 @@
         <a:cs typeface="+mn-cs"/>
       </a:defRPr>
     </a:lvl6pPr>
-    <a:lvl7pPr marL="2743200" algn="l" defTabSz="914400" rtl="0" eaLnBrk="1" latinLnBrk="0" hangingPunct="1">
+    <a:lvl7pPr marL="2743200" algn="l" defTabSz="457200" rtl="0" eaLnBrk="1" latinLnBrk="0" hangingPunct="1">
       <a:defRPr sz="1800" kern="1200">
         <a:solidFill>
           <a:schemeClr val="tx1"/>
@@ -89,7 +91,7 @@
         <a:cs typeface="+mn-cs"/>
       </a:defRPr>
     </a:lvl7pPr>
-    <a:lvl8pPr marL="3200400" algn="l" defTabSz="914400" rtl="0" eaLnBrk="1" latinLnBrk="0" hangingPunct="1">
+    <a:lvl8pPr marL="3200400" algn="l" defTabSz="457200" rtl="0" eaLnBrk="1" latinLnBrk="0" hangingPunct="1">
       <a:defRPr sz="1800" kern="1200">
         <a:solidFill>
           <a:schemeClr val="tx1"/>
@@ -99,7 +101,7 @@
         <a:cs typeface="+mn-cs"/>
       </a:defRPr>
     </a:lvl8pPr>
-    <a:lvl9pPr marL="3657600" algn="l" defTabSz="914400" rtl="0" eaLnBrk="1" latinLnBrk="0" hangingPunct="1">
+    <a:lvl9pPr marL="3657600" algn="l" defTabSz="457200" rtl="0" eaLnBrk="1" latinLnBrk="0" hangingPunct="1">
       <a:defRPr sz="1800" kern="1200">
         <a:solidFill>
           <a:schemeClr val="tx1"/>
@@ -124,6 +126,13 @@
     <p:extLst>
       <p:ext uri="{19B8F6BF-5375-455C-9EA6-DF929625EA0E}">
         <p15:presenceInfo xmlns:p15="http://schemas.microsoft.com/office/powerpoint/2012/main" userId="d3c4cde5a19fb9a3" providerId="Windows Live"/>
+      </p:ext>
+    </p:extLst>
+  </p:cmAuthor>
+  <p:cmAuthor id="2" name="Endri Gjura - endri.gjura@studio.unibo.it" initials="EG-e" lastIdx="1" clrIdx="1">
+    <p:extLst>
+      <p:ext uri="{19B8F6BF-5375-455C-9EA6-DF929625EA0E}">
+        <p15:presenceInfo xmlns:p15="http://schemas.microsoft.com/office/powerpoint/2012/main" userId="Endri Gjura - endri.gjura@studio.unibo.it" providerId="None"/>
       </p:ext>
     </p:extLst>
   </p:cmAuthor>
@@ -557,8 +566,8 @@
         </p:nvSpPr>
         <p:spPr>
           <a:xfrm>
-            <a:off x="1371600" y="1143000"/>
-            <a:ext cx="4114800" cy="3086100"/>
+            <a:off x="685800" y="1143000"/>
+            <a:ext cx="5486400" cy="3086100"/>
           </a:xfrm>
           <a:prstGeom prst="rect">
             <a:avLst/>
@@ -808,7 +817,7 @@
 
 <file path=ppt/slideLayouts/slideLayout1.xml><?xml version="1.0" encoding="utf-8"?>
 <p:sldLayout xmlns:a="http://schemas.openxmlformats.org/drawingml/2006/main" xmlns:r="http://schemas.openxmlformats.org/officeDocument/2006/relationships" xmlns:p="http://schemas.openxmlformats.org/presentationml/2006/main" type="title" preserve="1">
-  <p:cSld name="Diapositiva titolo">
+  <p:cSld name="Title Slide">
     <p:spTree>
       <p:nvGrpSpPr>
         <p:cNvPr id="1" name=""/>
@@ -825,13 +834,7 @@
       </p:grpSpPr>
       <p:sp>
         <p:nvSpPr>
-          <p:cNvPr id="2" name="Titolo 1">
-            <a:extLst>
-              <a:ext uri="{FF2B5EF4-FFF2-40B4-BE49-F238E27FC236}">
-                <a16:creationId xmlns:a16="http://schemas.microsoft.com/office/drawing/2014/main" id="{11737C0F-0541-4EAA-B74D-23ECD08AF074}"/>
-              </a:ext>
-            </a:extLst>
-          </p:cNvPr>
+          <p:cNvPr id="2" name="Title 1"/>
           <p:cNvSpPr>
             <a:spLocks noGrp="1"/>
           </p:cNvSpPr>
@@ -841,34 +844,29 @@
         </p:nvSpPr>
         <p:spPr>
           <a:xfrm>
-            <a:off x="1143000" y="1122363"/>
-            <a:ext cx="6858000" cy="2387600"/>
+            <a:off x="1524000" y="1122363"/>
+            <a:ext cx="9144000" cy="2387600"/>
           </a:xfrm>
         </p:spPr>
         <p:txBody>
           <a:bodyPr anchor="b"/>
           <a:lstStyle>
             <a:lvl1pPr algn="ctr">
-              <a:defRPr sz="4500"/>
+              <a:defRPr sz="6000"/>
             </a:lvl1pPr>
           </a:lstStyle>
           <a:p>
             <a:r>
-              <a:rPr lang="it-IT"/>
-              <a:t>Fare clic per modificare lo stile del titolo dello schema</a:t>
-            </a:r>
-          </a:p>
-        </p:txBody>
-      </p:sp>
-      <p:sp>
-        <p:nvSpPr>
-          <p:cNvPr id="3" name="Sottotitolo 2">
-            <a:extLst>
-              <a:ext uri="{FF2B5EF4-FFF2-40B4-BE49-F238E27FC236}">
-                <a16:creationId xmlns:a16="http://schemas.microsoft.com/office/drawing/2014/main" id="{5E9C8F8F-E757-447D-BBBB-E405CC831230}"/>
-              </a:ext>
-            </a:extLst>
-          </p:cNvPr>
+              <a:rPr lang="en-US"/>
+              <a:t>Click to edit Master title style</a:t>
+            </a:r>
+            <a:endParaRPr lang="en-US" dirty="0"/>
+          </a:p>
+        </p:txBody>
+      </p:sp>
+      <p:sp>
+        <p:nvSpPr>
+          <p:cNvPr id="3" name="Subtitle 2"/>
           <p:cNvSpPr>
             <a:spLocks noGrp="1"/>
           </p:cNvSpPr>
@@ -878,8 +876,8 @@
         </p:nvSpPr>
         <p:spPr>
           <a:xfrm>
-            <a:off x="1143000" y="3602038"/>
-            <a:ext cx="6858000" cy="1655762"/>
+            <a:off x="1524000" y="3602038"/>
+            <a:ext cx="9144000" cy="1655762"/>
           </a:xfrm>
         </p:spPr>
         <p:txBody>
@@ -887,58 +885,53 @@
           <a:lstStyle>
             <a:lvl1pPr marL="0" indent="0" algn="ctr">
               <a:buNone/>
+              <a:defRPr sz="2400"/>
+            </a:lvl1pPr>
+            <a:lvl2pPr marL="457200" indent="0" algn="ctr">
+              <a:buNone/>
+              <a:defRPr sz="2000"/>
+            </a:lvl2pPr>
+            <a:lvl3pPr marL="914400" indent="0" algn="ctr">
+              <a:buNone/>
               <a:defRPr sz="1800"/>
-            </a:lvl1pPr>
-            <a:lvl2pPr marL="342900" indent="0" algn="ctr">
+            </a:lvl3pPr>
+            <a:lvl4pPr marL="1371600" indent="0" algn="ctr">
               <a:buNone/>
-              <a:defRPr sz="1500"/>
-            </a:lvl2pPr>
-            <a:lvl3pPr marL="685800" indent="0" algn="ctr">
+              <a:defRPr sz="1600"/>
+            </a:lvl4pPr>
+            <a:lvl5pPr marL="1828800" indent="0" algn="ctr">
               <a:buNone/>
-              <a:defRPr sz="1350"/>
-            </a:lvl3pPr>
-            <a:lvl4pPr marL="1028700" indent="0" algn="ctr">
+              <a:defRPr sz="1600"/>
+            </a:lvl5pPr>
+            <a:lvl6pPr marL="2286000" indent="0" algn="ctr">
               <a:buNone/>
-              <a:defRPr sz="1200"/>
-            </a:lvl4pPr>
-            <a:lvl5pPr marL="1371600" indent="0" algn="ctr">
+              <a:defRPr sz="1600"/>
+            </a:lvl6pPr>
+            <a:lvl7pPr marL="2743200" indent="0" algn="ctr">
               <a:buNone/>
-              <a:defRPr sz="1200"/>
-            </a:lvl5pPr>
-            <a:lvl6pPr marL="1714500" indent="0" algn="ctr">
+              <a:defRPr sz="1600"/>
+            </a:lvl7pPr>
+            <a:lvl8pPr marL="3200400" indent="0" algn="ctr">
               <a:buNone/>
-              <a:defRPr sz="1200"/>
-            </a:lvl6pPr>
-            <a:lvl7pPr marL="2057400" indent="0" algn="ctr">
+              <a:defRPr sz="1600"/>
+            </a:lvl8pPr>
+            <a:lvl9pPr marL="3657600" indent="0" algn="ctr">
               <a:buNone/>
-              <a:defRPr sz="1200"/>
-            </a:lvl7pPr>
-            <a:lvl8pPr marL="2400300" indent="0" algn="ctr">
-              <a:buNone/>
-              <a:defRPr sz="1200"/>
-            </a:lvl8pPr>
-            <a:lvl9pPr marL="2743200" indent="0" algn="ctr">
-              <a:buNone/>
-              <a:defRPr sz="1200"/>
+              <a:defRPr sz="1600"/>
             </a:lvl9pPr>
           </a:lstStyle>
           <a:p>
             <a:r>
-              <a:rPr lang="it-IT"/>
-              <a:t>Fare clic per modificare lo stile del sottotitolo dello schema</a:t>
-            </a:r>
-          </a:p>
-        </p:txBody>
-      </p:sp>
-      <p:sp>
-        <p:nvSpPr>
-          <p:cNvPr id="4" name="Segnaposto data 3">
-            <a:extLst>
-              <a:ext uri="{FF2B5EF4-FFF2-40B4-BE49-F238E27FC236}">
-                <a16:creationId xmlns:a16="http://schemas.microsoft.com/office/drawing/2014/main" id="{68F26945-9283-4BE7-AE80-7BDB1E46C50F}"/>
-              </a:ext>
-            </a:extLst>
-          </p:cNvPr>
+              <a:rPr lang="en-US"/>
+              <a:t>Click to edit Master subtitle style</a:t>
+            </a:r>
+            <a:endParaRPr lang="en-US" dirty="0"/>
+          </a:p>
+        </p:txBody>
+      </p:sp>
+      <p:sp>
+        <p:nvSpPr>
+          <p:cNvPr id="4" name="Date Placeholder 3"/>
           <p:cNvSpPr>
             <a:spLocks noGrp="1"/>
           </p:cNvSpPr>
@@ -951,7 +944,7 @@
           <a:bodyPr/>
           <a:lstStyle/>
           <a:p>
-            <a:fld id="{5346A0FB-CF1C-47F6-91D4-1C3CA751F9E9}" type="datetime1">
+            <a:fld id="{519C5307-3A56-4F91-8FB2-60E4C7C3FF23}" type="datetime1">
               <a:rPr lang="it-IT" smtClean="0"/>
               <a:t>16/10/2019</a:t>
             </a:fld>
@@ -961,13 +954,7 @@
       </p:sp>
       <p:sp>
         <p:nvSpPr>
-          <p:cNvPr id="5" name="Segnaposto piè di pagina 4">
-            <a:extLst>
-              <a:ext uri="{FF2B5EF4-FFF2-40B4-BE49-F238E27FC236}">
-                <a16:creationId xmlns:a16="http://schemas.microsoft.com/office/drawing/2014/main" id="{CDDDBA97-A6FC-4823-ACA6-5EC8D6E80B9F}"/>
-              </a:ext>
-            </a:extLst>
-          </p:cNvPr>
+          <p:cNvPr id="5" name="Footer Placeholder 4"/>
           <p:cNvSpPr>
             <a:spLocks noGrp="1"/>
           </p:cNvSpPr>
@@ -986,13 +973,7 @@
       </p:sp>
       <p:sp>
         <p:nvSpPr>
-          <p:cNvPr id="6" name="Segnaposto numero diapositiva 5">
-            <a:extLst>
-              <a:ext uri="{FF2B5EF4-FFF2-40B4-BE49-F238E27FC236}">
-                <a16:creationId xmlns:a16="http://schemas.microsoft.com/office/drawing/2014/main" id="{7F0CF7A4-3AEE-457E-96BC-AF213F3CDBA0}"/>
-              </a:ext>
-            </a:extLst>
-          </p:cNvPr>
+          <p:cNvPr id="6" name="Slide Number Placeholder 5"/>
           <p:cNvSpPr>
             <a:spLocks noGrp="1"/>
           </p:cNvSpPr>
@@ -1016,19 +997,20 @@
     </p:spTree>
     <p:extLst>
       <p:ext uri="{BB962C8B-B14F-4D97-AF65-F5344CB8AC3E}">
-        <p14:creationId xmlns:p14="http://schemas.microsoft.com/office/powerpoint/2010/main" val="668528748"/>
+        <p14:creationId xmlns:p14="http://schemas.microsoft.com/office/powerpoint/2010/main" val="1357071716"/>
       </p:ext>
     </p:extLst>
   </p:cSld>
   <p:clrMapOvr>
     <a:masterClrMapping/>
   </p:clrMapOvr>
+  <p:hf hdr="0" ftr="0" dt="0"/>
 </p:sldLayout>
 </file>
 
 <file path=ppt/slideLayouts/slideLayout10.xml><?xml version="1.0" encoding="utf-8"?>
 <p:sldLayout xmlns:a="http://schemas.openxmlformats.org/drawingml/2006/main" xmlns:r="http://schemas.openxmlformats.org/officeDocument/2006/relationships" xmlns:p="http://schemas.openxmlformats.org/presentationml/2006/main" type="vertTx" preserve="1">
-  <p:cSld name="Titolo e testo verticale">
+  <p:cSld name="Title and Vertical Text">
     <p:spTree>
       <p:nvGrpSpPr>
         <p:cNvPr id="1" name=""/>
@@ -1045,13 +1027,7 @@
       </p:grpSpPr>
       <p:sp>
         <p:nvSpPr>
-          <p:cNvPr id="2" name="Titolo 1">
-            <a:extLst>
-              <a:ext uri="{FF2B5EF4-FFF2-40B4-BE49-F238E27FC236}">
-                <a16:creationId xmlns:a16="http://schemas.microsoft.com/office/drawing/2014/main" id="{5F01455C-855E-4C87-8B43-A37B562574EB}"/>
-              </a:ext>
-            </a:extLst>
-          </p:cNvPr>
+          <p:cNvPr id="2" name="Title 1"/>
           <p:cNvSpPr>
             <a:spLocks noGrp="1"/>
           </p:cNvSpPr>
@@ -1065,21 +1041,16 @@
           <a:lstStyle/>
           <a:p>
             <a:r>
-              <a:rPr lang="it-IT"/>
-              <a:t>Fare clic per modificare lo stile del titolo dello schema</a:t>
-            </a:r>
-          </a:p>
-        </p:txBody>
-      </p:sp>
-      <p:sp>
-        <p:nvSpPr>
-          <p:cNvPr id="3" name="Segnaposto testo verticale 2">
-            <a:extLst>
-              <a:ext uri="{FF2B5EF4-FFF2-40B4-BE49-F238E27FC236}">
-                <a16:creationId xmlns:a16="http://schemas.microsoft.com/office/drawing/2014/main" id="{B5D542C6-9EA7-4DE9-8C44-EA11110702E1}"/>
-              </a:ext>
-            </a:extLst>
-          </p:cNvPr>
+              <a:rPr lang="en-US"/>
+              <a:t>Click to edit Master title style</a:t>
+            </a:r>
+            <a:endParaRPr lang="en-US" dirty="0"/>
+          </a:p>
+        </p:txBody>
+      </p:sp>
+      <p:sp>
+        <p:nvSpPr>
+          <p:cNvPr id="3" name="Vertical Text Placeholder 2"/>
           <p:cNvSpPr>
             <a:spLocks noGrp="1"/>
           </p:cNvSpPr>
@@ -1094,49 +1065,44 @@
           <a:p>
             <a:pPr lvl="0"/>
             <a:r>
-              <a:rPr lang="it-IT"/>
-              <a:t>Fare clic per modificare gli stili del testo dello schema</a:t>
+              <a:rPr lang="en-US"/>
+              <a:t>Click to edit Master text styles</a:t>
             </a:r>
           </a:p>
           <a:p>
             <a:pPr lvl="1"/>
             <a:r>
-              <a:rPr lang="it-IT"/>
-              <a:t>Secondo livello</a:t>
+              <a:rPr lang="en-US"/>
+              <a:t>Second level</a:t>
             </a:r>
           </a:p>
           <a:p>
             <a:pPr lvl="2"/>
             <a:r>
-              <a:rPr lang="it-IT"/>
-              <a:t>Terzo livello</a:t>
+              <a:rPr lang="en-US"/>
+              <a:t>Third level</a:t>
             </a:r>
           </a:p>
           <a:p>
             <a:pPr lvl="3"/>
             <a:r>
-              <a:rPr lang="it-IT"/>
-              <a:t>Quarto livello</a:t>
+              <a:rPr lang="en-US"/>
+              <a:t>Fourth level</a:t>
             </a:r>
           </a:p>
           <a:p>
             <a:pPr lvl="4"/>
             <a:r>
-              <a:rPr lang="it-IT"/>
-              <a:t>Quinto livello</a:t>
-            </a:r>
-          </a:p>
-        </p:txBody>
-      </p:sp>
-      <p:sp>
-        <p:nvSpPr>
-          <p:cNvPr id="4" name="Segnaposto data 3">
-            <a:extLst>
-              <a:ext uri="{FF2B5EF4-FFF2-40B4-BE49-F238E27FC236}">
-                <a16:creationId xmlns:a16="http://schemas.microsoft.com/office/drawing/2014/main" id="{3895219D-0AA6-4CA1-8F8B-310CFCC02113}"/>
-              </a:ext>
-            </a:extLst>
-          </p:cNvPr>
+              <a:rPr lang="en-US"/>
+              <a:t>Fifth level</a:t>
+            </a:r>
+            <a:endParaRPr lang="en-US" dirty="0"/>
+          </a:p>
+        </p:txBody>
+      </p:sp>
+      <p:sp>
+        <p:nvSpPr>
+          <p:cNvPr id="4" name="Date Placeholder 3"/>
           <p:cNvSpPr>
             <a:spLocks noGrp="1"/>
           </p:cNvSpPr>
@@ -1149,7 +1115,7 @@
           <a:bodyPr/>
           <a:lstStyle/>
           <a:p>
-            <a:fld id="{1FE5A126-7E24-41B0-BF97-2A786E70C1FA}" type="datetime1">
+            <a:fld id="{519C5307-3A56-4F91-8FB2-60E4C7C3FF23}" type="datetime1">
               <a:rPr lang="it-IT" smtClean="0"/>
               <a:t>16/10/2019</a:t>
             </a:fld>
@@ -1159,13 +1125,7 @@
       </p:sp>
       <p:sp>
         <p:nvSpPr>
-          <p:cNvPr id="5" name="Segnaposto piè di pagina 4">
-            <a:extLst>
-              <a:ext uri="{FF2B5EF4-FFF2-40B4-BE49-F238E27FC236}">
-                <a16:creationId xmlns:a16="http://schemas.microsoft.com/office/drawing/2014/main" id="{F5B86122-4FDD-49FE-B395-C85DADF55AEC}"/>
-              </a:ext>
-            </a:extLst>
-          </p:cNvPr>
+          <p:cNvPr id="5" name="Footer Placeholder 4"/>
           <p:cNvSpPr>
             <a:spLocks noGrp="1"/>
           </p:cNvSpPr>
@@ -1184,13 +1144,7 @@
       </p:sp>
       <p:sp>
         <p:nvSpPr>
-          <p:cNvPr id="6" name="Segnaposto numero diapositiva 5">
-            <a:extLst>
-              <a:ext uri="{FF2B5EF4-FFF2-40B4-BE49-F238E27FC236}">
-                <a16:creationId xmlns:a16="http://schemas.microsoft.com/office/drawing/2014/main" id="{7078561F-B58C-4C29-80AF-B1107BFACC01}"/>
-              </a:ext>
-            </a:extLst>
-          </p:cNvPr>
+          <p:cNvPr id="6" name="Slide Number Placeholder 5"/>
           <p:cNvSpPr>
             <a:spLocks noGrp="1"/>
           </p:cNvSpPr>
@@ -1214,19 +1168,20 @@
     </p:spTree>
     <p:extLst>
       <p:ext uri="{BB962C8B-B14F-4D97-AF65-F5344CB8AC3E}">
-        <p14:creationId xmlns:p14="http://schemas.microsoft.com/office/powerpoint/2010/main" val="439044612"/>
+        <p14:creationId xmlns:p14="http://schemas.microsoft.com/office/powerpoint/2010/main" val="1230081316"/>
       </p:ext>
     </p:extLst>
   </p:cSld>
   <p:clrMapOvr>
     <a:masterClrMapping/>
   </p:clrMapOvr>
+  <p:hf hdr="0" ftr="0" dt="0"/>
 </p:sldLayout>
 </file>
 
 <file path=ppt/slideLayouts/slideLayout11.xml><?xml version="1.0" encoding="utf-8"?>
 <p:sldLayout xmlns:a="http://schemas.openxmlformats.org/drawingml/2006/main" xmlns:r="http://schemas.openxmlformats.org/officeDocument/2006/relationships" xmlns:p="http://schemas.openxmlformats.org/presentationml/2006/main" type="vertTitleAndTx" preserve="1">
-  <p:cSld name="1_Titolo e testo verticale">
+  <p:cSld name="Vertical Title and Text">
     <p:spTree>
       <p:nvGrpSpPr>
         <p:cNvPr id="1" name=""/>
@@ -1243,13 +1198,7 @@
       </p:grpSpPr>
       <p:sp>
         <p:nvSpPr>
-          <p:cNvPr id="2" name="Titolo verticale 1">
-            <a:extLst>
-              <a:ext uri="{FF2B5EF4-FFF2-40B4-BE49-F238E27FC236}">
-                <a16:creationId xmlns:a16="http://schemas.microsoft.com/office/drawing/2014/main" id="{9803993F-6749-479E-B39D-55C78C8BDCE7}"/>
-              </a:ext>
-            </a:extLst>
-          </p:cNvPr>
+          <p:cNvPr id="2" name="Vertical Title 1"/>
           <p:cNvSpPr>
             <a:spLocks noGrp="1"/>
           </p:cNvSpPr>
@@ -1259,8 +1208,8 @@
         </p:nvSpPr>
         <p:spPr>
           <a:xfrm>
-            <a:off x="6543675" y="365125"/>
-            <a:ext cx="1971675" cy="5811838"/>
+            <a:off x="8724900" y="365125"/>
+            <a:ext cx="2628900" cy="5811838"/>
           </a:xfrm>
         </p:spPr>
         <p:txBody>
@@ -1268,21 +1217,16 @@
           <a:lstStyle/>
           <a:p>
             <a:r>
-              <a:rPr lang="it-IT"/>
-              <a:t>Fare clic per modificare lo stile del titolo dello schema</a:t>
-            </a:r>
-          </a:p>
-        </p:txBody>
-      </p:sp>
-      <p:sp>
-        <p:nvSpPr>
-          <p:cNvPr id="3" name="Segnaposto testo verticale 2">
-            <a:extLst>
-              <a:ext uri="{FF2B5EF4-FFF2-40B4-BE49-F238E27FC236}">
-                <a16:creationId xmlns:a16="http://schemas.microsoft.com/office/drawing/2014/main" id="{8DA01660-0AD9-4DDE-A164-FAA84D8CD3BC}"/>
-              </a:ext>
-            </a:extLst>
-          </p:cNvPr>
+              <a:rPr lang="en-US"/>
+              <a:t>Click to edit Master title style</a:t>
+            </a:r>
+            <a:endParaRPr lang="en-US" dirty="0"/>
+          </a:p>
+        </p:txBody>
+      </p:sp>
+      <p:sp>
+        <p:nvSpPr>
+          <p:cNvPr id="3" name="Vertical Text Placeholder 2"/>
           <p:cNvSpPr>
             <a:spLocks noGrp="1"/>
           </p:cNvSpPr>
@@ -1292,8 +1236,8 @@
         </p:nvSpPr>
         <p:spPr>
           <a:xfrm>
-            <a:off x="628650" y="365125"/>
-            <a:ext cx="5800725" cy="5811838"/>
+            <a:off x="838200" y="365125"/>
+            <a:ext cx="7734300" cy="5811838"/>
           </a:xfrm>
         </p:spPr>
         <p:txBody>
@@ -1302,49 +1246,44 @@
           <a:p>
             <a:pPr lvl="0"/>
             <a:r>
-              <a:rPr lang="it-IT"/>
-              <a:t>Fare clic per modificare gli stili del testo dello schema</a:t>
+              <a:rPr lang="en-US"/>
+              <a:t>Click to edit Master text styles</a:t>
             </a:r>
           </a:p>
           <a:p>
             <a:pPr lvl="1"/>
             <a:r>
-              <a:rPr lang="it-IT"/>
-              <a:t>Secondo livello</a:t>
+              <a:rPr lang="en-US"/>
+              <a:t>Second level</a:t>
             </a:r>
           </a:p>
           <a:p>
             <a:pPr lvl="2"/>
             <a:r>
-              <a:rPr lang="it-IT"/>
-              <a:t>Terzo livello</a:t>
+              <a:rPr lang="en-US"/>
+              <a:t>Third level</a:t>
             </a:r>
           </a:p>
           <a:p>
             <a:pPr lvl="3"/>
             <a:r>
-              <a:rPr lang="it-IT"/>
-              <a:t>Quarto livello</a:t>
+              <a:rPr lang="en-US"/>
+              <a:t>Fourth level</a:t>
             </a:r>
           </a:p>
           <a:p>
             <a:pPr lvl="4"/>
             <a:r>
-              <a:rPr lang="it-IT"/>
-              <a:t>Quinto livello</a:t>
-            </a:r>
-          </a:p>
-        </p:txBody>
-      </p:sp>
-      <p:sp>
-        <p:nvSpPr>
-          <p:cNvPr id="4" name="Segnaposto data 3">
-            <a:extLst>
-              <a:ext uri="{FF2B5EF4-FFF2-40B4-BE49-F238E27FC236}">
-                <a16:creationId xmlns:a16="http://schemas.microsoft.com/office/drawing/2014/main" id="{D42E1921-D76C-4059-831C-858F92DE3CBD}"/>
-              </a:ext>
-            </a:extLst>
-          </p:cNvPr>
+              <a:rPr lang="en-US"/>
+              <a:t>Fifth level</a:t>
+            </a:r>
+            <a:endParaRPr lang="en-US" dirty="0"/>
+          </a:p>
+        </p:txBody>
+      </p:sp>
+      <p:sp>
+        <p:nvSpPr>
+          <p:cNvPr id="4" name="Date Placeholder 3"/>
           <p:cNvSpPr>
             <a:spLocks noGrp="1"/>
           </p:cNvSpPr>
@@ -1357,7 +1296,7 @@
           <a:bodyPr/>
           <a:lstStyle/>
           <a:p>
-            <a:fld id="{AD37CA09-BF15-4BB5-A48A-905F3CE1D328}" type="datetime1">
+            <a:fld id="{519C5307-3A56-4F91-8FB2-60E4C7C3FF23}" type="datetime1">
               <a:rPr lang="it-IT" smtClean="0"/>
               <a:t>16/10/2019</a:t>
             </a:fld>
@@ -1367,13 +1306,7 @@
       </p:sp>
       <p:sp>
         <p:nvSpPr>
-          <p:cNvPr id="5" name="Segnaposto piè di pagina 4">
-            <a:extLst>
-              <a:ext uri="{FF2B5EF4-FFF2-40B4-BE49-F238E27FC236}">
-                <a16:creationId xmlns:a16="http://schemas.microsoft.com/office/drawing/2014/main" id="{FDC3EA95-7079-4CDA-88F4-3EEA1E063492}"/>
-              </a:ext>
-            </a:extLst>
-          </p:cNvPr>
+          <p:cNvPr id="5" name="Footer Placeholder 4"/>
           <p:cNvSpPr>
             <a:spLocks noGrp="1"/>
           </p:cNvSpPr>
@@ -1392,13 +1325,7 @@
       </p:sp>
       <p:sp>
         <p:nvSpPr>
-          <p:cNvPr id="6" name="Segnaposto numero diapositiva 5">
-            <a:extLst>
-              <a:ext uri="{FF2B5EF4-FFF2-40B4-BE49-F238E27FC236}">
-                <a16:creationId xmlns:a16="http://schemas.microsoft.com/office/drawing/2014/main" id="{882319F3-8E88-478E-89D6-1953F4C45226}"/>
-              </a:ext>
-            </a:extLst>
-          </p:cNvPr>
+          <p:cNvPr id="6" name="Slide Number Placeholder 5"/>
           <p:cNvSpPr>
             <a:spLocks noGrp="1"/>
           </p:cNvSpPr>
@@ -1422,19 +1349,20 @@
     </p:spTree>
     <p:extLst>
       <p:ext uri="{BB962C8B-B14F-4D97-AF65-F5344CB8AC3E}">
-        <p14:creationId xmlns:p14="http://schemas.microsoft.com/office/powerpoint/2010/main" val="842816448"/>
+        <p14:creationId xmlns:p14="http://schemas.microsoft.com/office/powerpoint/2010/main" val="816909008"/>
       </p:ext>
     </p:extLst>
   </p:cSld>
   <p:clrMapOvr>
     <a:masterClrMapping/>
   </p:clrMapOvr>
+  <p:hf hdr="0" ftr="0" dt="0"/>
 </p:sldLayout>
 </file>
 
 <file path=ppt/slideLayouts/slideLayout2.xml><?xml version="1.0" encoding="utf-8"?>
 <p:sldLayout xmlns:a="http://schemas.openxmlformats.org/drawingml/2006/main" xmlns:r="http://schemas.openxmlformats.org/officeDocument/2006/relationships" xmlns:p="http://schemas.openxmlformats.org/presentationml/2006/main" type="obj" preserve="1">
-  <p:cSld name="Titolo e contenuto">
+  <p:cSld name="Title and Content">
     <p:spTree>
       <p:nvGrpSpPr>
         <p:cNvPr id="1" name=""/>
@@ -1451,13 +1379,7 @@
       </p:grpSpPr>
       <p:sp>
         <p:nvSpPr>
-          <p:cNvPr id="2" name="Titolo 1">
-            <a:extLst>
-              <a:ext uri="{FF2B5EF4-FFF2-40B4-BE49-F238E27FC236}">
-                <a16:creationId xmlns:a16="http://schemas.microsoft.com/office/drawing/2014/main" id="{DD18A5B9-2144-4066-9A2B-40BA98D19223}"/>
-              </a:ext>
-            </a:extLst>
-          </p:cNvPr>
+          <p:cNvPr id="2" name="Title 1"/>
           <p:cNvSpPr>
             <a:spLocks noGrp="1"/>
           </p:cNvSpPr>
@@ -1471,21 +1393,16 @@
           <a:lstStyle/>
           <a:p>
             <a:r>
-              <a:rPr lang="it-IT"/>
-              <a:t>Fare clic per modificare lo stile del titolo dello schema</a:t>
-            </a:r>
-          </a:p>
-        </p:txBody>
-      </p:sp>
-      <p:sp>
-        <p:nvSpPr>
-          <p:cNvPr id="3" name="Segnaposto contenuto 2">
-            <a:extLst>
-              <a:ext uri="{FF2B5EF4-FFF2-40B4-BE49-F238E27FC236}">
-                <a16:creationId xmlns:a16="http://schemas.microsoft.com/office/drawing/2014/main" id="{D54406CB-6258-479A-A03A-0825B74CFA43}"/>
-              </a:ext>
-            </a:extLst>
-          </p:cNvPr>
+              <a:rPr lang="en-US"/>
+              <a:t>Click to edit Master title style</a:t>
+            </a:r>
+            <a:endParaRPr lang="en-US" dirty="0"/>
+          </a:p>
+        </p:txBody>
+      </p:sp>
+      <p:sp>
+        <p:nvSpPr>
+          <p:cNvPr id="3" name="Content Placeholder 2"/>
           <p:cNvSpPr>
             <a:spLocks noGrp="1"/>
           </p:cNvSpPr>
@@ -1500,49 +1417,44 @@
           <a:p>
             <a:pPr lvl="0"/>
             <a:r>
-              <a:rPr lang="it-IT"/>
-              <a:t>Fare clic per modificare gli stili del testo dello schema</a:t>
+              <a:rPr lang="en-US"/>
+              <a:t>Click to edit Master text styles</a:t>
             </a:r>
           </a:p>
           <a:p>
             <a:pPr lvl="1"/>
             <a:r>
-              <a:rPr lang="it-IT"/>
-              <a:t>Secondo livello</a:t>
+              <a:rPr lang="en-US"/>
+              <a:t>Second level</a:t>
             </a:r>
           </a:p>
           <a:p>
             <a:pPr lvl="2"/>
             <a:r>
-              <a:rPr lang="it-IT"/>
-              <a:t>Terzo livello</a:t>
+              <a:rPr lang="en-US"/>
+              <a:t>Third level</a:t>
             </a:r>
           </a:p>
           <a:p>
             <a:pPr lvl="3"/>
             <a:r>
-              <a:rPr lang="it-IT"/>
-              <a:t>Quarto livello</a:t>
+              <a:rPr lang="en-US"/>
+              <a:t>Fourth level</a:t>
             </a:r>
           </a:p>
           <a:p>
             <a:pPr lvl="4"/>
             <a:r>
-              <a:rPr lang="it-IT"/>
-              <a:t>Quinto livello</a:t>
-            </a:r>
-          </a:p>
-        </p:txBody>
-      </p:sp>
-      <p:sp>
-        <p:nvSpPr>
-          <p:cNvPr id="4" name="Segnaposto data 3">
-            <a:extLst>
-              <a:ext uri="{FF2B5EF4-FFF2-40B4-BE49-F238E27FC236}">
-                <a16:creationId xmlns:a16="http://schemas.microsoft.com/office/drawing/2014/main" id="{B1E55E02-0F54-4105-8F92-EA58AEE183E5}"/>
-              </a:ext>
-            </a:extLst>
-          </p:cNvPr>
+              <a:rPr lang="en-US"/>
+              <a:t>Fifth level</a:t>
+            </a:r>
+            <a:endParaRPr lang="en-US" dirty="0"/>
+          </a:p>
+        </p:txBody>
+      </p:sp>
+      <p:sp>
+        <p:nvSpPr>
+          <p:cNvPr id="4" name="Date Placeholder 3"/>
           <p:cNvSpPr>
             <a:spLocks noGrp="1"/>
           </p:cNvSpPr>
@@ -1555,7 +1467,7 @@
           <a:bodyPr/>
           <a:lstStyle/>
           <a:p>
-            <a:fld id="{3771E4A0-7CB0-487B-9DFB-64650E1C1B8B}" type="datetime1">
+            <a:fld id="{519C5307-3A56-4F91-8FB2-60E4C7C3FF23}" type="datetime1">
               <a:rPr lang="it-IT" smtClean="0"/>
               <a:t>16/10/2019</a:t>
             </a:fld>
@@ -1565,13 +1477,7 @@
       </p:sp>
       <p:sp>
         <p:nvSpPr>
-          <p:cNvPr id="5" name="Segnaposto piè di pagina 4">
-            <a:extLst>
-              <a:ext uri="{FF2B5EF4-FFF2-40B4-BE49-F238E27FC236}">
-                <a16:creationId xmlns:a16="http://schemas.microsoft.com/office/drawing/2014/main" id="{FE4829A2-EEFF-43F9-B367-AB72563EA0DE}"/>
-              </a:ext>
-            </a:extLst>
-          </p:cNvPr>
+          <p:cNvPr id="5" name="Footer Placeholder 4"/>
           <p:cNvSpPr>
             <a:spLocks noGrp="1"/>
           </p:cNvSpPr>
@@ -1590,13 +1496,7 @@
       </p:sp>
       <p:sp>
         <p:nvSpPr>
-          <p:cNvPr id="6" name="Segnaposto numero diapositiva 5">
-            <a:extLst>
-              <a:ext uri="{FF2B5EF4-FFF2-40B4-BE49-F238E27FC236}">
-                <a16:creationId xmlns:a16="http://schemas.microsoft.com/office/drawing/2014/main" id="{7E70258C-BD9B-450F-899D-20C988FE613E}"/>
-              </a:ext>
-            </a:extLst>
-          </p:cNvPr>
+          <p:cNvPr id="6" name="Slide Number Placeholder 5"/>
           <p:cNvSpPr>
             <a:spLocks noGrp="1"/>
           </p:cNvSpPr>
@@ -1620,19 +1520,20 @@
     </p:spTree>
     <p:extLst>
       <p:ext uri="{BB962C8B-B14F-4D97-AF65-F5344CB8AC3E}">
-        <p14:creationId xmlns:p14="http://schemas.microsoft.com/office/powerpoint/2010/main" val="552970743"/>
+        <p14:creationId xmlns:p14="http://schemas.microsoft.com/office/powerpoint/2010/main" val="3882183814"/>
       </p:ext>
     </p:extLst>
   </p:cSld>
   <p:clrMapOvr>
     <a:masterClrMapping/>
   </p:clrMapOvr>
+  <p:hf hdr="0" ftr="0" dt="0"/>
 </p:sldLayout>
 </file>
 
 <file path=ppt/slideLayouts/slideLayout3.xml><?xml version="1.0" encoding="utf-8"?>
 <p:sldLayout xmlns:a="http://schemas.openxmlformats.org/drawingml/2006/main" xmlns:r="http://schemas.openxmlformats.org/officeDocument/2006/relationships" xmlns:p="http://schemas.openxmlformats.org/presentationml/2006/main" type="secHead" preserve="1">
-  <p:cSld name="Intestazione sezione">
+  <p:cSld name="Section Header">
     <p:spTree>
       <p:nvGrpSpPr>
         <p:cNvPr id="1" name=""/>
@@ -1649,13 +1550,7 @@
       </p:grpSpPr>
       <p:sp>
         <p:nvSpPr>
-          <p:cNvPr id="2" name="Titolo 1">
-            <a:extLst>
-              <a:ext uri="{FF2B5EF4-FFF2-40B4-BE49-F238E27FC236}">
-                <a16:creationId xmlns:a16="http://schemas.microsoft.com/office/drawing/2014/main" id="{7E997253-4BBF-4BC3-B4E7-3DD58193A474}"/>
-              </a:ext>
-            </a:extLst>
-          </p:cNvPr>
+          <p:cNvPr id="2" name="Title 1"/>
           <p:cNvSpPr>
             <a:spLocks noGrp="1"/>
           </p:cNvSpPr>
@@ -1665,34 +1560,29 @@
         </p:nvSpPr>
         <p:spPr>
           <a:xfrm>
-            <a:off x="623888" y="1709739"/>
-            <a:ext cx="7886700" cy="2852737"/>
+            <a:off x="831850" y="1709738"/>
+            <a:ext cx="10515600" cy="2852737"/>
           </a:xfrm>
         </p:spPr>
         <p:txBody>
           <a:bodyPr anchor="b"/>
           <a:lstStyle>
             <a:lvl1pPr>
-              <a:defRPr sz="4500"/>
+              <a:defRPr sz="6000"/>
             </a:lvl1pPr>
           </a:lstStyle>
           <a:p>
             <a:r>
-              <a:rPr lang="it-IT"/>
-              <a:t>Fare clic per modificare lo stile del titolo dello schema</a:t>
-            </a:r>
-          </a:p>
-        </p:txBody>
-      </p:sp>
-      <p:sp>
-        <p:nvSpPr>
-          <p:cNvPr id="3" name="Segnaposto testo 2">
-            <a:extLst>
-              <a:ext uri="{FF2B5EF4-FFF2-40B4-BE49-F238E27FC236}">
-                <a16:creationId xmlns:a16="http://schemas.microsoft.com/office/drawing/2014/main" id="{209738FD-22F9-4398-87EB-9C9D04D32129}"/>
-              </a:ext>
-            </a:extLst>
-          </p:cNvPr>
+              <a:rPr lang="en-US"/>
+              <a:t>Click to edit Master title style</a:t>
+            </a:r>
+            <a:endParaRPr lang="en-US" dirty="0"/>
+          </a:p>
+        </p:txBody>
+      </p:sp>
+      <p:sp>
+        <p:nvSpPr>
+          <p:cNvPr id="3" name="Text Placeholder 2"/>
           <p:cNvSpPr>
             <a:spLocks noGrp="1"/>
           </p:cNvSpPr>
@@ -1702,14 +1592,34 @@
         </p:nvSpPr>
         <p:spPr>
           <a:xfrm>
-            <a:off x="623888" y="4589464"/>
-            <a:ext cx="7886700" cy="1500187"/>
+            <a:off x="831850" y="4589463"/>
+            <a:ext cx="10515600" cy="1500187"/>
           </a:xfrm>
         </p:spPr>
         <p:txBody>
           <a:bodyPr/>
           <a:lstStyle>
             <a:lvl1pPr marL="0" indent="0">
+              <a:buNone/>
+              <a:defRPr sz="2400">
+                <a:solidFill>
+                  <a:schemeClr val="tx1">
+                    <a:tint val="75000"/>
+                  </a:schemeClr>
+                </a:solidFill>
+              </a:defRPr>
+            </a:lvl1pPr>
+            <a:lvl2pPr marL="457200" indent="0">
+              <a:buNone/>
+              <a:defRPr sz="2000">
+                <a:solidFill>
+                  <a:schemeClr val="tx1">
+                    <a:tint val="75000"/>
+                  </a:schemeClr>
+                </a:solidFill>
+              </a:defRPr>
+            </a:lvl2pPr>
+            <a:lvl3pPr marL="914400" indent="0">
               <a:buNone/>
               <a:defRPr sz="1800">
                 <a:solidFill>
@@ -1718,30 +1628,10 @@
                   </a:schemeClr>
                 </a:solidFill>
               </a:defRPr>
-            </a:lvl1pPr>
-            <a:lvl2pPr marL="342900" indent="0">
+            </a:lvl3pPr>
+            <a:lvl4pPr marL="1371600" indent="0">
               <a:buNone/>
-              <a:defRPr sz="1500">
-                <a:solidFill>
-                  <a:schemeClr val="tx1">
-                    <a:tint val="75000"/>
-                  </a:schemeClr>
-                </a:solidFill>
-              </a:defRPr>
-            </a:lvl2pPr>
-            <a:lvl3pPr marL="685800" indent="0">
-              <a:buNone/>
-              <a:defRPr sz="1350">
-                <a:solidFill>
-                  <a:schemeClr val="tx1">
-                    <a:tint val="75000"/>
-                  </a:schemeClr>
-                </a:solidFill>
-              </a:defRPr>
-            </a:lvl3pPr>
-            <a:lvl4pPr marL="1028700" indent="0">
-              <a:buNone/>
-              <a:defRPr sz="1200">
+              <a:defRPr sz="1600">
                 <a:solidFill>
                   <a:schemeClr val="tx1">
                     <a:tint val="75000"/>
@@ -1749,9 +1639,9 @@
                 </a:solidFill>
               </a:defRPr>
             </a:lvl4pPr>
-            <a:lvl5pPr marL="1371600" indent="0">
+            <a:lvl5pPr marL="1828800" indent="0">
               <a:buNone/>
-              <a:defRPr sz="1200">
+              <a:defRPr sz="1600">
                 <a:solidFill>
                   <a:schemeClr val="tx1">
                     <a:tint val="75000"/>
@@ -1759,9 +1649,9 @@
                 </a:solidFill>
               </a:defRPr>
             </a:lvl5pPr>
-            <a:lvl6pPr marL="1714500" indent="0">
+            <a:lvl6pPr marL="2286000" indent="0">
               <a:buNone/>
-              <a:defRPr sz="1200">
+              <a:defRPr sz="1600">
                 <a:solidFill>
                   <a:schemeClr val="tx1">
                     <a:tint val="75000"/>
@@ -1769,9 +1659,9 @@
                 </a:solidFill>
               </a:defRPr>
             </a:lvl6pPr>
-            <a:lvl7pPr marL="2057400" indent="0">
+            <a:lvl7pPr marL="2743200" indent="0">
               <a:buNone/>
-              <a:defRPr sz="1200">
+              <a:defRPr sz="1600">
                 <a:solidFill>
                   <a:schemeClr val="tx1">
                     <a:tint val="75000"/>
@@ -1779,9 +1669,9 @@
                 </a:solidFill>
               </a:defRPr>
             </a:lvl7pPr>
-            <a:lvl8pPr marL="2400300" indent="0">
+            <a:lvl8pPr marL="3200400" indent="0">
               <a:buNone/>
-              <a:defRPr sz="1200">
+              <a:defRPr sz="1600">
                 <a:solidFill>
                   <a:schemeClr val="tx1">
                     <a:tint val="75000"/>
@@ -1789,9 +1679,9 @@
                 </a:solidFill>
               </a:defRPr>
             </a:lvl8pPr>
-            <a:lvl9pPr marL="2743200" indent="0">
+            <a:lvl9pPr marL="3657600" indent="0">
               <a:buNone/>
-              <a:defRPr sz="1200">
+              <a:defRPr sz="1600">
                 <a:solidFill>
                   <a:schemeClr val="tx1">
                     <a:tint val="75000"/>
@@ -1803,21 +1693,15 @@
           <a:p>
             <a:pPr lvl="0"/>
             <a:r>
-              <a:rPr lang="it-IT"/>
-              <a:t>Fare clic per modificare gli stili del testo dello schema</a:t>
-            </a:r>
-          </a:p>
-        </p:txBody>
-      </p:sp>
-      <p:sp>
-        <p:nvSpPr>
-          <p:cNvPr id="4" name="Segnaposto data 3">
-            <a:extLst>
-              <a:ext uri="{FF2B5EF4-FFF2-40B4-BE49-F238E27FC236}">
-                <a16:creationId xmlns:a16="http://schemas.microsoft.com/office/drawing/2014/main" id="{1D83D4BB-1F3A-4549-B962-5A0906A86282}"/>
-              </a:ext>
-            </a:extLst>
-          </p:cNvPr>
+              <a:rPr lang="en-US"/>
+              <a:t>Click to edit Master text styles</a:t>
+            </a:r>
+          </a:p>
+        </p:txBody>
+      </p:sp>
+      <p:sp>
+        <p:nvSpPr>
+          <p:cNvPr id="4" name="Date Placeholder 3"/>
           <p:cNvSpPr>
             <a:spLocks noGrp="1"/>
           </p:cNvSpPr>
@@ -1830,7 +1714,7 @@
           <a:bodyPr/>
           <a:lstStyle/>
           <a:p>
-            <a:fld id="{61CCAF06-D95A-4F2E-8519-8CFAD4AEF972}" type="datetime1">
+            <a:fld id="{519C5307-3A56-4F91-8FB2-60E4C7C3FF23}" type="datetime1">
               <a:rPr lang="it-IT" smtClean="0"/>
               <a:t>16/10/2019</a:t>
             </a:fld>
@@ -1840,13 +1724,7 @@
       </p:sp>
       <p:sp>
         <p:nvSpPr>
-          <p:cNvPr id="5" name="Segnaposto piè di pagina 4">
-            <a:extLst>
-              <a:ext uri="{FF2B5EF4-FFF2-40B4-BE49-F238E27FC236}">
-                <a16:creationId xmlns:a16="http://schemas.microsoft.com/office/drawing/2014/main" id="{18877620-3E2C-4C9A-BBBF-1AFFF73F92DD}"/>
-              </a:ext>
-            </a:extLst>
-          </p:cNvPr>
+          <p:cNvPr id="5" name="Footer Placeholder 4"/>
           <p:cNvSpPr>
             <a:spLocks noGrp="1"/>
           </p:cNvSpPr>
@@ -1865,13 +1743,7 @@
       </p:sp>
       <p:sp>
         <p:nvSpPr>
-          <p:cNvPr id="6" name="Segnaposto numero diapositiva 5">
-            <a:extLst>
-              <a:ext uri="{FF2B5EF4-FFF2-40B4-BE49-F238E27FC236}">
-                <a16:creationId xmlns:a16="http://schemas.microsoft.com/office/drawing/2014/main" id="{07B161D4-461B-4691-9BFB-02DDFDA30725}"/>
-              </a:ext>
-            </a:extLst>
-          </p:cNvPr>
+          <p:cNvPr id="6" name="Slide Number Placeholder 5"/>
           <p:cNvSpPr>
             <a:spLocks noGrp="1"/>
           </p:cNvSpPr>
@@ -1895,19 +1767,20 @@
     </p:spTree>
     <p:extLst>
       <p:ext uri="{BB962C8B-B14F-4D97-AF65-F5344CB8AC3E}">
-        <p14:creationId xmlns:p14="http://schemas.microsoft.com/office/powerpoint/2010/main" val="3019645118"/>
+        <p14:creationId xmlns:p14="http://schemas.microsoft.com/office/powerpoint/2010/main" val="1790597831"/>
       </p:ext>
     </p:extLst>
   </p:cSld>
   <p:clrMapOvr>
     <a:masterClrMapping/>
   </p:clrMapOvr>
+  <p:hf hdr="0" ftr="0" dt="0"/>
 </p:sldLayout>
 </file>
 
 <file path=ppt/slideLayouts/slideLayout4.xml><?xml version="1.0" encoding="utf-8"?>
 <p:sldLayout xmlns:a="http://schemas.openxmlformats.org/drawingml/2006/main" xmlns:r="http://schemas.openxmlformats.org/officeDocument/2006/relationships" xmlns:p="http://schemas.openxmlformats.org/presentationml/2006/main" type="twoObj" preserve="1">
-  <p:cSld name="Due contenuti">
+  <p:cSld name="Two Content">
     <p:spTree>
       <p:nvGrpSpPr>
         <p:cNvPr id="1" name=""/>
@@ -1924,13 +1797,7 @@
       </p:grpSpPr>
       <p:sp>
         <p:nvSpPr>
-          <p:cNvPr id="2" name="Titolo 1">
-            <a:extLst>
-              <a:ext uri="{FF2B5EF4-FFF2-40B4-BE49-F238E27FC236}">
-                <a16:creationId xmlns:a16="http://schemas.microsoft.com/office/drawing/2014/main" id="{5A1942F3-35AC-467A-B6D6-456EF89E64B4}"/>
-              </a:ext>
-            </a:extLst>
-          </p:cNvPr>
+          <p:cNvPr id="2" name="Title 1"/>
           <p:cNvSpPr>
             <a:spLocks noGrp="1"/>
           </p:cNvSpPr>
@@ -1944,21 +1811,16 @@
           <a:lstStyle/>
           <a:p>
             <a:r>
-              <a:rPr lang="it-IT"/>
-              <a:t>Fare clic per modificare lo stile del titolo dello schema</a:t>
-            </a:r>
-          </a:p>
-        </p:txBody>
-      </p:sp>
-      <p:sp>
-        <p:nvSpPr>
-          <p:cNvPr id="3" name="Segnaposto contenuto 2">
-            <a:extLst>
-              <a:ext uri="{FF2B5EF4-FFF2-40B4-BE49-F238E27FC236}">
-                <a16:creationId xmlns:a16="http://schemas.microsoft.com/office/drawing/2014/main" id="{224FA2A0-8D01-4C6E-94CA-E1548EE93CF5}"/>
-              </a:ext>
-            </a:extLst>
-          </p:cNvPr>
+              <a:rPr lang="en-US"/>
+              <a:t>Click to edit Master title style</a:t>
+            </a:r>
+            <a:endParaRPr lang="en-US" dirty="0"/>
+          </a:p>
+        </p:txBody>
+      </p:sp>
+      <p:sp>
+        <p:nvSpPr>
+          <p:cNvPr id="3" name="Content Placeholder 2"/>
           <p:cNvSpPr>
             <a:spLocks noGrp="1"/>
           </p:cNvSpPr>
@@ -1968,8 +1830,8 @@
         </p:nvSpPr>
         <p:spPr>
           <a:xfrm>
-            <a:off x="628650" y="1825625"/>
-            <a:ext cx="3886200" cy="4351338"/>
+            <a:off x="838200" y="1825625"/>
+            <a:ext cx="5181600" cy="4351338"/>
           </a:xfrm>
         </p:spPr>
         <p:txBody>
@@ -1978,49 +1840,44 @@
           <a:p>
             <a:pPr lvl="0"/>
             <a:r>
-              <a:rPr lang="it-IT"/>
-              <a:t>Fare clic per modificare gli stili del testo dello schema</a:t>
+              <a:rPr lang="en-US"/>
+              <a:t>Click to edit Master text styles</a:t>
             </a:r>
           </a:p>
           <a:p>
             <a:pPr lvl="1"/>
             <a:r>
-              <a:rPr lang="it-IT"/>
-              <a:t>Secondo livello</a:t>
+              <a:rPr lang="en-US"/>
+              <a:t>Second level</a:t>
             </a:r>
           </a:p>
           <a:p>
             <a:pPr lvl="2"/>
             <a:r>
-              <a:rPr lang="it-IT"/>
-              <a:t>Terzo livello</a:t>
+              <a:rPr lang="en-US"/>
+              <a:t>Third level</a:t>
             </a:r>
           </a:p>
           <a:p>
             <a:pPr lvl="3"/>
             <a:r>
-              <a:rPr lang="it-IT"/>
-              <a:t>Quarto livello</a:t>
+              <a:rPr lang="en-US"/>
+              <a:t>Fourth level</a:t>
             </a:r>
           </a:p>
           <a:p>
             <a:pPr lvl="4"/>
             <a:r>
-              <a:rPr lang="it-IT"/>
-              <a:t>Quinto livello</a:t>
-            </a:r>
-          </a:p>
-        </p:txBody>
-      </p:sp>
-      <p:sp>
-        <p:nvSpPr>
-          <p:cNvPr id="4" name="Segnaposto contenuto 3">
-            <a:extLst>
-              <a:ext uri="{FF2B5EF4-FFF2-40B4-BE49-F238E27FC236}">
-                <a16:creationId xmlns:a16="http://schemas.microsoft.com/office/drawing/2014/main" id="{68CA00A7-FDCF-4D08-B42B-2628B5C57D0F}"/>
-              </a:ext>
-            </a:extLst>
-          </p:cNvPr>
+              <a:rPr lang="en-US"/>
+              <a:t>Fifth level</a:t>
+            </a:r>
+            <a:endParaRPr lang="en-US" dirty="0"/>
+          </a:p>
+        </p:txBody>
+      </p:sp>
+      <p:sp>
+        <p:nvSpPr>
+          <p:cNvPr id="4" name="Content Placeholder 3"/>
           <p:cNvSpPr>
             <a:spLocks noGrp="1"/>
           </p:cNvSpPr>
@@ -2030,8 +1887,8 @@
         </p:nvSpPr>
         <p:spPr>
           <a:xfrm>
-            <a:off x="4629150" y="1825625"/>
-            <a:ext cx="3886200" cy="4351338"/>
+            <a:off x="6172200" y="1825625"/>
+            <a:ext cx="5181600" cy="4351338"/>
           </a:xfrm>
         </p:spPr>
         <p:txBody>
@@ -2040,49 +1897,44 @@
           <a:p>
             <a:pPr lvl="0"/>
             <a:r>
-              <a:rPr lang="it-IT"/>
-              <a:t>Fare clic per modificare gli stili del testo dello schema</a:t>
+              <a:rPr lang="en-US"/>
+              <a:t>Click to edit Master text styles</a:t>
             </a:r>
           </a:p>
           <a:p>
             <a:pPr lvl="1"/>
             <a:r>
-              <a:rPr lang="it-IT"/>
-              <a:t>Secondo livello</a:t>
+              <a:rPr lang="en-US"/>
+              <a:t>Second level</a:t>
             </a:r>
           </a:p>
           <a:p>
             <a:pPr lvl="2"/>
             <a:r>
-              <a:rPr lang="it-IT"/>
-              <a:t>Terzo livello</a:t>
+              <a:rPr lang="en-US"/>
+              <a:t>Third level</a:t>
             </a:r>
           </a:p>
           <a:p>
             <a:pPr lvl="3"/>
             <a:r>
-              <a:rPr lang="it-IT"/>
-              <a:t>Quarto livello</a:t>
+              <a:rPr lang="en-US"/>
+              <a:t>Fourth level</a:t>
             </a:r>
           </a:p>
           <a:p>
             <a:pPr lvl="4"/>
             <a:r>
-              <a:rPr lang="it-IT"/>
-              <a:t>Quinto livello</a:t>
-            </a:r>
-          </a:p>
-        </p:txBody>
-      </p:sp>
-      <p:sp>
-        <p:nvSpPr>
-          <p:cNvPr id="5" name="Segnaposto data 4">
-            <a:extLst>
-              <a:ext uri="{FF2B5EF4-FFF2-40B4-BE49-F238E27FC236}">
-                <a16:creationId xmlns:a16="http://schemas.microsoft.com/office/drawing/2014/main" id="{2F3F8559-1002-43B8-84AB-0ABC46BFA998}"/>
-              </a:ext>
-            </a:extLst>
-          </p:cNvPr>
+              <a:rPr lang="en-US"/>
+              <a:t>Fifth level</a:t>
+            </a:r>
+            <a:endParaRPr lang="en-US" dirty="0"/>
+          </a:p>
+        </p:txBody>
+      </p:sp>
+      <p:sp>
+        <p:nvSpPr>
+          <p:cNvPr id="5" name="Date Placeholder 4"/>
           <p:cNvSpPr>
             <a:spLocks noGrp="1"/>
           </p:cNvSpPr>
@@ -2095,7 +1947,7 @@
           <a:bodyPr/>
           <a:lstStyle/>
           <a:p>
-            <a:fld id="{71C31CB7-0129-4A76-9A67-2B42770410A4}" type="datetime1">
+            <a:fld id="{519C5307-3A56-4F91-8FB2-60E4C7C3FF23}" type="datetime1">
               <a:rPr lang="it-IT" smtClean="0"/>
               <a:t>16/10/2019</a:t>
             </a:fld>
@@ -2105,13 +1957,7 @@
       </p:sp>
       <p:sp>
         <p:nvSpPr>
-          <p:cNvPr id="6" name="Segnaposto piè di pagina 5">
-            <a:extLst>
-              <a:ext uri="{FF2B5EF4-FFF2-40B4-BE49-F238E27FC236}">
-                <a16:creationId xmlns:a16="http://schemas.microsoft.com/office/drawing/2014/main" id="{12266138-D933-418F-9540-0F23E9E41171}"/>
-              </a:ext>
-            </a:extLst>
-          </p:cNvPr>
+          <p:cNvPr id="6" name="Footer Placeholder 5"/>
           <p:cNvSpPr>
             <a:spLocks noGrp="1"/>
           </p:cNvSpPr>
@@ -2130,13 +1976,7 @@
       </p:sp>
       <p:sp>
         <p:nvSpPr>
-          <p:cNvPr id="7" name="Segnaposto numero diapositiva 6">
-            <a:extLst>
-              <a:ext uri="{FF2B5EF4-FFF2-40B4-BE49-F238E27FC236}">
-                <a16:creationId xmlns:a16="http://schemas.microsoft.com/office/drawing/2014/main" id="{DE6A0EB3-07DB-4FD6-B7B8-907A4F488F01}"/>
-              </a:ext>
-            </a:extLst>
-          </p:cNvPr>
+          <p:cNvPr id="7" name="Slide Number Placeholder 6"/>
           <p:cNvSpPr>
             <a:spLocks noGrp="1"/>
           </p:cNvSpPr>
@@ -2160,19 +2000,20 @@
     </p:spTree>
     <p:extLst>
       <p:ext uri="{BB962C8B-B14F-4D97-AF65-F5344CB8AC3E}">
-        <p14:creationId xmlns:p14="http://schemas.microsoft.com/office/powerpoint/2010/main" val="872365985"/>
+        <p14:creationId xmlns:p14="http://schemas.microsoft.com/office/powerpoint/2010/main" val="2269356326"/>
       </p:ext>
     </p:extLst>
   </p:cSld>
   <p:clrMapOvr>
     <a:masterClrMapping/>
   </p:clrMapOvr>
+  <p:hf hdr="0" ftr="0" dt="0"/>
 </p:sldLayout>
 </file>
 
 <file path=ppt/slideLayouts/slideLayout5.xml><?xml version="1.0" encoding="utf-8"?>
 <p:sldLayout xmlns:a="http://schemas.openxmlformats.org/drawingml/2006/main" xmlns:r="http://schemas.openxmlformats.org/officeDocument/2006/relationships" xmlns:p="http://schemas.openxmlformats.org/presentationml/2006/main" type="twoTxTwoObj" preserve="1">
-  <p:cSld name="Confronto">
+  <p:cSld name="Comparison">
     <p:spTree>
       <p:nvGrpSpPr>
         <p:cNvPr id="1" name=""/>
@@ -2189,13 +2030,7 @@
       </p:grpSpPr>
       <p:sp>
         <p:nvSpPr>
-          <p:cNvPr id="2" name="Titolo 1">
-            <a:extLst>
-              <a:ext uri="{FF2B5EF4-FFF2-40B4-BE49-F238E27FC236}">
-                <a16:creationId xmlns:a16="http://schemas.microsoft.com/office/drawing/2014/main" id="{59B28205-55AC-4F07-ACCF-1490D036DBE6}"/>
-              </a:ext>
-            </a:extLst>
-          </p:cNvPr>
+          <p:cNvPr id="2" name="Title 1"/>
           <p:cNvSpPr>
             <a:spLocks noGrp="1"/>
           </p:cNvSpPr>
@@ -2205,8 +2040,8 @@
         </p:nvSpPr>
         <p:spPr>
           <a:xfrm>
-            <a:off x="629841" y="365126"/>
-            <a:ext cx="7886700" cy="1325563"/>
+            <a:off x="839788" y="365125"/>
+            <a:ext cx="10515600" cy="1325563"/>
           </a:xfrm>
         </p:spPr>
         <p:txBody>
@@ -2214,21 +2049,16 @@
           <a:lstStyle/>
           <a:p>
             <a:r>
-              <a:rPr lang="it-IT"/>
-              <a:t>Fare clic per modificare lo stile del titolo dello schema</a:t>
-            </a:r>
-          </a:p>
-        </p:txBody>
-      </p:sp>
-      <p:sp>
-        <p:nvSpPr>
-          <p:cNvPr id="3" name="Segnaposto testo 2">
-            <a:extLst>
-              <a:ext uri="{FF2B5EF4-FFF2-40B4-BE49-F238E27FC236}">
-                <a16:creationId xmlns:a16="http://schemas.microsoft.com/office/drawing/2014/main" id="{16B016A1-2F73-42EF-8C57-10AB699AE195}"/>
-              </a:ext>
-            </a:extLst>
-          </p:cNvPr>
+              <a:rPr lang="en-US"/>
+              <a:t>Click to edit Master title style</a:t>
+            </a:r>
+            <a:endParaRPr lang="en-US" dirty="0"/>
+          </a:p>
+        </p:txBody>
+      </p:sp>
+      <p:sp>
+        <p:nvSpPr>
+          <p:cNvPr id="3" name="Text Placeholder 2"/>
           <p:cNvSpPr>
             <a:spLocks noGrp="1"/>
           </p:cNvSpPr>
@@ -2238,8 +2068,8 @@
         </p:nvSpPr>
         <p:spPr>
           <a:xfrm>
-            <a:off x="629842" y="1681163"/>
-            <a:ext cx="3868340" cy="823912"/>
+            <a:off x="839788" y="1681163"/>
+            <a:ext cx="5157787" cy="823912"/>
           </a:xfrm>
         </p:spPr>
         <p:txBody>
@@ -2247,59 +2077,53 @@
           <a:lstStyle>
             <a:lvl1pPr marL="0" indent="0">
               <a:buNone/>
+              <a:defRPr sz="2400" b="1"/>
+            </a:lvl1pPr>
+            <a:lvl2pPr marL="457200" indent="0">
+              <a:buNone/>
+              <a:defRPr sz="2000" b="1"/>
+            </a:lvl2pPr>
+            <a:lvl3pPr marL="914400" indent="0">
+              <a:buNone/>
               <a:defRPr sz="1800" b="1"/>
-            </a:lvl1pPr>
-            <a:lvl2pPr marL="342900" indent="0">
+            </a:lvl3pPr>
+            <a:lvl4pPr marL="1371600" indent="0">
               <a:buNone/>
-              <a:defRPr sz="1500" b="1"/>
-            </a:lvl2pPr>
-            <a:lvl3pPr marL="685800" indent="0">
+              <a:defRPr sz="1600" b="1"/>
+            </a:lvl4pPr>
+            <a:lvl5pPr marL="1828800" indent="0">
               <a:buNone/>
-              <a:defRPr sz="1350" b="1"/>
-            </a:lvl3pPr>
-            <a:lvl4pPr marL="1028700" indent="0">
+              <a:defRPr sz="1600" b="1"/>
+            </a:lvl5pPr>
+            <a:lvl6pPr marL="2286000" indent="0">
               <a:buNone/>
-              <a:defRPr sz="1200" b="1"/>
-            </a:lvl4pPr>
-            <a:lvl5pPr marL="1371600" indent="0">
+              <a:defRPr sz="1600" b="1"/>
+            </a:lvl6pPr>
+            <a:lvl7pPr marL="2743200" indent="0">
               <a:buNone/>
-              <a:defRPr sz="1200" b="1"/>
-            </a:lvl5pPr>
-            <a:lvl6pPr marL="1714500" indent="0">
+              <a:defRPr sz="1600" b="1"/>
+            </a:lvl7pPr>
+            <a:lvl8pPr marL="3200400" indent="0">
               <a:buNone/>
-              <a:defRPr sz="1200" b="1"/>
-            </a:lvl6pPr>
-            <a:lvl7pPr marL="2057400" indent="0">
+              <a:defRPr sz="1600" b="1"/>
+            </a:lvl8pPr>
+            <a:lvl9pPr marL="3657600" indent="0">
               <a:buNone/>
-              <a:defRPr sz="1200" b="1"/>
-            </a:lvl7pPr>
-            <a:lvl8pPr marL="2400300" indent="0">
-              <a:buNone/>
-              <a:defRPr sz="1200" b="1"/>
-            </a:lvl8pPr>
-            <a:lvl9pPr marL="2743200" indent="0">
-              <a:buNone/>
-              <a:defRPr sz="1200" b="1"/>
+              <a:defRPr sz="1600" b="1"/>
             </a:lvl9pPr>
           </a:lstStyle>
           <a:p>
             <a:pPr lvl="0"/>
             <a:r>
-              <a:rPr lang="it-IT"/>
-              <a:t>Fare clic per modificare gli stili del testo dello schema</a:t>
-            </a:r>
-          </a:p>
-        </p:txBody>
-      </p:sp>
-      <p:sp>
-        <p:nvSpPr>
-          <p:cNvPr id="4" name="Segnaposto contenuto 3">
-            <a:extLst>
-              <a:ext uri="{FF2B5EF4-FFF2-40B4-BE49-F238E27FC236}">
-                <a16:creationId xmlns:a16="http://schemas.microsoft.com/office/drawing/2014/main" id="{C4A28090-30D2-402C-9DC8-F0F901486EEF}"/>
-              </a:ext>
-            </a:extLst>
-          </p:cNvPr>
+              <a:rPr lang="en-US"/>
+              <a:t>Click to edit Master text styles</a:t>
+            </a:r>
+          </a:p>
+        </p:txBody>
+      </p:sp>
+      <p:sp>
+        <p:nvSpPr>
+          <p:cNvPr id="4" name="Content Placeholder 3"/>
           <p:cNvSpPr>
             <a:spLocks noGrp="1"/>
           </p:cNvSpPr>
@@ -2309,8 +2133,8 @@
         </p:nvSpPr>
         <p:spPr>
           <a:xfrm>
-            <a:off x="629842" y="2505075"/>
-            <a:ext cx="3868340" cy="3684588"/>
+            <a:off x="839788" y="2505075"/>
+            <a:ext cx="5157787" cy="3684588"/>
           </a:xfrm>
         </p:spPr>
         <p:txBody>
@@ -2319,49 +2143,44 @@
           <a:p>
             <a:pPr lvl="0"/>
             <a:r>
-              <a:rPr lang="it-IT"/>
-              <a:t>Fare clic per modificare gli stili del testo dello schema</a:t>
+              <a:rPr lang="en-US"/>
+              <a:t>Click to edit Master text styles</a:t>
             </a:r>
           </a:p>
           <a:p>
             <a:pPr lvl="1"/>
             <a:r>
-              <a:rPr lang="it-IT"/>
-              <a:t>Secondo livello</a:t>
+              <a:rPr lang="en-US"/>
+              <a:t>Second level</a:t>
             </a:r>
           </a:p>
           <a:p>
             <a:pPr lvl="2"/>
             <a:r>
-              <a:rPr lang="it-IT"/>
-              <a:t>Terzo livello</a:t>
+              <a:rPr lang="en-US"/>
+              <a:t>Third level</a:t>
             </a:r>
           </a:p>
           <a:p>
             <a:pPr lvl="3"/>
             <a:r>
-              <a:rPr lang="it-IT"/>
-              <a:t>Quarto livello</a:t>
+              <a:rPr lang="en-US"/>
+              <a:t>Fourth level</a:t>
             </a:r>
           </a:p>
           <a:p>
             <a:pPr lvl="4"/>
             <a:r>
-              <a:rPr lang="it-IT"/>
-              <a:t>Quinto livello</a:t>
-            </a:r>
-          </a:p>
-        </p:txBody>
-      </p:sp>
-      <p:sp>
-        <p:nvSpPr>
-          <p:cNvPr id="5" name="Segnaposto testo 4">
-            <a:extLst>
-              <a:ext uri="{FF2B5EF4-FFF2-40B4-BE49-F238E27FC236}">
-                <a16:creationId xmlns:a16="http://schemas.microsoft.com/office/drawing/2014/main" id="{2AD58F0A-9D80-4FE2-848D-18F392EBB7E1}"/>
-              </a:ext>
-            </a:extLst>
-          </p:cNvPr>
+              <a:rPr lang="en-US"/>
+              <a:t>Fifth level</a:t>
+            </a:r>
+            <a:endParaRPr lang="en-US" dirty="0"/>
+          </a:p>
+        </p:txBody>
+      </p:sp>
+      <p:sp>
+        <p:nvSpPr>
+          <p:cNvPr id="5" name="Text Placeholder 4"/>
           <p:cNvSpPr>
             <a:spLocks noGrp="1"/>
           </p:cNvSpPr>
@@ -2371,8 +2190,8 @@
         </p:nvSpPr>
         <p:spPr>
           <a:xfrm>
-            <a:off x="4629150" y="1681163"/>
-            <a:ext cx="3887391" cy="823912"/>
+            <a:off x="6172200" y="1681163"/>
+            <a:ext cx="5183188" cy="823912"/>
           </a:xfrm>
         </p:spPr>
         <p:txBody>
@@ -2380,59 +2199,53 @@
           <a:lstStyle>
             <a:lvl1pPr marL="0" indent="0">
               <a:buNone/>
+              <a:defRPr sz="2400" b="1"/>
+            </a:lvl1pPr>
+            <a:lvl2pPr marL="457200" indent="0">
+              <a:buNone/>
+              <a:defRPr sz="2000" b="1"/>
+            </a:lvl2pPr>
+            <a:lvl3pPr marL="914400" indent="0">
+              <a:buNone/>
               <a:defRPr sz="1800" b="1"/>
-            </a:lvl1pPr>
-            <a:lvl2pPr marL="342900" indent="0">
+            </a:lvl3pPr>
+            <a:lvl4pPr marL="1371600" indent="0">
               <a:buNone/>
-              <a:defRPr sz="1500" b="1"/>
-            </a:lvl2pPr>
-            <a:lvl3pPr marL="685800" indent="0">
+              <a:defRPr sz="1600" b="1"/>
+            </a:lvl4pPr>
+            <a:lvl5pPr marL="1828800" indent="0">
               <a:buNone/>
-              <a:defRPr sz="1350" b="1"/>
-            </a:lvl3pPr>
-            <a:lvl4pPr marL="1028700" indent="0">
+              <a:defRPr sz="1600" b="1"/>
+            </a:lvl5pPr>
+            <a:lvl6pPr marL="2286000" indent="0">
               <a:buNone/>
-              <a:defRPr sz="1200" b="1"/>
-            </a:lvl4pPr>
-            <a:lvl5pPr marL="1371600" indent="0">
+              <a:defRPr sz="1600" b="1"/>
+            </a:lvl6pPr>
+            <a:lvl7pPr marL="2743200" indent="0">
               <a:buNone/>
-              <a:defRPr sz="1200" b="1"/>
-            </a:lvl5pPr>
-            <a:lvl6pPr marL="1714500" indent="0">
+              <a:defRPr sz="1600" b="1"/>
+            </a:lvl7pPr>
+            <a:lvl8pPr marL="3200400" indent="0">
               <a:buNone/>
-              <a:defRPr sz="1200" b="1"/>
-            </a:lvl6pPr>
-            <a:lvl7pPr marL="2057400" indent="0">
+              <a:defRPr sz="1600" b="1"/>
+            </a:lvl8pPr>
+            <a:lvl9pPr marL="3657600" indent="0">
               <a:buNone/>
-              <a:defRPr sz="1200" b="1"/>
-            </a:lvl7pPr>
-            <a:lvl8pPr marL="2400300" indent="0">
-              <a:buNone/>
-              <a:defRPr sz="1200" b="1"/>
-            </a:lvl8pPr>
-            <a:lvl9pPr marL="2743200" indent="0">
-              <a:buNone/>
-              <a:defRPr sz="1200" b="1"/>
+              <a:defRPr sz="1600" b="1"/>
             </a:lvl9pPr>
           </a:lstStyle>
           <a:p>
             <a:pPr lvl="0"/>
             <a:r>
-              <a:rPr lang="it-IT"/>
-              <a:t>Fare clic per modificare gli stili del testo dello schema</a:t>
-            </a:r>
-          </a:p>
-        </p:txBody>
-      </p:sp>
-      <p:sp>
-        <p:nvSpPr>
-          <p:cNvPr id="6" name="Segnaposto contenuto 5">
-            <a:extLst>
-              <a:ext uri="{FF2B5EF4-FFF2-40B4-BE49-F238E27FC236}">
-                <a16:creationId xmlns:a16="http://schemas.microsoft.com/office/drawing/2014/main" id="{37A46137-92CD-4884-BA52-DE56F8C27364}"/>
-              </a:ext>
-            </a:extLst>
-          </p:cNvPr>
+              <a:rPr lang="en-US"/>
+              <a:t>Click to edit Master text styles</a:t>
+            </a:r>
+          </a:p>
+        </p:txBody>
+      </p:sp>
+      <p:sp>
+        <p:nvSpPr>
+          <p:cNvPr id="6" name="Content Placeholder 5"/>
           <p:cNvSpPr>
             <a:spLocks noGrp="1"/>
           </p:cNvSpPr>
@@ -2442,8 +2255,8 @@
         </p:nvSpPr>
         <p:spPr>
           <a:xfrm>
-            <a:off x="4629150" y="2505075"/>
-            <a:ext cx="3887391" cy="3684588"/>
+            <a:off x="6172200" y="2505075"/>
+            <a:ext cx="5183188" cy="3684588"/>
           </a:xfrm>
         </p:spPr>
         <p:txBody>
@@ -2452,49 +2265,44 @@
           <a:p>
             <a:pPr lvl="0"/>
             <a:r>
-              <a:rPr lang="it-IT"/>
-              <a:t>Fare clic per modificare gli stili del testo dello schema</a:t>
+              <a:rPr lang="en-US"/>
+              <a:t>Click to edit Master text styles</a:t>
             </a:r>
           </a:p>
           <a:p>
             <a:pPr lvl="1"/>
             <a:r>
-              <a:rPr lang="it-IT"/>
-              <a:t>Secondo livello</a:t>
+              <a:rPr lang="en-US"/>
+              <a:t>Second level</a:t>
             </a:r>
           </a:p>
           <a:p>
             <a:pPr lvl="2"/>
             <a:r>
-              <a:rPr lang="it-IT"/>
-              <a:t>Terzo livello</a:t>
+              <a:rPr lang="en-US"/>
+              <a:t>Third level</a:t>
             </a:r>
           </a:p>
           <a:p>
             <a:pPr lvl="3"/>
             <a:r>
-              <a:rPr lang="it-IT"/>
-              <a:t>Quarto livello</a:t>
+              <a:rPr lang="en-US"/>
+              <a:t>Fourth level</a:t>
             </a:r>
           </a:p>
           <a:p>
             <a:pPr lvl="4"/>
             <a:r>
-              <a:rPr lang="it-IT"/>
-              <a:t>Quinto livello</a:t>
-            </a:r>
-          </a:p>
-        </p:txBody>
-      </p:sp>
-      <p:sp>
-        <p:nvSpPr>
-          <p:cNvPr id="7" name="Segnaposto data 6">
-            <a:extLst>
-              <a:ext uri="{FF2B5EF4-FFF2-40B4-BE49-F238E27FC236}">
-                <a16:creationId xmlns:a16="http://schemas.microsoft.com/office/drawing/2014/main" id="{1E077836-1C37-4195-9A6B-67C00102E03A}"/>
-              </a:ext>
-            </a:extLst>
-          </p:cNvPr>
+              <a:rPr lang="en-US"/>
+              <a:t>Fifth level</a:t>
+            </a:r>
+            <a:endParaRPr lang="en-US" dirty="0"/>
+          </a:p>
+        </p:txBody>
+      </p:sp>
+      <p:sp>
+        <p:nvSpPr>
+          <p:cNvPr id="7" name="Date Placeholder 6"/>
           <p:cNvSpPr>
             <a:spLocks noGrp="1"/>
           </p:cNvSpPr>
@@ -2507,7 +2315,7 @@
           <a:bodyPr/>
           <a:lstStyle/>
           <a:p>
-            <a:fld id="{7B9503DE-08EE-4C60-A0D3-BD531A14075B}" type="datetime1">
+            <a:fld id="{519C5307-3A56-4F91-8FB2-60E4C7C3FF23}" type="datetime1">
               <a:rPr lang="it-IT" smtClean="0"/>
               <a:t>16/10/2019</a:t>
             </a:fld>
@@ -2517,13 +2325,7 @@
       </p:sp>
       <p:sp>
         <p:nvSpPr>
-          <p:cNvPr id="8" name="Segnaposto piè di pagina 7">
-            <a:extLst>
-              <a:ext uri="{FF2B5EF4-FFF2-40B4-BE49-F238E27FC236}">
-                <a16:creationId xmlns:a16="http://schemas.microsoft.com/office/drawing/2014/main" id="{9C793D12-CFE3-489D-B247-F921CE08B05A}"/>
-              </a:ext>
-            </a:extLst>
-          </p:cNvPr>
+          <p:cNvPr id="8" name="Footer Placeholder 7"/>
           <p:cNvSpPr>
             <a:spLocks noGrp="1"/>
           </p:cNvSpPr>
@@ -2542,13 +2344,7 @@
       </p:sp>
       <p:sp>
         <p:nvSpPr>
-          <p:cNvPr id="9" name="Segnaposto numero diapositiva 8">
-            <a:extLst>
-              <a:ext uri="{FF2B5EF4-FFF2-40B4-BE49-F238E27FC236}">
-                <a16:creationId xmlns:a16="http://schemas.microsoft.com/office/drawing/2014/main" id="{CFB06C8E-5F7E-4191-913C-C2B44EA3DACF}"/>
-              </a:ext>
-            </a:extLst>
-          </p:cNvPr>
+          <p:cNvPr id="9" name="Slide Number Placeholder 8"/>
           <p:cNvSpPr>
             <a:spLocks noGrp="1"/>
           </p:cNvSpPr>
@@ -2572,19 +2368,20 @@
     </p:spTree>
     <p:extLst>
       <p:ext uri="{BB962C8B-B14F-4D97-AF65-F5344CB8AC3E}">
-        <p14:creationId xmlns:p14="http://schemas.microsoft.com/office/powerpoint/2010/main" val="3626397032"/>
+        <p14:creationId xmlns:p14="http://schemas.microsoft.com/office/powerpoint/2010/main" val="2293247516"/>
       </p:ext>
     </p:extLst>
   </p:cSld>
   <p:clrMapOvr>
     <a:masterClrMapping/>
   </p:clrMapOvr>
+  <p:hf hdr="0" ftr="0" dt="0"/>
 </p:sldLayout>
 </file>
 
 <file path=ppt/slideLayouts/slideLayout6.xml><?xml version="1.0" encoding="utf-8"?>
 <p:sldLayout xmlns:a="http://schemas.openxmlformats.org/drawingml/2006/main" xmlns:r="http://schemas.openxmlformats.org/officeDocument/2006/relationships" xmlns:p="http://schemas.openxmlformats.org/presentationml/2006/main" type="titleOnly" preserve="1">
-  <p:cSld name="Solo titolo">
+  <p:cSld name="Title Only">
     <p:spTree>
       <p:nvGrpSpPr>
         <p:cNvPr id="1" name=""/>
@@ -2601,13 +2398,7 @@
       </p:grpSpPr>
       <p:sp>
         <p:nvSpPr>
-          <p:cNvPr id="2" name="Titolo 1">
-            <a:extLst>
-              <a:ext uri="{FF2B5EF4-FFF2-40B4-BE49-F238E27FC236}">
-                <a16:creationId xmlns:a16="http://schemas.microsoft.com/office/drawing/2014/main" id="{27C32BBE-3324-49A8-A676-7FC4F84193D0}"/>
-              </a:ext>
-            </a:extLst>
-          </p:cNvPr>
+          <p:cNvPr id="2" name="Title 1"/>
           <p:cNvSpPr>
             <a:spLocks noGrp="1"/>
           </p:cNvSpPr>
@@ -2621,21 +2412,16 @@
           <a:lstStyle/>
           <a:p>
             <a:r>
-              <a:rPr lang="it-IT"/>
-              <a:t>Fare clic per modificare lo stile del titolo dello schema</a:t>
-            </a:r>
-          </a:p>
-        </p:txBody>
-      </p:sp>
-      <p:sp>
-        <p:nvSpPr>
-          <p:cNvPr id="3" name="Segnaposto data 2">
-            <a:extLst>
-              <a:ext uri="{FF2B5EF4-FFF2-40B4-BE49-F238E27FC236}">
-                <a16:creationId xmlns:a16="http://schemas.microsoft.com/office/drawing/2014/main" id="{AC46EEC7-225C-4880-96FC-00FCA3B28D8B}"/>
-              </a:ext>
-            </a:extLst>
-          </p:cNvPr>
+              <a:rPr lang="en-US"/>
+              <a:t>Click to edit Master title style</a:t>
+            </a:r>
+            <a:endParaRPr lang="en-US" dirty="0"/>
+          </a:p>
+        </p:txBody>
+      </p:sp>
+      <p:sp>
+        <p:nvSpPr>
+          <p:cNvPr id="3" name="Date Placeholder 2"/>
           <p:cNvSpPr>
             <a:spLocks noGrp="1"/>
           </p:cNvSpPr>
@@ -2648,7 +2434,7 @@
           <a:bodyPr/>
           <a:lstStyle/>
           <a:p>
-            <a:fld id="{77F27E87-E775-4268-B714-706FB03B1D8C}" type="datetime1">
+            <a:fld id="{519C5307-3A56-4F91-8FB2-60E4C7C3FF23}" type="datetime1">
               <a:rPr lang="it-IT" smtClean="0"/>
               <a:t>16/10/2019</a:t>
             </a:fld>
@@ -2658,13 +2444,7 @@
       </p:sp>
       <p:sp>
         <p:nvSpPr>
-          <p:cNvPr id="4" name="Segnaposto piè di pagina 3">
-            <a:extLst>
-              <a:ext uri="{FF2B5EF4-FFF2-40B4-BE49-F238E27FC236}">
-                <a16:creationId xmlns:a16="http://schemas.microsoft.com/office/drawing/2014/main" id="{6508C148-00BE-4837-A710-ACA7CFAF3EE8}"/>
-              </a:ext>
-            </a:extLst>
-          </p:cNvPr>
+          <p:cNvPr id="4" name="Footer Placeholder 3"/>
           <p:cNvSpPr>
             <a:spLocks noGrp="1"/>
           </p:cNvSpPr>
@@ -2683,13 +2463,7 @@
       </p:sp>
       <p:sp>
         <p:nvSpPr>
-          <p:cNvPr id="5" name="Segnaposto numero diapositiva 4">
-            <a:extLst>
-              <a:ext uri="{FF2B5EF4-FFF2-40B4-BE49-F238E27FC236}">
-                <a16:creationId xmlns:a16="http://schemas.microsoft.com/office/drawing/2014/main" id="{5653ED46-7353-4BCF-A793-24ACAF2B6FB0}"/>
-              </a:ext>
-            </a:extLst>
-          </p:cNvPr>
+          <p:cNvPr id="5" name="Slide Number Placeholder 4"/>
           <p:cNvSpPr>
             <a:spLocks noGrp="1"/>
           </p:cNvSpPr>
@@ -2713,19 +2487,20 @@
     </p:spTree>
     <p:extLst>
       <p:ext uri="{BB962C8B-B14F-4D97-AF65-F5344CB8AC3E}">
-        <p14:creationId xmlns:p14="http://schemas.microsoft.com/office/powerpoint/2010/main" val="2829011937"/>
+        <p14:creationId xmlns:p14="http://schemas.microsoft.com/office/powerpoint/2010/main" val="1383836408"/>
       </p:ext>
     </p:extLst>
   </p:cSld>
   <p:clrMapOvr>
     <a:masterClrMapping/>
   </p:clrMapOvr>
+  <p:hf hdr="0" ftr="0" dt="0"/>
 </p:sldLayout>
 </file>
 
 <file path=ppt/slideLayouts/slideLayout7.xml><?xml version="1.0" encoding="utf-8"?>
 <p:sldLayout xmlns:a="http://schemas.openxmlformats.org/drawingml/2006/main" xmlns:r="http://schemas.openxmlformats.org/officeDocument/2006/relationships" xmlns:p="http://schemas.openxmlformats.org/presentationml/2006/main" type="blank" preserve="1">
-  <p:cSld name="Vuota">
+  <p:cSld name="Blank">
     <p:spTree>
       <p:nvGrpSpPr>
         <p:cNvPr id="1" name=""/>
@@ -2742,13 +2517,7 @@
       </p:grpSpPr>
       <p:sp>
         <p:nvSpPr>
-          <p:cNvPr id="2" name="Segnaposto data 1">
-            <a:extLst>
-              <a:ext uri="{FF2B5EF4-FFF2-40B4-BE49-F238E27FC236}">
-                <a16:creationId xmlns:a16="http://schemas.microsoft.com/office/drawing/2014/main" id="{3431234F-E8F1-4339-B845-EAC886BDF365}"/>
-              </a:ext>
-            </a:extLst>
-          </p:cNvPr>
+          <p:cNvPr id="2" name="Date Placeholder 1"/>
           <p:cNvSpPr>
             <a:spLocks noGrp="1"/>
           </p:cNvSpPr>
@@ -2761,7 +2530,7 @@
           <a:bodyPr/>
           <a:lstStyle/>
           <a:p>
-            <a:fld id="{886D715A-7BEC-4FB3-80E2-54E66E1ACCF2}" type="datetime1">
+            <a:fld id="{519C5307-3A56-4F91-8FB2-60E4C7C3FF23}" type="datetime1">
               <a:rPr lang="it-IT" smtClean="0"/>
               <a:t>16/10/2019</a:t>
             </a:fld>
@@ -2771,13 +2540,7 @@
       </p:sp>
       <p:sp>
         <p:nvSpPr>
-          <p:cNvPr id="3" name="Segnaposto piè di pagina 2">
-            <a:extLst>
-              <a:ext uri="{FF2B5EF4-FFF2-40B4-BE49-F238E27FC236}">
-                <a16:creationId xmlns:a16="http://schemas.microsoft.com/office/drawing/2014/main" id="{E2E26083-8A33-47F3-8B83-0CAD3A0F31E9}"/>
-              </a:ext>
-            </a:extLst>
-          </p:cNvPr>
+          <p:cNvPr id="3" name="Footer Placeholder 2"/>
           <p:cNvSpPr>
             <a:spLocks noGrp="1"/>
           </p:cNvSpPr>
@@ -2796,13 +2559,7 @@
       </p:sp>
       <p:sp>
         <p:nvSpPr>
-          <p:cNvPr id="4" name="Segnaposto numero diapositiva 3">
-            <a:extLst>
-              <a:ext uri="{FF2B5EF4-FFF2-40B4-BE49-F238E27FC236}">
-                <a16:creationId xmlns:a16="http://schemas.microsoft.com/office/drawing/2014/main" id="{A8142141-2FF1-4CC0-94B4-8EF3AAABA456}"/>
-              </a:ext>
-            </a:extLst>
-          </p:cNvPr>
+          <p:cNvPr id="4" name="Slide Number Placeholder 3"/>
           <p:cNvSpPr>
             <a:spLocks noGrp="1"/>
           </p:cNvSpPr>
@@ -2826,19 +2583,20 @@
     </p:spTree>
     <p:extLst>
       <p:ext uri="{BB962C8B-B14F-4D97-AF65-F5344CB8AC3E}">
-        <p14:creationId xmlns:p14="http://schemas.microsoft.com/office/powerpoint/2010/main" val="739737753"/>
+        <p14:creationId xmlns:p14="http://schemas.microsoft.com/office/powerpoint/2010/main" val="2763413360"/>
       </p:ext>
     </p:extLst>
   </p:cSld>
   <p:clrMapOvr>
     <a:masterClrMapping/>
   </p:clrMapOvr>
+  <p:hf hdr="0" ftr="0" dt="0"/>
 </p:sldLayout>
 </file>
 
 <file path=ppt/slideLayouts/slideLayout8.xml><?xml version="1.0" encoding="utf-8"?>
 <p:sldLayout xmlns:a="http://schemas.openxmlformats.org/drawingml/2006/main" xmlns:r="http://schemas.openxmlformats.org/officeDocument/2006/relationships" xmlns:p="http://schemas.openxmlformats.org/presentationml/2006/main" type="objTx" preserve="1">
-  <p:cSld name="Contenuto con didascalia">
+  <p:cSld name="Content with Caption">
     <p:spTree>
       <p:nvGrpSpPr>
         <p:cNvPr id="1" name=""/>
@@ -2855,13 +2613,7 @@
       </p:grpSpPr>
       <p:sp>
         <p:nvSpPr>
-          <p:cNvPr id="2" name="Titolo 1">
-            <a:extLst>
-              <a:ext uri="{FF2B5EF4-FFF2-40B4-BE49-F238E27FC236}">
-                <a16:creationId xmlns:a16="http://schemas.microsoft.com/office/drawing/2014/main" id="{B1B5C281-DD72-4E0C-A56B-E955DF5792A6}"/>
-              </a:ext>
-            </a:extLst>
-          </p:cNvPr>
+          <p:cNvPr id="2" name="Title 1"/>
           <p:cNvSpPr>
             <a:spLocks noGrp="1"/>
           </p:cNvSpPr>
@@ -2871,34 +2623,29 @@
         </p:nvSpPr>
         <p:spPr>
           <a:xfrm>
-            <a:off x="629841" y="457200"/>
-            <a:ext cx="2949178" cy="1600200"/>
+            <a:off x="839788" y="457200"/>
+            <a:ext cx="3932237" cy="1600200"/>
           </a:xfrm>
         </p:spPr>
         <p:txBody>
           <a:bodyPr anchor="b"/>
           <a:lstStyle>
             <a:lvl1pPr>
-              <a:defRPr sz="2400"/>
+              <a:defRPr sz="3200"/>
             </a:lvl1pPr>
           </a:lstStyle>
           <a:p>
             <a:r>
-              <a:rPr lang="it-IT"/>
-              <a:t>Fare clic per modificare lo stile del titolo dello schema</a:t>
-            </a:r>
-          </a:p>
-        </p:txBody>
-      </p:sp>
-      <p:sp>
-        <p:nvSpPr>
-          <p:cNvPr id="3" name="Segnaposto contenuto 2">
-            <a:extLst>
-              <a:ext uri="{FF2B5EF4-FFF2-40B4-BE49-F238E27FC236}">
-                <a16:creationId xmlns:a16="http://schemas.microsoft.com/office/drawing/2014/main" id="{1232EAF4-2F00-41BE-8E5C-52128DFED3C2}"/>
-              </a:ext>
-            </a:extLst>
-          </p:cNvPr>
+              <a:rPr lang="en-US"/>
+              <a:t>Click to edit Master title style</a:t>
+            </a:r>
+            <a:endParaRPr lang="en-US" dirty="0"/>
+          </a:p>
+        </p:txBody>
+      </p:sp>
+      <p:sp>
+        <p:nvSpPr>
+          <p:cNvPr id="3" name="Content Placeholder 2"/>
           <p:cNvSpPr>
             <a:spLocks noGrp="1"/>
           </p:cNvSpPr>
@@ -2908,87 +2655,82 @@
         </p:nvSpPr>
         <p:spPr>
           <a:xfrm>
-            <a:off x="3887391" y="987426"/>
-            <a:ext cx="4629150" cy="4873625"/>
+            <a:off x="5183188" y="987425"/>
+            <a:ext cx="6172200" cy="4873625"/>
           </a:xfrm>
         </p:spPr>
         <p:txBody>
           <a:bodyPr/>
           <a:lstStyle>
             <a:lvl1pPr>
-              <a:defRPr sz="2400"/>
+              <a:defRPr sz="3200"/>
             </a:lvl1pPr>
             <a:lvl2pPr>
-              <a:defRPr sz="2100"/>
+              <a:defRPr sz="2800"/>
             </a:lvl2pPr>
             <a:lvl3pPr>
-              <a:defRPr sz="1800"/>
+              <a:defRPr sz="2400"/>
             </a:lvl3pPr>
             <a:lvl4pPr>
-              <a:defRPr sz="1500"/>
+              <a:defRPr sz="2000"/>
             </a:lvl4pPr>
             <a:lvl5pPr>
-              <a:defRPr sz="1500"/>
+              <a:defRPr sz="2000"/>
             </a:lvl5pPr>
             <a:lvl6pPr>
-              <a:defRPr sz="1500"/>
+              <a:defRPr sz="2000"/>
             </a:lvl6pPr>
             <a:lvl7pPr>
-              <a:defRPr sz="1500"/>
+              <a:defRPr sz="2000"/>
             </a:lvl7pPr>
             <a:lvl8pPr>
-              <a:defRPr sz="1500"/>
+              <a:defRPr sz="2000"/>
             </a:lvl8pPr>
             <a:lvl9pPr>
-              <a:defRPr sz="1500"/>
+              <a:defRPr sz="2000"/>
             </a:lvl9pPr>
           </a:lstStyle>
           <a:p>
             <a:pPr lvl="0"/>
             <a:r>
-              <a:rPr lang="it-IT"/>
-              <a:t>Fare clic per modificare gli stili del testo dello schema</a:t>
+              <a:rPr lang="en-US"/>
+              <a:t>Click to edit Master text styles</a:t>
             </a:r>
           </a:p>
           <a:p>
             <a:pPr lvl="1"/>
             <a:r>
-              <a:rPr lang="it-IT"/>
-              <a:t>Secondo livello</a:t>
+              <a:rPr lang="en-US"/>
+              <a:t>Second level</a:t>
             </a:r>
           </a:p>
           <a:p>
             <a:pPr lvl="2"/>
             <a:r>
-              <a:rPr lang="it-IT"/>
-              <a:t>Terzo livello</a:t>
+              <a:rPr lang="en-US"/>
+              <a:t>Third level</a:t>
             </a:r>
           </a:p>
           <a:p>
             <a:pPr lvl="3"/>
             <a:r>
-              <a:rPr lang="it-IT"/>
-              <a:t>Quarto livello</a:t>
+              <a:rPr lang="en-US"/>
+              <a:t>Fourth level</a:t>
             </a:r>
           </a:p>
           <a:p>
             <a:pPr lvl="4"/>
             <a:r>
-              <a:rPr lang="it-IT"/>
-              <a:t>Quinto livello</a:t>
-            </a:r>
-          </a:p>
-        </p:txBody>
-      </p:sp>
-      <p:sp>
-        <p:nvSpPr>
-          <p:cNvPr id="4" name="Segnaposto testo 3">
-            <a:extLst>
-              <a:ext uri="{FF2B5EF4-FFF2-40B4-BE49-F238E27FC236}">
-                <a16:creationId xmlns:a16="http://schemas.microsoft.com/office/drawing/2014/main" id="{86E261C2-BC5F-49ED-914C-FF9F191C6FD7}"/>
-              </a:ext>
-            </a:extLst>
-          </p:cNvPr>
+              <a:rPr lang="en-US"/>
+              <a:t>Fifth level</a:t>
+            </a:r>
+            <a:endParaRPr lang="en-US" dirty="0"/>
+          </a:p>
+        </p:txBody>
+      </p:sp>
+      <p:sp>
+        <p:nvSpPr>
+          <p:cNvPr id="4" name="Text Placeholder 3"/>
           <p:cNvSpPr>
             <a:spLocks noGrp="1"/>
           </p:cNvSpPr>
@@ -2998,8 +2740,8 @@
         </p:nvSpPr>
         <p:spPr>
           <a:xfrm>
-            <a:off x="629841" y="2057400"/>
-            <a:ext cx="2949178" cy="3811588"/>
+            <a:off x="839788" y="2057400"/>
+            <a:ext cx="3932237" cy="3811588"/>
           </a:xfrm>
         </p:spPr>
         <p:txBody>
@@ -3007,59 +2749,53 @@
           <a:lstStyle>
             <a:lvl1pPr marL="0" indent="0">
               <a:buNone/>
+              <a:defRPr sz="1600"/>
+            </a:lvl1pPr>
+            <a:lvl2pPr marL="457200" indent="0">
+              <a:buNone/>
+              <a:defRPr sz="1400"/>
+            </a:lvl2pPr>
+            <a:lvl3pPr marL="914400" indent="0">
+              <a:buNone/>
               <a:defRPr sz="1200"/>
-            </a:lvl1pPr>
-            <a:lvl2pPr marL="342900" indent="0">
+            </a:lvl3pPr>
+            <a:lvl4pPr marL="1371600" indent="0">
               <a:buNone/>
-              <a:defRPr sz="1050"/>
-            </a:lvl2pPr>
-            <a:lvl3pPr marL="685800" indent="0">
+              <a:defRPr sz="1000"/>
+            </a:lvl4pPr>
+            <a:lvl5pPr marL="1828800" indent="0">
               <a:buNone/>
-              <a:defRPr sz="900"/>
-            </a:lvl3pPr>
-            <a:lvl4pPr marL="1028700" indent="0">
+              <a:defRPr sz="1000"/>
+            </a:lvl5pPr>
+            <a:lvl6pPr marL="2286000" indent="0">
               <a:buNone/>
-              <a:defRPr sz="750"/>
-            </a:lvl4pPr>
-            <a:lvl5pPr marL="1371600" indent="0">
+              <a:defRPr sz="1000"/>
+            </a:lvl6pPr>
+            <a:lvl7pPr marL="2743200" indent="0">
               <a:buNone/>
-              <a:defRPr sz="750"/>
-            </a:lvl5pPr>
-            <a:lvl6pPr marL="1714500" indent="0">
+              <a:defRPr sz="1000"/>
+            </a:lvl7pPr>
+            <a:lvl8pPr marL="3200400" indent="0">
               <a:buNone/>
-              <a:defRPr sz="750"/>
-            </a:lvl6pPr>
-            <a:lvl7pPr marL="2057400" indent="0">
+              <a:defRPr sz="1000"/>
+            </a:lvl8pPr>
+            <a:lvl9pPr marL="3657600" indent="0">
               <a:buNone/>
-              <a:defRPr sz="750"/>
-            </a:lvl7pPr>
-            <a:lvl8pPr marL="2400300" indent="0">
-              <a:buNone/>
-              <a:defRPr sz="750"/>
-            </a:lvl8pPr>
-            <a:lvl9pPr marL="2743200" indent="0">
-              <a:buNone/>
-              <a:defRPr sz="750"/>
+              <a:defRPr sz="1000"/>
             </a:lvl9pPr>
           </a:lstStyle>
           <a:p>
             <a:pPr lvl="0"/>
             <a:r>
-              <a:rPr lang="it-IT"/>
-              <a:t>Fare clic per modificare gli stili del testo dello schema</a:t>
-            </a:r>
-          </a:p>
-        </p:txBody>
-      </p:sp>
-      <p:sp>
-        <p:nvSpPr>
-          <p:cNvPr id="5" name="Segnaposto data 4">
-            <a:extLst>
-              <a:ext uri="{FF2B5EF4-FFF2-40B4-BE49-F238E27FC236}">
-                <a16:creationId xmlns:a16="http://schemas.microsoft.com/office/drawing/2014/main" id="{87C73208-9F74-445D-9B61-AA2F0CFE787A}"/>
-              </a:ext>
-            </a:extLst>
-          </p:cNvPr>
+              <a:rPr lang="en-US"/>
+              <a:t>Click to edit Master text styles</a:t>
+            </a:r>
+          </a:p>
+        </p:txBody>
+      </p:sp>
+      <p:sp>
+        <p:nvSpPr>
+          <p:cNvPr id="5" name="Date Placeholder 4"/>
           <p:cNvSpPr>
             <a:spLocks noGrp="1"/>
           </p:cNvSpPr>
@@ -3072,7 +2808,7 @@
           <a:bodyPr/>
           <a:lstStyle/>
           <a:p>
-            <a:fld id="{552BAEFE-6F83-44A7-BD3E-80F70A0A3A86}" type="datetime1">
+            <a:fld id="{519C5307-3A56-4F91-8FB2-60E4C7C3FF23}" type="datetime1">
               <a:rPr lang="it-IT" smtClean="0"/>
               <a:t>16/10/2019</a:t>
             </a:fld>
@@ -3082,13 +2818,7 @@
       </p:sp>
       <p:sp>
         <p:nvSpPr>
-          <p:cNvPr id="6" name="Segnaposto piè di pagina 5">
-            <a:extLst>
-              <a:ext uri="{FF2B5EF4-FFF2-40B4-BE49-F238E27FC236}">
-                <a16:creationId xmlns:a16="http://schemas.microsoft.com/office/drawing/2014/main" id="{7ED19BFF-2B36-4A50-A4C7-214C84AE892D}"/>
-              </a:ext>
-            </a:extLst>
-          </p:cNvPr>
+          <p:cNvPr id="6" name="Footer Placeholder 5"/>
           <p:cNvSpPr>
             <a:spLocks noGrp="1"/>
           </p:cNvSpPr>
@@ -3107,13 +2837,7 @@
       </p:sp>
       <p:sp>
         <p:nvSpPr>
-          <p:cNvPr id="7" name="Segnaposto numero diapositiva 6">
-            <a:extLst>
-              <a:ext uri="{FF2B5EF4-FFF2-40B4-BE49-F238E27FC236}">
-                <a16:creationId xmlns:a16="http://schemas.microsoft.com/office/drawing/2014/main" id="{85D5F765-41D4-49CE-A057-F10CC3096104}"/>
-              </a:ext>
-            </a:extLst>
-          </p:cNvPr>
+          <p:cNvPr id="7" name="Slide Number Placeholder 6"/>
           <p:cNvSpPr>
             <a:spLocks noGrp="1"/>
           </p:cNvSpPr>
@@ -3137,19 +2861,20 @@
     </p:spTree>
     <p:extLst>
       <p:ext uri="{BB962C8B-B14F-4D97-AF65-F5344CB8AC3E}">
-        <p14:creationId xmlns:p14="http://schemas.microsoft.com/office/powerpoint/2010/main" val="1245050777"/>
+        <p14:creationId xmlns:p14="http://schemas.microsoft.com/office/powerpoint/2010/main" val="209915701"/>
       </p:ext>
     </p:extLst>
   </p:cSld>
   <p:clrMapOvr>
     <a:masterClrMapping/>
   </p:clrMapOvr>
+  <p:hf hdr="0" ftr="0" dt="0"/>
 </p:sldLayout>
 </file>
 
 <file path=ppt/slideLayouts/slideLayout9.xml><?xml version="1.0" encoding="utf-8"?>
 <p:sldLayout xmlns:a="http://schemas.openxmlformats.org/drawingml/2006/main" xmlns:r="http://schemas.openxmlformats.org/officeDocument/2006/relationships" xmlns:p="http://schemas.openxmlformats.org/presentationml/2006/main" type="picTx" preserve="1">
-  <p:cSld name="Immagine con didascalia">
+  <p:cSld name="Picture with Caption">
     <p:spTree>
       <p:nvGrpSpPr>
         <p:cNvPr id="1" name=""/>
@@ -3166,13 +2891,7 @@
       </p:grpSpPr>
       <p:sp>
         <p:nvSpPr>
-          <p:cNvPr id="2" name="Titolo 1">
-            <a:extLst>
-              <a:ext uri="{FF2B5EF4-FFF2-40B4-BE49-F238E27FC236}">
-                <a16:creationId xmlns:a16="http://schemas.microsoft.com/office/drawing/2014/main" id="{6B4750BE-D013-4589-999D-6CE38E4BFA09}"/>
-              </a:ext>
-            </a:extLst>
-          </p:cNvPr>
+          <p:cNvPr id="2" name="Title 1"/>
           <p:cNvSpPr>
             <a:spLocks noGrp="1"/>
           </p:cNvSpPr>
@@ -3182,36 +2901,31 @@
         </p:nvSpPr>
         <p:spPr>
           <a:xfrm>
-            <a:off x="629841" y="457200"/>
-            <a:ext cx="2949178" cy="1600200"/>
+            <a:off x="839788" y="457200"/>
+            <a:ext cx="3932237" cy="1600200"/>
           </a:xfrm>
         </p:spPr>
         <p:txBody>
           <a:bodyPr anchor="b"/>
           <a:lstStyle>
             <a:lvl1pPr>
-              <a:defRPr sz="2400"/>
+              <a:defRPr sz="3200"/>
             </a:lvl1pPr>
           </a:lstStyle>
           <a:p>
             <a:r>
-              <a:rPr lang="it-IT"/>
-              <a:t>Fare clic per modificare lo stile del titolo dello schema</a:t>
-            </a:r>
-          </a:p>
-        </p:txBody>
-      </p:sp>
-      <p:sp>
-        <p:nvSpPr>
-          <p:cNvPr id="3" name="Segnaposto immagine 2">
-            <a:extLst>
-              <a:ext uri="{FF2B5EF4-FFF2-40B4-BE49-F238E27FC236}">
-                <a16:creationId xmlns:a16="http://schemas.microsoft.com/office/drawing/2014/main" id="{5E4B5050-DDE7-4D0D-9CFD-3391B9355E68}"/>
-              </a:ext>
-            </a:extLst>
-          </p:cNvPr>
-          <p:cNvSpPr>
-            <a:spLocks noGrp="1"/>
+              <a:rPr lang="en-US"/>
+              <a:t>Click to edit Master title style</a:t>
+            </a:r>
+            <a:endParaRPr lang="en-US" dirty="0"/>
+          </a:p>
+        </p:txBody>
+      </p:sp>
+      <p:sp>
+        <p:nvSpPr>
+          <p:cNvPr id="3" name="Picture Placeholder 2"/>
+          <p:cNvSpPr>
+            <a:spLocks noGrp="1" noChangeAspect="1"/>
           </p:cNvSpPr>
           <p:nvPr>
             <p:ph type="pic" idx="1"/>
@@ -3219,8 +2933,73 @@
         </p:nvSpPr>
         <p:spPr>
           <a:xfrm>
-            <a:off x="3887391" y="987426"/>
-            <a:ext cx="4629150" cy="4873625"/>
+            <a:off x="5183188" y="987425"/>
+            <a:ext cx="6172200" cy="4873625"/>
+          </a:xfrm>
+        </p:spPr>
+        <p:txBody>
+          <a:bodyPr anchor="t"/>
+          <a:lstStyle>
+            <a:lvl1pPr marL="0" indent="0">
+              <a:buNone/>
+              <a:defRPr sz="3200"/>
+            </a:lvl1pPr>
+            <a:lvl2pPr marL="457200" indent="0">
+              <a:buNone/>
+              <a:defRPr sz="2800"/>
+            </a:lvl2pPr>
+            <a:lvl3pPr marL="914400" indent="0">
+              <a:buNone/>
+              <a:defRPr sz="2400"/>
+            </a:lvl3pPr>
+            <a:lvl4pPr marL="1371600" indent="0">
+              <a:buNone/>
+              <a:defRPr sz="2000"/>
+            </a:lvl4pPr>
+            <a:lvl5pPr marL="1828800" indent="0">
+              <a:buNone/>
+              <a:defRPr sz="2000"/>
+            </a:lvl5pPr>
+            <a:lvl6pPr marL="2286000" indent="0">
+              <a:buNone/>
+              <a:defRPr sz="2000"/>
+            </a:lvl6pPr>
+            <a:lvl7pPr marL="2743200" indent="0">
+              <a:buNone/>
+              <a:defRPr sz="2000"/>
+            </a:lvl7pPr>
+            <a:lvl8pPr marL="3200400" indent="0">
+              <a:buNone/>
+              <a:defRPr sz="2000"/>
+            </a:lvl8pPr>
+            <a:lvl9pPr marL="3657600" indent="0">
+              <a:buNone/>
+              <a:defRPr sz="2000"/>
+            </a:lvl9pPr>
+          </a:lstStyle>
+          <a:p>
+            <a:r>
+              <a:rPr lang="en-US"/>
+              <a:t>Click icon to add picture</a:t>
+            </a:r>
+            <a:endParaRPr lang="en-US" dirty="0"/>
+          </a:p>
+        </p:txBody>
+      </p:sp>
+      <p:sp>
+        <p:nvSpPr>
+          <p:cNvPr id="4" name="Text Placeholder 3"/>
+          <p:cNvSpPr>
+            <a:spLocks noGrp="1"/>
+          </p:cNvSpPr>
+          <p:nvPr>
+            <p:ph type="body" sz="half" idx="2"/>
+          </p:nvPr>
+        </p:nvSpPr>
+        <p:spPr>
+          <a:xfrm>
+            <a:off x="839788" y="2057400"/>
+            <a:ext cx="3932237" cy="3811588"/>
           </a:xfrm>
         </p:spPr>
         <p:txBody>
@@ -3228,139 +3007,66 @@
           <a:lstStyle>
             <a:lvl1pPr marL="0" indent="0">
               <a:buNone/>
-              <a:defRPr sz="2400"/>
+              <a:defRPr sz="1600"/>
             </a:lvl1pPr>
-            <a:lvl2pPr marL="342900" indent="0">
+            <a:lvl2pPr marL="457200" indent="0">
               <a:buNone/>
-              <a:defRPr sz="2100"/>
+              <a:defRPr sz="1400"/>
             </a:lvl2pPr>
-            <a:lvl3pPr marL="685800" indent="0">
+            <a:lvl3pPr marL="914400" indent="0">
               <a:buNone/>
-              <a:defRPr sz="1800"/>
+              <a:defRPr sz="1200"/>
             </a:lvl3pPr>
-            <a:lvl4pPr marL="1028700" indent="0">
+            <a:lvl4pPr marL="1371600" indent="0">
               <a:buNone/>
-              <a:defRPr sz="1500"/>
+              <a:defRPr sz="1000"/>
             </a:lvl4pPr>
-            <a:lvl5pPr marL="1371600" indent="0">
+            <a:lvl5pPr marL="1828800" indent="0">
               <a:buNone/>
-              <a:defRPr sz="1500"/>
+              <a:defRPr sz="1000"/>
             </a:lvl5pPr>
-            <a:lvl6pPr marL="1714500" indent="0">
+            <a:lvl6pPr marL="2286000" indent="0">
               <a:buNone/>
-              <a:defRPr sz="1500"/>
+              <a:defRPr sz="1000"/>
             </a:lvl6pPr>
-            <a:lvl7pPr marL="2057400" indent="0">
+            <a:lvl7pPr marL="2743200" indent="0">
               <a:buNone/>
-              <a:defRPr sz="1500"/>
+              <a:defRPr sz="1000"/>
             </a:lvl7pPr>
-            <a:lvl8pPr marL="2400300" indent="0">
+            <a:lvl8pPr marL="3200400" indent="0">
               <a:buNone/>
-              <a:defRPr sz="1500"/>
+              <a:defRPr sz="1000"/>
             </a:lvl8pPr>
-            <a:lvl9pPr marL="2743200" indent="0">
+            <a:lvl9pPr marL="3657600" indent="0">
               <a:buNone/>
-              <a:defRPr sz="1500"/>
+              <a:defRPr sz="1000"/>
             </a:lvl9pPr>
           </a:lstStyle>
           <a:p>
-            <a:endParaRPr lang="it-IT"/>
-          </a:p>
-        </p:txBody>
-      </p:sp>
-      <p:sp>
-        <p:nvSpPr>
-          <p:cNvPr id="4" name="Segnaposto testo 3">
-            <a:extLst>
-              <a:ext uri="{FF2B5EF4-FFF2-40B4-BE49-F238E27FC236}">
-                <a16:creationId xmlns:a16="http://schemas.microsoft.com/office/drawing/2014/main" id="{29017870-C819-4D50-86E1-2902257DB26D}"/>
-              </a:ext>
-            </a:extLst>
-          </p:cNvPr>
-          <p:cNvSpPr>
-            <a:spLocks noGrp="1"/>
-          </p:cNvSpPr>
-          <p:nvPr>
-            <p:ph type="body" sz="half" idx="2"/>
-          </p:nvPr>
-        </p:nvSpPr>
-        <p:spPr>
-          <a:xfrm>
-            <a:off x="629841" y="2057400"/>
-            <a:ext cx="2949178" cy="3811588"/>
-          </a:xfrm>
-        </p:spPr>
+            <a:pPr lvl="0"/>
+            <a:r>
+              <a:rPr lang="en-US"/>
+              <a:t>Click to edit Master text styles</a:t>
+            </a:r>
+          </a:p>
+        </p:txBody>
+      </p:sp>
+      <p:sp>
+        <p:nvSpPr>
+          <p:cNvPr id="5" name="Date Placeholder 4"/>
+          <p:cNvSpPr>
+            <a:spLocks noGrp="1"/>
+          </p:cNvSpPr>
+          <p:nvPr>
+            <p:ph type="dt" sz="half" idx="10"/>
+          </p:nvPr>
+        </p:nvSpPr>
+        <p:spPr/>
         <p:txBody>
           <a:bodyPr/>
-          <a:lstStyle>
-            <a:lvl1pPr marL="0" indent="0">
-              <a:buNone/>
-              <a:defRPr sz="1200"/>
-            </a:lvl1pPr>
-            <a:lvl2pPr marL="342900" indent="0">
-              <a:buNone/>
-              <a:defRPr sz="1050"/>
-            </a:lvl2pPr>
-            <a:lvl3pPr marL="685800" indent="0">
-              <a:buNone/>
-              <a:defRPr sz="900"/>
-            </a:lvl3pPr>
-            <a:lvl4pPr marL="1028700" indent="0">
-              <a:buNone/>
-              <a:defRPr sz="750"/>
-            </a:lvl4pPr>
-            <a:lvl5pPr marL="1371600" indent="0">
-              <a:buNone/>
-              <a:defRPr sz="750"/>
-            </a:lvl5pPr>
-            <a:lvl6pPr marL="1714500" indent="0">
-              <a:buNone/>
-              <a:defRPr sz="750"/>
-            </a:lvl6pPr>
-            <a:lvl7pPr marL="2057400" indent="0">
-              <a:buNone/>
-              <a:defRPr sz="750"/>
-            </a:lvl7pPr>
-            <a:lvl8pPr marL="2400300" indent="0">
-              <a:buNone/>
-              <a:defRPr sz="750"/>
-            </a:lvl8pPr>
-            <a:lvl9pPr marL="2743200" indent="0">
-              <a:buNone/>
-              <a:defRPr sz="750"/>
-            </a:lvl9pPr>
-          </a:lstStyle>
-          <a:p>
-            <a:pPr lvl="0"/>
-            <a:r>
-              <a:rPr lang="it-IT"/>
-              <a:t>Fare clic per modificare gli stili del testo dello schema</a:t>
-            </a:r>
-          </a:p>
-        </p:txBody>
-      </p:sp>
-      <p:sp>
-        <p:nvSpPr>
-          <p:cNvPr id="5" name="Segnaposto data 4">
-            <a:extLst>
-              <a:ext uri="{FF2B5EF4-FFF2-40B4-BE49-F238E27FC236}">
-                <a16:creationId xmlns:a16="http://schemas.microsoft.com/office/drawing/2014/main" id="{474436DF-E43A-4CED-B9ED-D192D60D685C}"/>
-              </a:ext>
-            </a:extLst>
-          </p:cNvPr>
-          <p:cNvSpPr>
-            <a:spLocks noGrp="1"/>
-          </p:cNvSpPr>
-          <p:nvPr>
-            <p:ph type="dt" sz="half" idx="10"/>
-          </p:nvPr>
-        </p:nvSpPr>
-        <p:spPr/>
-        <p:txBody>
-          <a:bodyPr/>
-          <a:lstStyle/>
-          <a:p>
-            <a:fld id="{ABA3F9A5-1D9E-4C1A-88C8-B0C7774D3EC7}" type="datetime1">
+          <a:lstStyle/>
+          <a:p>
+            <a:fld id="{519C5307-3A56-4F91-8FB2-60E4C7C3FF23}" type="datetime1">
               <a:rPr lang="it-IT" smtClean="0"/>
               <a:t>16/10/2019</a:t>
             </a:fld>
@@ -3370,13 +3076,7 @@
       </p:sp>
       <p:sp>
         <p:nvSpPr>
-          <p:cNvPr id="6" name="Segnaposto piè di pagina 5">
-            <a:extLst>
-              <a:ext uri="{FF2B5EF4-FFF2-40B4-BE49-F238E27FC236}">
-                <a16:creationId xmlns:a16="http://schemas.microsoft.com/office/drawing/2014/main" id="{821CAE82-ADC9-4C1E-9C3D-48CD4A7FE8FB}"/>
-              </a:ext>
-            </a:extLst>
-          </p:cNvPr>
+          <p:cNvPr id="6" name="Footer Placeholder 5"/>
           <p:cNvSpPr>
             <a:spLocks noGrp="1"/>
           </p:cNvSpPr>
@@ -3395,13 +3095,7 @@
       </p:sp>
       <p:sp>
         <p:nvSpPr>
-          <p:cNvPr id="7" name="Segnaposto numero diapositiva 6">
-            <a:extLst>
-              <a:ext uri="{FF2B5EF4-FFF2-40B4-BE49-F238E27FC236}">
-                <a16:creationId xmlns:a16="http://schemas.microsoft.com/office/drawing/2014/main" id="{B0AF7631-CD41-4E8B-9C85-A07C89CAD4F8}"/>
-              </a:ext>
-            </a:extLst>
-          </p:cNvPr>
+          <p:cNvPr id="7" name="Slide Number Placeholder 6"/>
           <p:cNvSpPr>
             <a:spLocks noGrp="1"/>
           </p:cNvSpPr>
@@ -3425,13 +3119,14 @@
     </p:spTree>
     <p:extLst>
       <p:ext uri="{BB962C8B-B14F-4D97-AF65-F5344CB8AC3E}">
-        <p14:creationId xmlns:p14="http://schemas.microsoft.com/office/powerpoint/2010/main" val="3996123900"/>
+        <p14:creationId xmlns:p14="http://schemas.microsoft.com/office/powerpoint/2010/main" val="3761896389"/>
       </p:ext>
     </p:extLst>
   </p:cSld>
   <p:clrMapOvr>
     <a:masterClrMapping/>
   </p:clrMapOvr>
+  <p:hf hdr="0" ftr="0" dt="0"/>
 </p:sldLayout>
 </file>
 
@@ -3459,13 +3154,7 @@
       </p:grpSpPr>
       <p:sp>
         <p:nvSpPr>
-          <p:cNvPr id="2" name="Segnaposto titolo 1">
-            <a:extLst>
-              <a:ext uri="{FF2B5EF4-FFF2-40B4-BE49-F238E27FC236}">
-                <a16:creationId xmlns:a16="http://schemas.microsoft.com/office/drawing/2014/main" id="{FD4B86C3-2729-4409-9719-6BA242162BC9}"/>
-              </a:ext>
-            </a:extLst>
-          </p:cNvPr>
+          <p:cNvPr id="2" name="Title Placeholder 1"/>
           <p:cNvSpPr>
             <a:spLocks noGrp="1"/>
           </p:cNvSpPr>
@@ -3475,8 +3164,8 @@
         </p:nvSpPr>
         <p:spPr>
           <a:xfrm>
-            <a:off x="628650" y="365126"/>
-            <a:ext cx="7886700" cy="1325563"/>
+            <a:off x="838200" y="365125"/>
+            <a:ext cx="10515600" cy="1325563"/>
           </a:xfrm>
           <a:prstGeom prst="rect">
             <a:avLst/>
@@ -3489,21 +3178,16 @@
           <a:lstStyle/>
           <a:p>
             <a:r>
-              <a:rPr lang="it-IT"/>
-              <a:t>Fare clic per modificare lo stile del titolo dello schema</a:t>
-            </a:r>
-          </a:p>
-        </p:txBody>
-      </p:sp>
-      <p:sp>
-        <p:nvSpPr>
-          <p:cNvPr id="3" name="Segnaposto testo 2">
-            <a:extLst>
-              <a:ext uri="{FF2B5EF4-FFF2-40B4-BE49-F238E27FC236}">
-                <a16:creationId xmlns:a16="http://schemas.microsoft.com/office/drawing/2014/main" id="{A18B298D-1B07-40DC-B508-13661AA0673B}"/>
-              </a:ext>
-            </a:extLst>
-          </p:cNvPr>
+              <a:rPr lang="en-US"/>
+              <a:t>Click to edit Master title style</a:t>
+            </a:r>
+            <a:endParaRPr lang="en-US" dirty="0"/>
+          </a:p>
+        </p:txBody>
+      </p:sp>
+      <p:sp>
+        <p:nvSpPr>
+          <p:cNvPr id="3" name="Text Placeholder 2"/>
           <p:cNvSpPr>
             <a:spLocks noGrp="1"/>
           </p:cNvSpPr>
@@ -3513,8 +3197,8 @@
         </p:nvSpPr>
         <p:spPr>
           <a:xfrm>
-            <a:off x="628650" y="1825625"/>
-            <a:ext cx="7886700" cy="4351338"/>
+            <a:off x="838200" y="1825625"/>
+            <a:ext cx="10515600" cy="4351338"/>
           </a:xfrm>
           <a:prstGeom prst="rect">
             <a:avLst/>
@@ -3528,49 +3212,44 @@
           <a:p>
             <a:pPr lvl="0"/>
             <a:r>
-              <a:rPr lang="it-IT"/>
-              <a:t>Fare clic per modificare gli stili del testo dello schema</a:t>
+              <a:rPr lang="en-US"/>
+              <a:t>Click to edit Master text styles</a:t>
             </a:r>
           </a:p>
           <a:p>
             <a:pPr lvl="1"/>
             <a:r>
-              <a:rPr lang="it-IT"/>
-              <a:t>Secondo livello</a:t>
+              <a:rPr lang="en-US"/>
+              <a:t>Second level</a:t>
             </a:r>
           </a:p>
           <a:p>
             <a:pPr lvl="2"/>
             <a:r>
-              <a:rPr lang="it-IT"/>
-              <a:t>Terzo livello</a:t>
+              <a:rPr lang="en-US"/>
+              <a:t>Third level</a:t>
             </a:r>
           </a:p>
           <a:p>
             <a:pPr lvl="3"/>
             <a:r>
-              <a:rPr lang="it-IT"/>
-              <a:t>Quarto livello</a:t>
+              <a:rPr lang="en-US"/>
+              <a:t>Fourth level</a:t>
             </a:r>
           </a:p>
           <a:p>
             <a:pPr lvl="4"/>
             <a:r>
-              <a:rPr lang="it-IT"/>
-              <a:t>Quinto livello</a:t>
-            </a:r>
-          </a:p>
-        </p:txBody>
-      </p:sp>
-      <p:sp>
-        <p:nvSpPr>
-          <p:cNvPr id="4" name="Segnaposto data 3">
-            <a:extLst>
-              <a:ext uri="{FF2B5EF4-FFF2-40B4-BE49-F238E27FC236}">
-                <a16:creationId xmlns:a16="http://schemas.microsoft.com/office/drawing/2014/main" id="{1CEDDB2C-2A30-4DBB-B0DC-2343C927B69F}"/>
-              </a:ext>
-            </a:extLst>
-          </p:cNvPr>
+              <a:rPr lang="en-US"/>
+              <a:t>Fifth level</a:t>
+            </a:r>
+            <a:endParaRPr lang="en-US" dirty="0"/>
+          </a:p>
+        </p:txBody>
+      </p:sp>
+      <p:sp>
+        <p:nvSpPr>
+          <p:cNvPr id="4" name="Date Placeholder 3"/>
           <p:cNvSpPr>
             <a:spLocks noGrp="1"/>
           </p:cNvSpPr>
@@ -3580,8 +3259,8 @@
         </p:nvSpPr>
         <p:spPr>
           <a:xfrm>
-            <a:off x="628650" y="6356351"/>
-            <a:ext cx="2057400" cy="365125"/>
+            <a:off x="838200" y="6356350"/>
+            <a:ext cx="2743200" cy="365125"/>
           </a:xfrm>
           <a:prstGeom prst="rect">
             <a:avLst/>
@@ -3591,7 +3270,7 @@
           <a:bodyPr vert="horz" lIns="91440" tIns="45720" rIns="91440" bIns="45720" rtlCol="0" anchor="ctr"/>
           <a:lstStyle>
             <a:lvl1pPr algn="l">
-              <a:defRPr sz="900">
+              <a:defRPr sz="1200">
                 <a:solidFill>
                   <a:schemeClr val="tx1">
                     <a:tint val="75000"/>
@@ -3611,13 +3290,7 @@
       </p:sp>
       <p:sp>
         <p:nvSpPr>
-          <p:cNvPr id="5" name="Segnaposto piè di pagina 4">
-            <a:extLst>
-              <a:ext uri="{FF2B5EF4-FFF2-40B4-BE49-F238E27FC236}">
-                <a16:creationId xmlns:a16="http://schemas.microsoft.com/office/drawing/2014/main" id="{7CE6F84F-B96C-4CD4-A24F-DA06C8C78223}"/>
-              </a:ext>
-            </a:extLst>
-          </p:cNvPr>
+          <p:cNvPr id="5" name="Footer Placeholder 4"/>
           <p:cNvSpPr>
             <a:spLocks noGrp="1"/>
           </p:cNvSpPr>
@@ -3627,8 +3300,8 @@
         </p:nvSpPr>
         <p:spPr>
           <a:xfrm>
-            <a:off x="3028950" y="6356351"/>
-            <a:ext cx="3086100" cy="365125"/>
+            <a:off x="4038600" y="6356350"/>
+            <a:ext cx="4114800" cy="365125"/>
           </a:xfrm>
           <a:prstGeom prst="rect">
             <a:avLst/>
@@ -3638,7 +3311,7 @@
           <a:bodyPr vert="horz" lIns="91440" tIns="45720" rIns="91440" bIns="45720" rtlCol="0" anchor="ctr"/>
           <a:lstStyle>
             <a:lvl1pPr algn="ctr">
-              <a:defRPr sz="900">
+              <a:defRPr sz="1200">
                 <a:solidFill>
                   <a:schemeClr val="tx1">
                     <a:tint val="75000"/>
@@ -3654,13 +3327,7 @@
       </p:sp>
       <p:sp>
         <p:nvSpPr>
-          <p:cNvPr id="6" name="Segnaposto numero diapositiva 5">
-            <a:extLst>
-              <a:ext uri="{FF2B5EF4-FFF2-40B4-BE49-F238E27FC236}">
-                <a16:creationId xmlns:a16="http://schemas.microsoft.com/office/drawing/2014/main" id="{E8DD5BD6-EF61-4379-A5E2-2FBBC29C8B00}"/>
-              </a:ext>
-            </a:extLst>
-          </p:cNvPr>
+          <p:cNvPr id="6" name="Slide Number Placeholder 5"/>
           <p:cNvSpPr>
             <a:spLocks noGrp="1"/>
           </p:cNvSpPr>
@@ -3670,8 +3337,8 @@
         </p:nvSpPr>
         <p:spPr>
           <a:xfrm>
-            <a:off x="6457950" y="6356351"/>
-            <a:ext cx="2057400" cy="365125"/>
+            <a:off x="8610600" y="6356350"/>
+            <a:ext cx="2743200" cy="365125"/>
           </a:xfrm>
           <a:prstGeom prst="rect">
             <a:avLst/>
@@ -3681,7 +3348,7 @@
           <a:bodyPr vert="horz" lIns="91440" tIns="45720" rIns="91440" bIns="45720" rtlCol="0" anchor="ctr"/>
           <a:lstStyle>
             <a:lvl1pPr algn="r">
-              <a:defRPr sz="900">
+              <a:defRPr sz="1200">
                 <a:solidFill>
                   <a:schemeClr val="tx1">
                     <a:tint val="75000"/>
@@ -3702,28 +3369,28 @@
     </p:spTree>
     <p:extLst>
       <p:ext uri="{BB962C8B-B14F-4D97-AF65-F5344CB8AC3E}">
-        <p14:creationId xmlns:p14="http://schemas.microsoft.com/office/powerpoint/2010/main" val="3112063130"/>
+        <p14:creationId xmlns:p14="http://schemas.microsoft.com/office/powerpoint/2010/main" val="3702675810"/>
       </p:ext>
     </p:extLst>
   </p:cSld>
   <p:clrMap bg1="lt1" tx1="dk1" bg2="lt2" tx2="dk2" accent1="accent1" accent2="accent2" accent3="accent3" accent4="accent4" accent5="accent5" accent6="accent6" hlink="hlink" folHlink="folHlink"/>
   <p:sldLayoutIdLst>
-    <p:sldLayoutId id="2147483703" r:id="rId1"/>
-    <p:sldLayoutId id="2147483704" r:id="rId2"/>
-    <p:sldLayoutId id="2147483705" r:id="rId3"/>
-    <p:sldLayoutId id="2147483706" r:id="rId4"/>
-    <p:sldLayoutId id="2147483707" r:id="rId5"/>
-    <p:sldLayoutId id="2147483708" r:id="rId6"/>
-    <p:sldLayoutId id="2147483709" r:id="rId7"/>
-    <p:sldLayoutId id="2147483710" r:id="rId8"/>
-    <p:sldLayoutId id="2147483711" r:id="rId9"/>
-    <p:sldLayoutId id="2147483712" r:id="rId10"/>
-    <p:sldLayoutId id="2147483713" r:id="rId11"/>
+    <p:sldLayoutId id="2147483715" r:id="rId1"/>
+    <p:sldLayoutId id="2147483716" r:id="rId2"/>
+    <p:sldLayoutId id="2147483717" r:id="rId3"/>
+    <p:sldLayoutId id="2147483718" r:id="rId4"/>
+    <p:sldLayoutId id="2147483719" r:id="rId5"/>
+    <p:sldLayoutId id="2147483720" r:id="rId6"/>
+    <p:sldLayoutId id="2147483721" r:id="rId7"/>
+    <p:sldLayoutId id="2147483722" r:id="rId8"/>
+    <p:sldLayoutId id="2147483723" r:id="rId9"/>
+    <p:sldLayoutId id="2147483724" r:id="rId10"/>
+    <p:sldLayoutId id="2147483725" r:id="rId11"/>
   </p:sldLayoutIdLst>
   <p:hf hdr="0" ftr="0" dt="0"/>
   <p:txStyles>
     <p:titleStyle>
-      <a:lvl1pPr algn="l" defTabSz="685800" rtl="0" eaLnBrk="1" latinLnBrk="0" hangingPunct="1">
+      <a:lvl1pPr algn="l" defTabSz="914400" rtl="0" eaLnBrk="1" latinLnBrk="0" hangingPunct="1">
         <a:lnSpc>
           <a:spcPct val="90000"/>
         </a:lnSpc>
@@ -3731,7 +3398,7 @@
           <a:spcPct val="0"/>
         </a:spcBef>
         <a:buNone/>
-        <a:defRPr sz="3300" kern="1200">
+        <a:defRPr sz="4400" kern="1200">
           <a:solidFill>
             <a:schemeClr val="tx1"/>
           </a:solidFill>
@@ -3742,16 +3409,16 @@
       </a:lvl1pPr>
     </p:titleStyle>
     <p:bodyStyle>
-      <a:lvl1pPr marL="171450" indent="-171450" algn="l" defTabSz="685800" rtl="0" eaLnBrk="1" latinLnBrk="0" hangingPunct="1">
+      <a:lvl1pPr marL="228600" indent="-228600" algn="l" defTabSz="914400" rtl="0" eaLnBrk="1" latinLnBrk="0" hangingPunct="1">
         <a:lnSpc>
           <a:spcPct val="90000"/>
         </a:lnSpc>
         <a:spcBef>
-          <a:spcPts val="750"/>
+          <a:spcPts val="1000"/>
         </a:spcBef>
         <a:buFont typeface="Arial" panose="020B0604020202020204" pitchFamily="34" charset="0"/>
         <a:buChar char="•"/>
-        <a:defRPr sz="2100" kern="1200">
+        <a:defRPr sz="2800" kern="1200">
           <a:solidFill>
             <a:schemeClr val="tx1"/>
           </a:solidFill>
@@ -3760,12 +3427,48 @@
           <a:cs typeface="+mn-cs"/>
         </a:defRPr>
       </a:lvl1pPr>
-      <a:lvl2pPr marL="514350" indent="-171450" algn="l" defTabSz="685800" rtl="0" eaLnBrk="1" latinLnBrk="0" hangingPunct="1">
+      <a:lvl2pPr marL="685800" indent="-228600" algn="l" defTabSz="914400" rtl="0" eaLnBrk="1" latinLnBrk="0" hangingPunct="1">
         <a:lnSpc>
           <a:spcPct val="90000"/>
         </a:lnSpc>
         <a:spcBef>
-          <a:spcPts val="375"/>
+          <a:spcPts val="500"/>
+        </a:spcBef>
+        <a:buFont typeface="Arial" panose="020B0604020202020204" pitchFamily="34" charset="0"/>
+        <a:buChar char="•"/>
+        <a:defRPr sz="2400" kern="1200">
+          <a:solidFill>
+            <a:schemeClr val="tx1"/>
+          </a:solidFill>
+          <a:latin typeface="+mn-lt"/>
+          <a:ea typeface="+mn-ea"/>
+          <a:cs typeface="+mn-cs"/>
+        </a:defRPr>
+      </a:lvl2pPr>
+      <a:lvl3pPr marL="1143000" indent="-228600" algn="l" defTabSz="914400" rtl="0" eaLnBrk="1" latinLnBrk="0" hangingPunct="1">
+        <a:lnSpc>
+          <a:spcPct val="90000"/>
+        </a:lnSpc>
+        <a:spcBef>
+          <a:spcPts val="500"/>
+        </a:spcBef>
+        <a:buFont typeface="Arial" panose="020B0604020202020204" pitchFamily="34" charset="0"/>
+        <a:buChar char="•"/>
+        <a:defRPr sz="2000" kern="1200">
+          <a:solidFill>
+            <a:schemeClr val="tx1"/>
+          </a:solidFill>
+          <a:latin typeface="+mn-lt"/>
+          <a:ea typeface="+mn-ea"/>
+          <a:cs typeface="+mn-cs"/>
+        </a:defRPr>
+      </a:lvl3pPr>
+      <a:lvl4pPr marL="1600200" indent="-228600" algn="l" defTabSz="914400" rtl="0" eaLnBrk="1" latinLnBrk="0" hangingPunct="1">
+        <a:lnSpc>
+          <a:spcPct val="90000"/>
+        </a:lnSpc>
+        <a:spcBef>
+          <a:spcPts val="500"/>
         </a:spcBef>
         <a:buFont typeface="Arial" panose="020B0604020202020204" pitchFamily="34" charset="0"/>
         <a:buChar char="•"/>
@@ -3777,53 +3480,17 @@
           <a:ea typeface="+mn-ea"/>
           <a:cs typeface="+mn-cs"/>
         </a:defRPr>
-      </a:lvl2pPr>
-      <a:lvl3pPr marL="857250" indent="-171450" algn="l" defTabSz="685800" rtl="0" eaLnBrk="1" latinLnBrk="0" hangingPunct="1">
+      </a:lvl4pPr>
+      <a:lvl5pPr marL="2057400" indent="-228600" algn="l" defTabSz="914400" rtl="0" eaLnBrk="1" latinLnBrk="0" hangingPunct="1">
         <a:lnSpc>
           <a:spcPct val="90000"/>
         </a:lnSpc>
         <a:spcBef>
-          <a:spcPts val="375"/>
+          <a:spcPts val="500"/>
         </a:spcBef>
         <a:buFont typeface="Arial" panose="020B0604020202020204" pitchFamily="34" charset="0"/>
         <a:buChar char="•"/>
-        <a:defRPr sz="1500" kern="1200">
-          <a:solidFill>
-            <a:schemeClr val="tx1"/>
-          </a:solidFill>
-          <a:latin typeface="+mn-lt"/>
-          <a:ea typeface="+mn-ea"/>
-          <a:cs typeface="+mn-cs"/>
-        </a:defRPr>
-      </a:lvl3pPr>
-      <a:lvl4pPr marL="1200150" indent="-171450" algn="l" defTabSz="685800" rtl="0" eaLnBrk="1" latinLnBrk="0" hangingPunct="1">
-        <a:lnSpc>
-          <a:spcPct val="90000"/>
-        </a:lnSpc>
-        <a:spcBef>
-          <a:spcPts val="375"/>
-        </a:spcBef>
-        <a:buFont typeface="Arial" panose="020B0604020202020204" pitchFamily="34" charset="0"/>
-        <a:buChar char="•"/>
-        <a:defRPr sz="1350" kern="1200">
-          <a:solidFill>
-            <a:schemeClr val="tx1"/>
-          </a:solidFill>
-          <a:latin typeface="+mn-lt"/>
-          <a:ea typeface="+mn-ea"/>
-          <a:cs typeface="+mn-cs"/>
-        </a:defRPr>
-      </a:lvl4pPr>
-      <a:lvl5pPr marL="1543050" indent="-171450" algn="l" defTabSz="685800" rtl="0" eaLnBrk="1" latinLnBrk="0" hangingPunct="1">
-        <a:lnSpc>
-          <a:spcPct val="90000"/>
-        </a:lnSpc>
-        <a:spcBef>
-          <a:spcPts val="375"/>
-        </a:spcBef>
-        <a:buFont typeface="Arial" panose="020B0604020202020204" pitchFamily="34" charset="0"/>
-        <a:buChar char="•"/>
-        <a:defRPr sz="1350" kern="1200">
+        <a:defRPr sz="1800" kern="1200">
           <a:solidFill>
             <a:schemeClr val="tx1"/>
           </a:solidFill>
@@ -3832,16 +3499,16 @@
           <a:cs typeface="+mn-cs"/>
         </a:defRPr>
       </a:lvl5pPr>
-      <a:lvl6pPr marL="1885950" indent="-171450" algn="l" defTabSz="685800" rtl="0" eaLnBrk="1" latinLnBrk="0" hangingPunct="1">
+      <a:lvl6pPr marL="2514600" indent="-228600" algn="l" defTabSz="914400" rtl="0" eaLnBrk="1" latinLnBrk="0" hangingPunct="1">
         <a:lnSpc>
           <a:spcPct val="90000"/>
         </a:lnSpc>
         <a:spcBef>
-          <a:spcPts val="375"/>
+          <a:spcPts val="500"/>
         </a:spcBef>
         <a:buFont typeface="Arial" panose="020B0604020202020204" pitchFamily="34" charset="0"/>
         <a:buChar char="•"/>
-        <a:defRPr sz="1350" kern="1200">
+        <a:defRPr sz="1800" kern="1200">
           <a:solidFill>
             <a:schemeClr val="tx1"/>
           </a:solidFill>
@@ -3850,16 +3517,16 @@
           <a:cs typeface="+mn-cs"/>
         </a:defRPr>
       </a:lvl6pPr>
-      <a:lvl7pPr marL="2228850" indent="-171450" algn="l" defTabSz="685800" rtl="0" eaLnBrk="1" latinLnBrk="0" hangingPunct="1">
+      <a:lvl7pPr marL="2971800" indent="-228600" algn="l" defTabSz="914400" rtl="0" eaLnBrk="1" latinLnBrk="0" hangingPunct="1">
         <a:lnSpc>
           <a:spcPct val="90000"/>
         </a:lnSpc>
         <a:spcBef>
-          <a:spcPts val="375"/>
+          <a:spcPts val="500"/>
         </a:spcBef>
         <a:buFont typeface="Arial" panose="020B0604020202020204" pitchFamily="34" charset="0"/>
         <a:buChar char="•"/>
-        <a:defRPr sz="1350" kern="1200">
+        <a:defRPr sz="1800" kern="1200">
           <a:solidFill>
             <a:schemeClr val="tx1"/>
           </a:solidFill>
@@ -3868,16 +3535,16 @@
           <a:cs typeface="+mn-cs"/>
         </a:defRPr>
       </a:lvl7pPr>
-      <a:lvl8pPr marL="2571750" indent="-171450" algn="l" defTabSz="685800" rtl="0" eaLnBrk="1" latinLnBrk="0" hangingPunct="1">
+      <a:lvl8pPr marL="3429000" indent="-228600" algn="l" defTabSz="914400" rtl="0" eaLnBrk="1" latinLnBrk="0" hangingPunct="1">
         <a:lnSpc>
           <a:spcPct val="90000"/>
         </a:lnSpc>
         <a:spcBef>
-          <a:spcPts val="375"/>
+          <a:spcPts val="500"/>
         </a:spcBef>
         <a:buFont typeface="Arial" panose="020B0604020202020204" pitchFamily="34" charset="0"/>
         <a:buChar char="•"/>
-        <a:defRPr sz="1350" kern="1200">
+        <a:defRPr sz="1800" kern="1200">
           <a:solidFill>
             <a:schemeClr val="tx1"/>
           </a:solidFill>
@@ -3886,16 +3553,16 @@
           <a:cs typeface="+mn-cs"/>
         </a:defRPr>
       </a:lvl8pPr>
-      <a:lvl9pPr marL="2914650" indent="-171450" algn="l" defTabSz="685800" rtl="0" eaLnBrk="1" latinLnBrk="0" hangingPunct="1">
+      <a:lvl9pPr marL="3886200" indent="-228600" algn="l" defTabSz="914400" rtl="0" eaLnBrk="1" latinLnBrk="0" hangingPunct="1">
         <a:lnSpc>
           <a:spcPct val="90000"/>
         </a:lnSpc>
         <a:spcBef>
-          <a:spcPts val="375"/>
+          <a:spcPts val="500"/>
         </a:spcBef>
         <a:buFont typeface="Arial" panose="020B0604020202020204" pitchFamily="34" charset="0"/>
         <a:buChar char="•"/>
-        <a:defRPr sz="1350" kern="1200">
+        <a:defRPr sz="1800" kern="1200">
           <a:solidFill>
             <a:schemeClr val="tx1"/>
           </a:solidFill>
@@ -3907,10 +3574,10 @@
     </p:bodyStyle>
     <p:otherStyle>
       <a:defPPr>
-        <a:defRPr lang="it-IT"/>
+        <a:defRPr lang="en-US"/>
       </a:defPPr>
-      <a:lvl1pPr marL="0" algn="l" defTabSz="685800" rtl="0" eaLnBrk="1" latinLnBrk="0" hangingPunct="1">
-        <a:defRPr sz="1350" kern="1200">
+      <a:lvl1pPr marL="0" algn="l" defTabSz="914400" rtl="0" eaLnBrk="1" latinLnBrk="0" hangingPunct="1">
+        <a:defRPr sz="1800" kern="1200">
           <a:solidFill>
             <a:schemeClr val="tx1"/>
           </a:solidFill>
@@ -3919,8 +3586,8 @@
           <a:cs typeface="+mn-cs"/>
         </a:defRPr>
       </a:lvl1pPr>
-      <a:lvl2pPr marL="342900" algn="l" defTabSz="685800" rtl="0" eaLnBrk="1" latinLnBrk="0" hangingPunct="1">
-        <a:defRPr sz="1350" kern="1200">
+      <a:lvl2pPr marL="457200" algn="l" defTabSz="914400" rtl="0" eaLnBrk="1" latinLnBrk="0" hangingPunct="1">
+        <a:defRPr sz="1800" kern="1200">
           <a:solidFill>
             <a:schemeClr val="tx1"/>
           </a:solidFill>
@@ -3929,8 +3596,8 @@
           <a:cs typeface="+mn-cs"/>
         </a:defRPr>
       </a:lvl2pPr>
-      <a:lvl3pPr marL="685800" algn="l" defTabSz="685800" rtl="0" eaLnBrk="1" latinLnBrk="0" hangingPunct="1">
-        <a:defRPr sz="1350" kern="1200">
+      <a:lvl3pPr marL="914400" algn="l" defTabSz="914400" rtl="0" eaLnBrk="1" latinLnBrk="0" hangingPunct="1">
+        <a:defRPr sz="1800" kern="1200">
           <a:solidFill>
             <a:schemeClr val="tx1"/>
           </a:solidFill>
@@ -3939,8 +3606,8 @@
           <a:cs typeface="+mn-cs"/>
         </a:defRPr>
       </a:lvl3pPr>
-      <a:lvl4pPr marL="1028700" algn="l" defTabSz="685800" rtl="0" eaLnBrk="1" latinLnBrk="0" hangingPunct="1">
-        <a:defRPr sz="1350" kern="1200">
+      <a:lvl4pPr marL="1371600" algn="l" defTabSz="914400" rtl="0" eaLnBrk="1" latinLnBrk="0" hangingPunct="1">
+        <a:defRPr sz="1800" kern="1200">
           <a:solidFill>
             <a:schemeClr val="tx1"/>
           </a:solidFill>
@@ -3949,8 +3616,8 @@
           <a:cs typeface="+mn-cs"/>
         </a:defRPr>
       </a:lvl4pPr>
-      <a:lvl5pPr marL="1371600" algn="l" defTabSz="685800" rtl="0" eaLnBrk="1" latinLnBrk="0" hangingPunct="1">
-        <a:defRPr sz="1350" kern="1200">
+      <a:lvl5pPr marL="1828800" algn="l" defTabSz="914400" rtl="0" eaLnBrk="1" latinLnBrk="0" hangingPunct="1">
+        <a:defRPr sz="1800" kern="1200">
           <a:solidFill>
             <a:schemeClr val="tx1"/>
           </a:solidFill>
@@ -3959,8 +3626,8 @@
           <a:cs typeface="+mn-cs"/>
         </a:defRPr>
       </a:lvl5pPr>
-      <a:lvl6pPr marL="1714500" algn="l" defTabSz="685800" rtl="0" eaLnBrk="1" latinLnBrk="0" hangingPunct="1">
-        <a:defRPr sz="1350" kern="1200">
+      <a:lvl6pPr marL="2286000" algn="l" defTabSz="914400" rtl="0" eaLnBrk="1" latinLnBrk="0" hangingPunct="1">
+        <a:defRPr sz="1800" kern="1200">
           <a:solidFill>
             <a:schemeClr val="tx1"/>
           </a:solidFill>
@@ -3969,8 +3636,8 @@
           <a:cs typeface="+mn-cs"/>
         </a:defRPr>
       </a:lvl6pPr>
-      <a:lvl7pPr marL="2057400" algn="l" defTabSz="685800" rtl="0" eaLnBrk="1" latinLnBrk="0" hangingPunct="1">
-        <a:defRPr sz="1350" kern="1200">
+      <a:lvl7pPr marL="2743200" algn="l" defTabSz="914400" rtl="0" eaLnBrk="1" latinLnBrk="0" hangingPunct="1">
+        <a:defRPr sz="1800" kern="1200">
           <a:solidFill>
             <a:schemeClr val="tx1"/>
           </a:solidFill>
@@ -3979,8 +3646,8 @@
           <a:cs typeface="+mn-cs"/>
         </a:defRPr>
       </a:lvl7pPr>
-      <a:lvl8pPr marL="2400300" algn="l" defTabSz="685800" rtl="0" eaLnBrk="1" latinLnBrk="0" hangingPunct="1">
-        <a:defRPr sz="1350" kern="1200">
+      <a:lvl8pPr marL="3200400" algn="l" defTabSz="914400" rtl="0" eaLnBrk="1" latinLnBrk="0" hangingPunct="1">
+        <a:defRPr sz="1800" kern="1200">
           <a:solidFill>
             <a:schemeClr val="tx1"/>
           </a:solidFill>
@@ -3989,8 +3656,8 @@
           <a:cs typeface="+mn-cs"/>
         </a:defRPr>
       </a:lvl8pPr>
-      <a:lvl9pPr marL="2743200" algn="l" defTabSz="685800" rtl="0" eaLnBrk="1" latinLnBrk="0" hangingPunct="1">
-        <a:defRPr sz="1350" kern="1200">
+      <a:lvl9pPr marL="3657600" algn="l" defTabSz="914400" rtl="0" eaLnBrk="1" latinLnBrk="0" hangingPunct="1">
+        <a:defRPr sz="1800" kern="1200">
           <a:solidFill>
             <a:schemeClr val="tx1"/>
           </a:solidFill>
@@ -4154,61 +3821,56 @@
         </p:nvSpPr>
         <p:spPr>
           <a:xfrm>
-            <a:off x="628650" y="92077"/>
+            <a:off x="2152650" y="92077"/>
             <a:ext cx="7886700" cy="911224"/>
           </a:xfrm>
         </p:spPr>
         <p:txBody>
           <a:bodyPr>
-            <a:normAutofit/>
+            <a:normAutofit fontScale="90000"/>
           </a:bodyPr>
           <a:lstStyle/>
           <a:p>
             <a:pPr algn="ctr"/>
             <a:r>
               <a:rPr lang="it-IT" u="sng" dirty="0"/>
-              <a:t>RSClient.java</a:t>
-            </a:r>
-          </a:p>
-        </p:txBody>
-      </p:sp>
-      <p:sp>
-        <p:nvSpPr>
-          <p:cNvPr id="4" name="Segnaposto contenuto 3">
+              <a:t>RSClient.java &gt; DiscoveryServer.java</a:t>
+            </a:r>
+          </a:p>
+        </p:txBody>
+      </p:sp>
+      <p:pic>
+        <p:nvPicPr>
+          <p:cNvPr id="5" name="Content Placeholder 4">
             <a:extLst>
               <a:ext uri="{FF2B5EF4-FFF2-40B4-BE49-F238E27FC236}">
-                <a16:creationId xmlns:a16="http://schemas.microsoft.com/office/drawing/2014/main" id="{A372732A-5502-4218-941E-F135920541BB}"/>
+                <a16:creationId xmlns:a16="http://schemas.microsoft.com/office/drawing/2014/main" id="{C8A4E162-D583-4F29-8903-8184EB3E0E9D}"/>
               </a:ext>
             </a:extLst>
           </p:cNvPr>
-          <p:cNvSpPr>
-            <a:spLocks noGrp="1"/>
-          </p:cNvSpPr>
+          <p:cNvPicPr>
+            <a:picLocks noGrp="1" noChangeAspect="1"/>
+          </p:cNvPicPr>
           <p:nvPr>
             <p:ph idx="1"/>
           </p:nvPr>
-        </p:nvSpPr>
+        </p:nvPicPr>
+        <p:blipFill>
+          <a:blip r:embed="rId2"/>
+          <a:stretch>
+            <a:fillRect/>
+          </a:stretch>
+        </p:blipFill>
         <p:spPr>
           <a:xfrm>
-            <a:off x="628650" y="1003301"/>
-            <a:ext cx="7886700" cy="5173662"/>
+            <a:off x="1263640" y="988962"/>
+            <a:ext cx="9664720" cy="3676598"/>
           </a:xfrm>
+          <a:prstGeom prst="rect">
+            <a:avLst/>
+          </a:prstGeom>
         </p:spPr>
-        <p:txBody>
-          <a:bodyPr>
-            <a:normAutofit/>
-          </a:bodyPr>
-          <a:lstStyle/>
-          <a:p>
-            <a:pPr marL="0" indent="0">
-              <a:buNone/>
-            </a:pPr>
-            <a:endParaRPr lang="it-IT" sz="1000" dirty="0">
-              <a:latin typeface="Consolas" panose="020B0609020204030204" pitchFamily="49" charset="0"/>
-            </a:endParaRPr>
-          </a:p>
-        </p:txBody>
-      </p:sp>
+      </p:pic>
       <p:sp>
         <p:nvSpPr>
           <p:cNvPr id="3" name="Segnaposto numero diapositiva 2">
@@ -4235,6 +3897,104 @@
               <a:t>2</a:t>
             </a:fld>
             <a:endParaRPr lang="it-IT"/>
+          </a:p>
+        </p:txBody>
+      </p:sp>
+      <p:sp>
+        <p:nvSpPr>
+          <p:cNvPr id="6" name="TextBox 5">
+            <a:extLst>
+              <a:ext uri="{FF2B5EF4-FFF2-40B4-BE49-F238E27FC236}">
+                <a16:creationId xmlns:a16="http://schemas.microsoft.com/office/drawing/2014/main" id="{4E7E354B-5611-4FF4-9228-9C6A676917F6}"/>
+              </a:ext>
+            </a:extLst>
+          </p:cNvPr>
+          <p:cNvSpPr txBox="1"/>
+          <p:nvPr/>
+        </p:nvSpPr>
+        <p:spPr>
+          <a:xfrm>
+            <a:off x="2152650" y="4808490"/>
+            <a:ext cx="7835850" cy="1231106"/>
+          </a:xfrm>
+          <a:prstGeom prst="rect">
+            <a:avLst/>
+          </a:prstGeom>
+          <a:noFill/>
+        </p:spPr>
+        <p:txBody>
+          <a:bodyPr wrap="square" rtlCol="0">
+            <a:spAutoFit/>
+          </a:bodyPr>
+          <a:lstStyle/>
+          <a:p>
+            <a:r>
+              <a:rPr lang="en-US" sz="2000" dirty="0" err="1"/>
+              <a:t>Creazione</a:t>
+            </a:r>
+            <a:r>
+              <a:rPr lang="en-US" sz="2000" dirty="0"/>
+              <a:t> di un clausula Try-Catch per </a:t>
+            </a:r>
+            <a:r>
+              <a:rPr lang="en-US" sz="2000" dirty="0" err="1"/>
+              <a:t>contenere</a:t>
+            </a:r>
+            <a:r>
+              <a:rPr lang="en-US" sz="2000" dirty="0"/>
+              <a:t> </a:t>
+            </a:r>
+            <a:r>
+              <a:rPr lang="en-US" sz="2000" dirty="0" err="1"/>
+              <a:t>l’inizializzazione</a:t>
+            </a:r>
+            <a:r>
+              <a:rPr lang="en-US" sz="2000" dirty="0"/>
+              <a:t> </a:t>
+            </a:r>
+            <a:r>
+              <a:rPr lang="en-US" sz="2000" dirty="0" err="1"/>
+              <a:t>della</a:t>
+            </a:r>
+            <a:r>
+              <a:rPr lang="en-US" sz="2000" dirty="0"/>
+              <a:t> Socket Datagram e del Packet Datagram e per </a:t>
+            </a:r>
+            <a:r>
+              <a:rPr lang="en-US" sz="2000" dirty="0" err="1"/>
+              <a:t>cattuare</a:t>
+            </a:r>
+            <a:r>
+              <a:rPr lang="en-US" sz="2000" dirty="0"/>
+              <a:t> </a:t>
+            </a:r>
+            <a:r>
+              <a:rPr lang="en-US" sz="2000" dirty="0" err="1"/>
+              <a:t>l’eventuale</a:t>
+            </a:r>
+            <a:r>
+              <a:rPr lang="en-US" sz="2000" dirty="0"/>
+              <a:t> </a:t>
+            </a:r>
+            <a:r>
+              <a:rPr lang="en-US" sz="2000" dirty="0" err="1"/>
+              <a:t>eccezzione</a:t>
+            </a:r>
+            <a:r>
+              <a:rPr lang="en-US" sz="2000" dirty="0"/>
+              <a:t> </a:t>
+            </a:r>
+            <a:r>
+              <a:rPr lang="en-US" sz="2000" dirty="0" err="1"/>
+              <a:t>SocketException</a:t>
+            </a:r>
+            <a:r>
+              <a:rPr lang="en-US" sz="2000" dirty="0"/>
+              <a:t>.</a:t>
+            </a:r>
+          </a:p>
+          <a:p>
+            <a:endParaRPr lang="it-IT" sz="1400" dirty="0"/>
           </a:p>
         </p:txBody>
       </p:sp>
@@ -4286,62 +4046,57 @@
         </p:nvSpPr>
         <p:spPr>
           <a:xfrm>
-            <a:off x="628650" y="92077"/>
+            <a:off x="2152650" y="92077"/>
             <a:ext cx="7886700" cy="911224"/>
           </a:xfrm>
         </p:spPr>
         <p:txBody>
           <a:bodyPr>
-            <a:normAutofit/>
+            <a:normAutofit fontScale="90000"/>
           </a:bodyPr>
           <a:lstStyle/>
           <a:p>
             <a:pPr algn="ctr"/>
             <a:r>
               <a:rPr lang="en-US" u="sng" dirty="0"/>
-              <a:t>DiscoveryServer.java</a:t>
+              <a:t>RSClient.java &gt; RowSwapServer.java</a:t>
             </a:r>
             <a:endParaRPr lang="it-IT" u="sng" dirty="0"/>
           </a:p>
         </p:txBody>
       </p:sp>
-      <p:sp>
-        <p:nvSpPr>
-          <p:cNvPr id="4" name="Segnaposto contenuto 3">
+      <p:pic>
+        <p:nvPicPr>
+          <p:cNvPr id="5" name="Content Placeholder 4">
             <a:extLst>
               <a:ext uri="{FF2B5EF4-FFF2-40B4-BE49-F238E27FC236}">
-                <a16:creationId xmlns:a16="http://schemas.microsoft.com/office/drawing/2014/main" id="{A372732A-5502-4218-941E-F135920541BB}"/>
+                <a16:creationId xmlns:a16="http://schemas.microsoft.com/office/drawing/2014/main" id="{E00DEC49-FD6A-417F-8551-4B3D35609240}"/>
               </a:ext>
             </a:extLst>
           </p:cNvPr>
-          <p:cNvSpPr>
-            <a:spLocks noGrp="1"/>
-          </p:cNvSpPr>
+          <p:cNvPicPr>
+            <a:picLocks noGrp="1" noChangeAspect="1"/>
+          </p:cNvPicPr>
           <p:nvPr>
             <p:ph idx="1"/>
           </p:nvPr>
-        </p:nvSpPr>
+        </p:nvPicPr>
+        <p:blipFill>
+          <a:blip r:embed="rId2"/>
+          <a:stretch>
+            <a:fillRect/>
+          </a:stretch>
+        </p:blipFill>
         <p:spPr>
           <a:xfrm>
-            <a:off x="628650" y="1003301"/>
-            <a:ext cx="7886700" cy="5173662"/>
+            <a:off x="639910" y="1003301"/>
+            <a:ext cx="5940131" cy="5173663"/>
           </a:xfrm>
+          <a:prstGeom prst="rect">
+            <a:avLst/>
+          </a:prstGeom>
         </p:spPr>
-        <p:txBody>
-          <a:bodyPr>
-            <a:normAutofit/>
-          </a:bodyPr>
-          <a:lstStyle/>
-          <a:p>
-            <a:pPr marL="0" indent="0">
-              <a:buNone/>
-            </a:pPr>
-            <a:endParaRPr lang="it-IT" sz="1100" dirty="0">
-              <a:latin typeface="Consolas" panose="020B0609020204030204" pitchFamily="49" charset="0"/>
-            </a:endParaRPr>
-          </a:p>
-        </p:txBody>
-      </p:sp>
+      </p:pic>
       <p:sp>
         <p:nvSpPr>
           <p:cNvPr id="3" name="Segnaposto numero diapositiva 2">
@@ -4368,6 +4123,567 @@
               <a:t>3</a:t>
             </a:fld>
             <a:endParaRPr lang="it-IT"/>
+          </a:p>
+        </p:txBody>
+      </p:sp>
+      <p:sp>
+        <p:nvSpPr>
+          <p:cNvPr id="6" name="TextBox 5">
+            <a:extLst>
+              <a:ext uri="{FF2B5EF4-FFF2-40B4-BE49-F238E27FC236}">
+                <a16:creationId xmlns:a16="http://schemas.microsoft.com/office/drawing/2014/main" id="{6B2A8547-DC63-4BFC-BE32-63BC73B8EE7B}"/>
+              </a:ext>
+            </a:extLst>
+          </p:cNvPr>
+          <p:cNvSpPr txBox="1"/>
+          <p:nvPr/>
+        </p:nvSpPr>
+        <p:spPr>
+          <a:xfrm>
+            <a:off x="6924675" y="1003301"/>
+            <a:ext cx="5048249" cy="2123658"/>
+          </a:xfrm>
+          <a:prstGeom prst="rect">
+            <a:avLst/>
+          </a:prstGeom>
+          <a:noFill/>
+        </p:spPr>
+        <p:txBody>
+          <a:bodyPr wrap="square" rtlCol="0">
+            <a:spAutoFit/>
+          </a:bodyPr>
+          <a:lstStyle/>
+          <a:p>
+            <a:r>
+              <a:rPr lang="en-US" sz="1600" dirty="0">
+                <a:latin typeface="Consolas" panose="020B0609020204030204" pitchFamily="49" charset="0"/>
+              </a:rPr>
+              <a:t>Doppio </a:t>
+            </a:r>
+            <a:r>
+              <a:rPr lang="en-US" sz="1600" dirty="0" err="1">
+                <a:latin typeface="Consolas" panose="020B0609020204030204" pitchFamily="49" charset="0"/>
+              </a:rPr>
+              <a:t>ciclo</a:t>
+            </a:r>
+            <a:r>
+              <a:rPr lang="en-US" sz="1600" dirty="0">
+                <a:latin typeface="Consolas" panose="020B0609020204030204" pitchFamily="49" charset="0"/>
+              </a:rPr>
+              <a:t> per la </a:t>
+            </a:r>
+            <a:r>
+              <a:rPr lang="en-US" sz="1600" dirty="0" err="1">
+                <a:latin typeface="Consolas" panose="020B0609020204030204" pitchFamily="49" charset="0"/>
+              </a:rPr>
+              <a:t>selezione</a:t>
+            </a:r>
+            <a:r>
+              <a:rPr lang="en-US" sz="1600" dirty="0">
+                <a:latin typeface="Consolas" panose="020B0609020204030204" pitchFamily="49" charset="0"/>
+              </a:rPr>
+              <a:t> </a:t>
+            </a:r>
+            <a:r>
+              <a:rPr lang="en-US" sz="1600" dirty="0" err="1">
+                <a:latin typeface="Consolas" panose="020B0609020204030204" pitchFamily="49" charset="0"/>
+              </a:rPr>
+              <a:t>delle</a:t>
+            </a:r>
+            <a:r>
+              <a:rPr lang="en-US" sz="1600" dirty="0">
+                <a:latin typeface="Consolas" panose="020B0609020204030204" pitchFamily="49" charset="0"/>
+              </a:rPr>
+              <a:t> </a:t>
+            </a:r>
+            <a:r>
+              <a:rPr lang="en-US" sz="1600" dirty="0" err="1">
+                <a:latin typeface="Consolas" panose="020B0609020204030204" pitchFamily="49" charset="0"/>
+              </a:rPr>
+              <a:t>righe</a:t>
+            </a:r>
+            <a:r>
+              <a:rPr lang="en-US" sz="1600" dirty="0">
+                <a:latin typeface="Consolas" panose="020B0609020204030204" pitchFamily="49" charset="0"/>
+              </a:rPr>
+              <a:t> da </a:t>
+            </a:r>
+            <a:r>
+              <a:rPr lang="en-US" sz="1600" dirty="0" err="1">
+                <a:latin typeface="Consolas" panose="020B0609020204030204" pitchFamily="49" charset="0"/>
+              </a:rPr>
+              <a:t>scambiare</a:t>
+            </a:r>
+            <a:r>
+              <a:rPr lang="en-US" sz="1600" dirty="0">
+                <a:latin typeface="Consolas" panose="020B0609020204030204" pitchFamily="49" charset="0"/>
+              </a:rPr>
+              <a:t> </a:t>
+            </a:r>
+            <a:r>
+              <a:rPr lang="en-US" sz="1600" dirty="0" err="1">
+                <a:latin typeface="Consolas" panose="020B0609020204030204" pitchFamily="49" charset="0"/>
+              </a:rPr>
+              <a:t>nel</a:t>
+            </a:r>
+            <a:r>
+              <a:rPr lang="en-US" sz="1600" dirty="0">
+                <a:latin typeface="Consolas" panose="020B0609020204030204" pitchFamily="49" charset="0"/>
+              </a:rPr>
+              <a:t> file.</a:t>
+            </a:r>
+          </a:p>
+          <a:p>
+            <a:r>
+              <a:rPr lang="en-US" sz="1600" dirty="0">
+                <a:latin typeface="Consolas" panose="020B0609020204030204" pitchFamily="49" charset="0"/>
+              </a:rPr>
+              <a:t>Il primo </a:t>
+            </a:r>
+            <a:r>
+              <a:rPr lang="en-US" sz="1600" dirty="0" err="1">
+                <a:latin typeface="Consolas" panose="020B0609020204030204" pitchFamily="49" charset="0"/>
+              </a:rPr>
+              <a:t>inizializza</a:t>
+            </a:r>
+            <a:r>
+              <a:rPr lang="en-US" sz="1600" dirty="0">
+                <a:latin typeface="Consolas" panose="020B0609020204030204" pitchFamily="49" charset="0"/>
+              </a:rPr>
+              <a:t> la </a:t>
+            </a:r>
+            <a:r>
+              <a:rPr lang="en-US" sz="1600" dirty="0" err="1">
+                <a:latin typeface="Consolas" panose="020B0609020204030204" pitchFamily="49" charset="0"/>
+              </a:rPr>
+              <a:t>richiesta</a:t>
+            </a:r>
+            <a:r>
+              <a:rPr lang="en-US" sz="1600" dirty="0">
+                <a:latin typeface="Consolas" panose="020B0609020204030204" pitchFamily="49" charset="0"/>
+              </a:rPr>
+              <a:t> e </a:t>
+            </a:r>
+            <a:r>
+              <a:rPr lang="en-US" sz="1600" dirty="0" err="1">
+                <a:latin typeface="Consolas" panose="020B0609020204030204" pitchFamily="49" charset="0"/>
+              </a:rPr>
+              <a:t>richiede</a:t>
+            </a:r>
+            <a:r>
+              <a:rPr lang="en-US" sz="1600" dirty="0">
+                <a:latin typeface="Consolas" panose="020B0609020204030204" pitchFamily="49" charset="0"/>
+              </a:rPr>
+              <a:t> </a:t>
+            </a:r>
+            <a:r>
+              <a:rPr lang="en-US" sz="1600" dirty="0" err="1">
+                <a:latin typeface="Consolas" panose="020B0609020204030204" pitchFamily="49" charset="0"/>
+              </a:rPr>
+              <a:t>nello</a:t>
+            </a:r>
+            <a:r>
+              <a:rPr lang="en-US" sz="1600" dirty="0">
+                <a:latin typeface="Consolas" panose="020B0609020204030204" pitchFamily="49" charset="0"/>
+              </a:rPr>
+              <a:t> stdin la prima </a:t>
+            </a:r>
+            <a:r>
+              <a:rPr lang="en-US" sz="1600" dirty="0" err="1">
+                <a:latin typeface="Consolas" panose="020B0609020204030204" pitchFamily="49" charset="0"/>
+              </a:rPr>
+              <a:t>riga</a:t>
+            </a:r>
+            <a:r>
+              <a:rPr lang="en-US" sz="1600" dirty="0">
+                <a:latin typeface="Consolas" panose="020B0609020204030204" pitchFamily="49" charset="0"/>
+              </a:rPr>
+              <a:t>; </a:t>
+            </a:r>
+            <a:r>
+              <a:rPr lang="en-US" sz="1600" dirty="0" err="1">
+                <a:latin typeface="Consolas" panose="020B0609020204030204" pitchFamily="49" charset="0"/>
+              </a:rPr>
+              <a:t>il</a:t>
+            </a:r>
+            <a:r>
+              <a:rPr lang="en-US" sz="1600" dirty="0">
+                <a:latin typeface="Consolas" panose="020B0609020204030204" pitchFamily="49" charset="0"/>
+              </a:rPr>
+              <a:t> secondo </a:t>
+            </a:r>
+            <a:r>
+              <a:rPr lang="en-US" sz="1600" dirty="0" err="1">
+                <a:latin typeface="Consolas" panose="020B0609020204030204" pitchFamily="49" charset="0"/>
+              </a:rPr>
+              <a:t>si</a:t>
+            </a:r>
+            <a:r>
+              <a:rPr lang="en-US" sz="1600" dirty="0">
+                <a:latin typeface="Consolas" panose="020B0609020204030204" pitchFamily="49" charset="0"/>
+              </a:rPr>
+              <a:t> </a:t>
+            </a:r>
+            <a:r>
+              <a:rPr lang="en-US" sz="1600" dirty="0" err="1">
+                <a:latin typeface="Consolas" panose="020B0609020204030204" pitchFamily="49" charset="0"/>
+              </a:rPr>
+              <a:t>occupa</a:t>
+            </a:r>
+            <a:r>
+              <a:rPr lang="en-US" sz="1600" dirty="0">
+                <a:latin typeface="Consolas" panose="020B0609020204030204" pitchFamily="49" charset="0"/>
+              </a:rPr>
+              <a:t> </a:t>
+            </a:r>
+            <a:r>
+              <a:rPr lang="en-US" sz="1600" dirty="0" err="1">
+                <a:latin typeface="Consolas" panose="020B0609020204030204" pitchFamily="49" charset="0"/>
+              </a:rPr>
+              <a:t>semplicemente</a:t>
+            </a:r>
+            <a:r>
+              <a:rPr lang="en-US" sz="1600" dirty="0">
+                <a:latin typeface="Consolas" panose="020B0609020204030204" pitchFamily="49" charset="0"/>
+              </a:rPr>
+              <a:t> di </a:t>
+            </a:r>
+            <a:r>
+              <a:rPr lang="en-US" sz="1600" dirty="0" err="1">
+                <a:latin typeface="Consolas" panose="020B0609020204030204" pitchFamily="49" charset="0"/>
+              </a:rPr>
+              <a:t>richiedere</a:t>
+            </a:r>
+            <a:r>
+              <a:rPr lang="en-US" sz="1600" dirty="0">
+                <a:latin typeface="Consolas" panose="020B0609020204030204" pitchFamily="49" charset="0"/>
+              </a:rPr>
+              <a:t> la </a:t>
+            </a:r>
+            <a:r>
+              <a:rPr lang="en-US" sz="1600" dirty="0" err="1">
+                <a:latin typeface="Consolas" panose="020B0609020204030204" pitchFamily="49" charset="0"/>
+              </a:rPr>
+              <a:t>riga</a:t>
+            </a:r>
+            <a:r>
+              <a:rPr lang="en-US" sz="1600" dirty="0">
+                <a:latin typeface="Consolas" panose="020B0609020204030204" pitchFamily="49" charset="0"/>
+              </a:rPr>
+              <a:t>.</a:t>
+            </a:r>
+          </a:p>
+          <a:p>
+            <a:r>
+              <a:rPr lang="en-US" sz="1600" dirty="0" err="1">
+                <a:latin typeface="Consolas" panose="020B0609020204030204" pitchFamily="49" charset="0"/>
+              </a:rPr>
+              <a:t>Controllo</a:t>
+            </a:r>
+            <a:r>
+              <a:rPr lang="en-US" sz="1600" dirty="0">
+                <a:latin typeface="Consolas" panose="020B0609020204030204" pitchFamily="49" charset="0"/>
+              </a:rPr>
+              <a:t> finale con </a:t>
+            </a:r>
+            <a:r>
+              <a:rPr lang="en-US" sz="1600" dirty="0" err="1">
+                <a:latin typeface="Consolas" panose="020B0609020204030204" pitchFamily="49" charset="0"/>
+              </a:rPr>
+              <a:t>variabile</a:t>
+            </a:r>
+            <a:r>
+              <a:rPr lang="en-US" sz="1600" dirty="0">
+                <a:latin typeface="Consolas" panose="020B0609020204030204" pitchFamily="49" charset="0"/>
+              </a:rPr>
+              <a:t> “res” per la </a:t>
+            </a:r>
+            <a:r>
+              <a:rPr lang="en-US" sz="1600" dirty="0" err="1">
+                <a:latin typeface="Consolas" panose="020B0609020204030204" pitchFamily="49" charset="0"/>
+              </a:rPr>
+              <a:t>comunicazione</a:t>
+            </a:r>
+            <a:r>
+              <a:rPr lang="en-US" sz="1600" dirty="0">
+                <a:latin typeface="Consolas" panose="020B0609020204030204" pitchFamily="49" charset="0"/>
+              </a:rPr>
+              <a:t> </a:t>
+            </a:r>
+            <a:r>
+              <a:rPr lang="en-US" sz="1600" dirty="0" err="1">
+                <a:latin typeface="Consolas" panose="020B0609020204030204" pitchFamily="49" charset="0"/>
+              </a:rPr>
+              <a:t>dell’esito</a:t>
+            </a:r>
+            <a:r>
+              <a:rPr lang="en-US" sz="1600" dirty="0">
+                <a:latin typeface="Consolas" panose="020B0609020204030204" pitchFamily="49" charset="0"/>
+              </a:rPr>
+              <a:t>.</a:t>
+            </a:r>
+          </a:p>
+        </p:txBody>
+      </p:sp>
+      <p:pic>
+        <p:nvPicPr>
+          <p:cNvPr id="7" name="Picture 6">
+            <a:extLst>
+              <a:ext uri="{FF2B5EF4-FFF2-40B4-BE49-F238E27FC236}">
+                <a16:creationId xmlns:a16="http://schemas.microsoft.com/office/drawing/2014/main" id="{FEC72DB1-5212-4033-B817-A1421732023E}"/>
+              </a:ext>
+            </a:extLst>
+          </p:cNvPr>
+          <p:cNvPicPr>
+            <a:picLocks noChangeAspect="1"/>
+          </p:cNvPicPr>
+          <p:nvPr/>
+        </p:nvPicPr>
+        <p:blipFill>
+          <a:blip r:embed="rId3"/>
+          <a:stretch>
+            <a:fillRect/>
+          </a:stretch>
+        </p:blipFill>
+        <p:spPr>
+          <a:xfrm>
+            <a:off x="6826240" y="3178943"/>
+            <a:ext cx="5146684" cy="1288864"/>
+          </a:xfrm>
+          <a:prstGeom prst="rect">
+            <a:avLst/>
+          </a:prstGeom>
+        </p:spPr>
+      </p:pic>
+      <p:sp>
+        <p:nvSpPr>
+          <p:cNvPr id="8" name="Rectangle 7">
+            <a:extLst>
+              <a:ext uri="{FF2B5EF4-FFF2-40B4-BE49-F238E27FC236}">
+                <a16:creationId xmlns:a16="http://schemas.microsoft.com/office/drawing/2014/main" id="{FA590D58-1D16-4C81-AA8B-26E5CCC49572}"/>
+              </a:ext>
+            </a:extLst>
+          </p:cNvPr>
+          <p:cNvSpPr/>
+          <p:nvPr/>
+        </p:nvSpPr>
+        <p:spPr>
+          <a:xfrm>
+            <a:off x="822960" y="1672046"/>
+            <a:ext cx="2233749" cy="242479"/>
+          </a:xfrm>
+          <a:prstGeom prst="rect">
+            <a:avLst/>
+          </a:prstGeom>
+          <a:noFill/>
+          <a:ln>
+            <a:solidFill>
+              <a:srgbClr val="FFFF00"/>
+            </a:solidFill>
+          </a:ln>
+        </p:spPr>
+        <p:style>
+          <a:lnRef idx="2">
+            <a:schemeClr val="accent1">
+              <a:shade val="50000"/>
+            </a:schemeClr>
+          </a:lnRef>
+          <a:fillRef idx="1">
+            <a:schemeClr val="accent1"/>
+          </a:fillRef>
+          <a:effectRef idx="0">
+            <a:schemeClr val="accent1"/>
+          </a:effectRef>
+          <a:fontRef idx="minor">
+            <a:schemeClr val="lt1"/>
+          </a:fontRef>
+        </p:style>
+        <p:txBody>
+          <a:bodyPr rtlCol="0" anchor="ctr"/>
+          <a:lstStyle/>
+          <a:p>
+            <a:pPr algn="ctr"/>
+            <a:endParaRPr lang="it-IT"/>
+          </a:p>
+        </p:txBody>
+      </p:sp>
+      <p:cxnSp>
+        <p:nvCxnSpPr>
+          <p:cNvPr id="10" name="Connector: Elbow 9">
+            <a:extLst>
+              <a:ext uri="{FF2B5EF4-FFF2-40B4-BE49-F238E27FC236}">
+                <a16:creationId xmlns:a16="http://schemas.microsoft.com/office/drawing/2014/main" id="{897C023B-B9EB-43D7-89C6-6B853DFB41A1}"/>
+              </a:ext>
+            </a:extLst>
+          </p:cNvPr>
+          <p:cNvCxnSpPr>
+            <a:endCxn id="7" idx="1"/>
+          </p:cNvCxnSpPr>
+          <p:nvPr/>
+        </p:nvCxnSpPr>
+        <p:spPr>
+          <a:xfrm>
+            <a:off x="3056709" y="1672046"/>
+            <a:ext cx="3769531" cy="2151329"/>
+          </a:xfrm>
+          <a:prstGeom prst="bentConnector3">
+            <a:avLst/>
+          </a:prstGeom>
+          <a:ln>
+            <a:solidFill>
+              <a:srgbClr val="FFFF00"/>
+            </a:solidFill>
+            <a:tailEnd type="triangle"/>
+          </a:ln>
+        </p:spPr>
+        <p:style>
+          <a:lnRef idx="1">
+            <a:schemeClr val="accent1"/>
+          </a:lnRef>
+          <a:fillRef idx="0">
+            <a:schemeClr val="accent1"/>
+          </a:fillRef>
+          <a:effectRef idx="0">
+            <a:schemeClr val="accent1"/>
+          </a:effectRef>
+          <a:fontRef idx="minor">
+            <a:schemeClr val="tx1"/>
+          </a:fontRef>
+        </p:style>
+      </p:cxnSp>
+      <p:sp>
+        <p:nvSpPr>
+          <p:cNvPr id="11" name="TextBox 10">
+            <a:extLst>
+              <a:ext uri="{FF2B5EF4-FFF2-40B4-BE49-F238E27FC236}">
+                <a16:creationId xmlns:a16="http://schemas.microsoft.com/office/drawing/2014/main" id="{6DD89CB5-2225-4C38-9C65-E7409E88FF86}"/>
+              </a:ext>
+            </a:extLst>
+          </p:cNvPr>
+          <p:cNvSpPr txBox="1"/>
+          <p:nvPr/>
+        </p:nvSpPr>
+        <p:spPr>
+          <a:xfrm>
+            <a:off x="7024530" y="4612124"/>
+            <a:ext cx="4527560" cy="1077218"/>
+          </a:xfrm>
+          <a:prstGeom prst="rect">
+            <a:avLst/>
+          </a:prstGeom>
+          <a:noFill/>
+        </p:spPr>
+        <p:txBody>
+          <a:bodyPr wrap="square" rtlCol="0">
+            <a:spAutoFit/>
+          </a:bodyPr>
+          <a:lstStyle/>
+          <a:p>
+            <a:r>
+              <a:rPr lang="en-US" sz="1600" dirty="0">
+                <a:latin typeface="Consolas" panose="020B0609020204030204" pitchFamily="49" charset="0"/>
+              </a:rPr>
+              <a:t>La clausula catch non </a:t>
+            </a:r>
+            <a:r>
+              <a:rPr lang="en-US" sz="1600" dirty="0" err="1">
+                <a:latin typeface="Consolas" panose="020B0609020204030204" pitchFamily="49" charset="0"/>
+              </a:rPr>
+              <a:t>termina</a:t>
+            </a:r>
+            <a:r>
+              <a:rPr lang="en-US" sz="1600" dirty="0">
+                <a:latin typeface="Consolas" panose="020B0609020204030204" pitchFamily="49" charset="0"/>
+              </a:rPr>
+              <a:t> </a:t>
+            </a:r>
+            <a:r>
+              <a:rPr lang="en-US" sz="1600" dirty="0" err="1">
+                <a:latin typeface="Consolas" panose="020B0609020204030204" pitchFamily="49" charset="0"/>
+              </a:rPr>
+              <a:t>l’esecuzione</a:t>
+            </a:r>
+            <a:r>
+              <a:rPr lang="en-US" sz="1600" dirty="0">
+                <a:latin typeface="Consolas" panose="020B0609020204030204" pitchFamily="49" charset="0"/>
+              </a:rPr>
+              <a:t>, ma </a:t>
+            </a:r>
+            <a:r>
+              <a:rPr lang="en-US" sz="1600" dirty="0" err="1">
+                <a:latin typeface="Consolas" panose="020B0609020204030204" pitchFamily="49" charset="0"/>
+              </a:rPr>
+              <a:t>fornisce</a:t>
+            </a:r>
+            <a:r>
+              <a:rPr lang="en-US" sz="1600" dirty="0">
+                <a:latin typeface="Consolas" panose="020B0609020204030204" pitchFamily="49" charset="0"/>
+              </a:rPr>
+              <a:t> una </a:t>
+            </a:r>
+            <a:r>
+              <a:rPr lang="en-US" sz="1600" dirty="0" err="1">
+                <a:latin typeface="Consolas" panose="020B0609020204030204" pitchFamily="49" charset="0"/>
+              </a:rPr>
+              <a:t>possibiltà</a:t>
+            </a:r>
+            <a:r>
+              <a:rPr lang="en-US" sz="1600" dirty="0">
+                <a:latin typeface="Consolas" panose="020B0609020204030204" pitchFamily="49" charset="0"/>
+              </a:rPr>
+              <a:t> di </a:t>
+            </a:r>
+            <a:r>
+              <a:rPr lang="en-US" sz="1600" dirty="0" err="1">
+                <a:latin typeface="Consolas" panose="020B0609020204030204" pitchFamily="49" charset="0"/>
+              </a:rPr>
+              <a:t>ripetere</a:t>
+            </a:r>
+            <a:r>
+              <a:rPr lang="en-US" sz="1600" dirty="0">
+                <a:latin typeface="Consolas" panose="020B0609020204030204" pitchFamily="49" charset="0"/>
+              </a:rPr>
+              <a:t> la </a:t>
+            </a:r>
+            <a:r>
+              <a:rPr lang="en-US" sz="1600" dirty="0" err="1">
+                <a:latin typeface="Consolas" panose="020B0609020204030204" pitchFamily="49" charset="0"/>
+              </a:rPr>
+              <a:t>lettura</a:t>
+            </a:r>
+            <a:r>
+              <a:rPr lang="en-US" sz="1600" dirty="0">
+                <a:latin typeface="Consolas" panose="020B0609020204030204" pitchFamily="49" charset="0"/>
+              </a:rPr>
+              <a:t> del </a:t>
+            </a:r>
+            <a:r>
+              <a:rPr lang="en-US" sz="1600" dirty="0" err="1">
+                <a:latin typeface="Consolas" panose="020B0609020204030204" pitchFamily="49" charset="0"/>
+              </a:rPr>
+              <a:t>numero</a:t>
+            </a:r>
+            <a:r>
+              <a:rPr lang="en-US" sz="1600" dirty="0">
+                <a:latin typeface="Consolas" panose="020B0609020204030204" pitchFamily="49" charset="0"/>
+              </a:rPr>
+              <a:t> </a:t>
+            </a:r>
+            <a:r>
+              <a:rPr lang="en-US" sz="1600" dirty="0" err="1">
+                <a:latin typeface="Consolas" panose="020B0609020204030204" pitchFamily="49" charset="0"/>
+              </a:rPr>
+              <a:t>linea</a:t>
+            </a:r>
+            <a:r>
+              <a:rPr lang="en-US" sz="1600" dirty="0">
+                <a:latin typeface="Consolas" panose="020B0609020204030204" pitchFamily="49" charset="0"/>
+              </a:rPr>
+              <a:t>.</a:t>
+            </a:r>
+            <a:endParaRPr lang="it-IT" sz="1600" dirty="0">
+              <a:latin typeface="Consolas" panose="020B0609020204030204" pitchFamily="49" charset="0"/>
+            </a:endParaRPr>
           </a:p>
         </p:txBody>
       </p:sp>
@@ -4419,7 +4735,7 @@
         </p:nvSpPr>
         <p:spPr>
           <a:xfrm>
-            <a:off x="628650" y="92077"/>
+            <a:off x="2152650" y="92077"/>
             <a:ext cx="7886700" cy="911224"/>
           </a:xfrm>
         </p:spPr>
@@ -4432,45 +4748,8 @@
             <a:pPr algn="ctr"/>
             <a:r>
               <a:rPr lang="it-IT" u="sng" dirty="0"/>
-              <a:t>RowSwapServer.java</a:t>
-            </a:r>
-          </a:p>
-        </p:txBody>
-      </p:sp>
-      <p:sp>
-        <p:nvSpPr>
-          <p:cNvPr id="4" name="Segnaposto contenuto 3">
-            <a:extLst>
-              <a:ext uri="{FF2B5EF4-FFF2-40B4-BE49-F238E27FC236}">
-                <a16:creationId xmlns:a16="http://schemas.microsoft.com/office/drawing/2014/main" id="{A372732A-5502-4218-941E-F135920541BB}"/>
-              </a:ext>
-            </a:extLst>
-          </p:cNvPr>
-          <p:cNvSpPr>
-            <a:spLocks noGrp="1"/>
-          </p:cNvSpPr>
-          <p:nvPr>
-            <p:ph idx="1"/>
-          </p:nvPr>
-        </p:nvSpPr>
-        <p:spPr>
-          <a:xfrm>
-            <a:off x="628650" y="1003301"/>
-            <a:ext cx="7886700" cy="5173662"/>
-          </a:xfrm>
-        </p:spPr>
-        <p:txBody>
-          <a:bodyPr>
-            <a:normAutofit/>
-          </a:bodyPr>
-          <a:lstStyle/>
-          <a:p>
-            <a:pPr marL="0" indent="0">
-              <a:buNone/>
-            </a:pPr>
-            <a:endParaRPr lang="it-IT" sz="1000" dirty="0">
-              <a:latin typeface="Consolas" panose="020B0609020204030204" pitchFamily="49" charset="0"/>
-            </a:endParaRPr>
+              <a:t>DiscoveryServer.java</a:t>
+            </a:r>
           </a:p>
         </p:txBody>
       </p:sp>
@@ -4499,7 +4778,293 @@
               <a:rPr lang="it-IT" smtClean="0"/>
               <a:t>4</a:t>
             </a:fld>
-            <a:endParaRPr lang="it-IT"/>
+            <a:endParaRPr lang="it-IT" dirty="0"/>
+          </a:p>
+        </p:txBody>
+      </p:sp>
+      <p:sp>
+        <p:nvSpPr>
+          <p:cNvPr id="7" name="TextBox 6">
+            <a:extLst>
+              <a:ext uri="{FF2B5EF4-FFF2-40B4-BE49-F238E27FC236}">
+                <a16:creationId xmlns:a16="http://schemas.microsoft.com/office/drawing/2014/main" id="{33DB7D82-4CA5-4F4D-9166-EA21ABA2812E}"/>
+              </a:ext>
+            </a:extLst>
+          </p:cNvPr>
+          <p:cNvSpPr txBox="1"/>
+          <p:nvPr/>
+        </p:nvSpPr>
+        <p:spPr>
+          <a:xfrm>
+            <a:off x="589890" y="4208643"/>
+            <a:ext cx="10918374" cy="307777"/>
+          </a:xfrm>
+          <a:prstGeom prst="rect">
+            <a:avLst/>
+          </a:prstGeom>
+          <a:noFill/>
+        </p:spPr>
+        <p:txBody>
+          <a:bodyPr wrap="none" rtlCol="0">
+            <a:spAutoFit/>
+          </a:bodyPr>
+          <a:lstStyle/>
+          <a:p>
+            <a:r>
+              <a:rPr lang="en-US" sz="1400" dirty="0" err="1">
+                <a:latin typeface="Consolas" panose="020B0609020204030204" pitchFamily="49" charset="0"/>
+              </a:rPr>
+              <a:t>Controllo</a:t>
+            </a:r>
+            <a:r>
+              <a:rPr lang="en-US" sz="1400" dirty="0">
+                <a:latin typeface="Consolas" panose="020B0609020204030204" pitchFamily="49" charset="0"/>
+              </a:rPr>
+              <a:t> </a:t>
+            </a:r>
+            <a:r>
+              <a:rPr lang="en-US" sz="1400" dirty="0" err="1">
+                <a:latin typeface="Consolas" panose="020B0609020204030204" pitchFamily="49" charset="0"/>
+              </a:rPr>
+              <a:t>numero</a:t>
+            </a:r>
+            <a:r>
+              <a:rPr lang="en-US" sz="1400" dirty="0">
+                <a:latin typeface="Consolas" panose="020B0609020204030204" pitchFamily="49" charset="0"/>
+              </a:rPr>
+              <a:t> </a:t>
+            </a:r>
+            <a:r>
+              <a:rPr lang="en-US" sz="1400" dirty="0" err="1">
+                <a:latin typeface="Consolas" panose="020B0609020204030204" pitchFamily="49" charset="0"/>
+              </a:rPr>
+              <a:t>arogomenti</a:t>
+            </a:r>
+            <a:r>
+              <a:rPr lang="en-US" sz="1400" dirty="0">
+                <a:latin typeface="Consolas" panose="020B0609020204030204" pitchFamily="49" charset="0"/>
+              </a:rPr>
+              <a:t> (min 3) e </a:t>
+            </a:r>
+            <a:r>
+              <a:rPr lang="en-US" sz="1400" dirty="0" err="1">
+                <a:latin typeface="Consolas" panose="020B0609020204030204" pitchFamily="49" charset="0"/>
+              </a:rPr>
+              <a:t>controllo</a:t>
+            </a:r>
+            <a:r>
+              <a:rPr lang="en-US" sz="1400" dirty="0">
+                <a:latin typeface="Consolas" panose="020B0609020204030204" pitchFamily="49" charset="0"/>
+              </a:rPr>
+              <a:t> </a:t>
+            </a:r>
+            <a:r>
+              <a:rPr lang="en-US" sz="1400" dirty="0" err="1">
+                <a:latin typeface="Consolas" panose="020B0609020204030204" pitchFamily="49" charset="0"/>
+              </a:rPr>
+              <a:t>che</a:t>
+            </a:r>
+            <a:r>
+              <a:rPr lang="en-US" sz="1400" dirty="0">
+                <a:latin typeface="Consolas" panose="020B0609020204030204" pitchFamily="49" charset="0"/>
+              </a:rPr>
+              <a:t> la porta del </a:t>
+            </a:r>
+            <a:r>
+              <a:rPr lang="en-US" sz="1400" dirty="0" err="1">
+                <a:latin typeface="Consolas" panose="020B0609020204030204" pitchFamily="49" charset="0"/>
+              </a:rPr>
+              <a:t>DiscoveryServer</a:t>
+            </a:r>
+            <a:r>
+              <a:rPr lang="en-US" sz="1400" dirty="0">
+                <a:latin typeface="Consolas" panose="020B0609020204030204" pitchFamily="49" charset="0"/>
+              </a:rPr>
+              <a:t> </a:t>
+            </a:r>
+            <a:r>
+              <a:rPr lang="en-US" sz="1400" dirty="0" err="1">
+                <a:latin typeface="Consolas" panose="020B0609020204030204" pitchFamily="49" charset="0"/>
+              </a:rPr>
+              <a:t>sia</a:t>
+            </a:r>
+            <a:r>
+              <a:rPr lang="en-US" sz="1400" dirty="0">
+                <a:latin typeface="Consolas" panose="020B0609020204030204" pitchFamily="49" charset="0"/>
+              </a:rPr>
+              <a:t> </a:t>
+            </a:r>
+            <a:r>
+              <a:rPr lang="en-US" sz="1400" dirty="0" err="1">
+                <a:latin typeface="Consolas" panose="020B0609020204030204" pitchFamily="49" charset="0"/>
+              </a:rPr>
+              <a:t>nel</a:t>
+            </a:r>
+            <a:r>
+              <a:rPr lang="en-US" sz="1400" dirty="0">
+                <a:latin typeface="Consolas" panose="020B0609020204030204" pitchFamily="49" charset="0"/>
+              </a:rPr>
+              <a:t> range [1024-65535].</a:t>
+            </a:r>
+            <a:endParaRPr lang="it-IT" sz="1400" dirty="0">
+              <a:latin typeface="Consolas" panose="020B0609020204030204" pitchFamily="49" charset="0"/>
+            </a:endParaRPr>
+          </a:p>
+        </p:txBody>
+      </p:sp>
+      <p:pic>
+        <p:nvPicPr>
+          <p:cNvPr id="8" name="Picture 7">
+            <a:extLst>
+              <a:ext uri="{FF2B5EF4-FFF2-40B4-BE49-F238E27FC236}">
+                <a16:creationId xmlns:a16="http://schemas.microsoft.com/office/drawing/2014/main" id="{817262E0-164A-4F18-BB62-6CDC22CC7302}"/>
+              </a:ext>
+            </a:extLst>
+          </p:cNvPr>
+          <p:cNvPicPr>
+            <a:picLocks noChangeAspect="1"/>
+          </p:cNvPicPr>
+          <p:nvPr/>
+        </p:nvPicPr>
+        <p:blipFill>
+          <a:blip r:embed="rId2"/>
+          <a:stretch>
+            <a:fillRect/>
+          </a:stretch>
+        </p:blipFill>
+        <p:spPr>
+          <a:xfrm>
+            <a:off x="707455" y="957503"/>
+            <a:ext cx="10577217" cy="2883504"/>
+          </a:xfrm>
+          <a:prstGeom prst="rect">
+            <a:avLst/>
+          </a:prstGeom>
+        </p:spPr>
+      </p:pic>
+      <p:pic>
+        <p:nvPicPr>
+          <p:cNvPr id="11" name="Content Placeholder 10">
+            <a:extLst>
+              <a:ext uri="{FF2B5EF4-FFF2-40B4-BE49-F238E27FC236}">
+                <a16:creationId xmlns:a16="http://schemas.microsoft.com/office/drawing/2014/main" id="{B9B9C9FF-F2FF-45F9-9264-0CD10D18622A}"/>
+              </a:ext>
+            </a:extLst>
+          </p:cNvPr>
+          <p:cNvPicPr>
+            <a:picLocks noGrp="1" noChangeAspect="1"/>
+          </p:cNvPicPr>
+          <p:nvPr>
+            <p:ph idx="1"/>
+          </p:nvPr>
+        </p:nvPicPr>
+        <p:blipFill>
+          <a:blip r:embed="rId3"/>
+          <a:stretch>
+            <a:fillRect/>
+          </a:stretch>
+        </p:blipFill>
+        <p:spPr>
+          <a:xfrm>
+            <a:off x="707455" y="5113025"/>
+            <a:ext cx="4323740" cy="836279"/>
+          </a:xfrm>
+          <a:prstGeom prst="rect">
+            <a:avLst/>
+          </a:prstGeom>
+        </p:spPr>
+      </p:pic>
+      <p:sp>
+        <p:nvSpPr>
+          <p:cNvPr id="12" name="TextBox 11">
+            <a:extLst>
+              <a:ext uri="{FF2B5EF4-FFF2-40B4-BE49-F238E27FC236}">
+                <a16:creationId xmlns:a16="http://schemas.microsoft.com/office/drawing/2014/main" id="{1129C2A8-F5CF-4AB2-903F-E3E38F0A4AEC}"/>
+              </a:ext>
+            </a:extLst>
+          </p:cNvPr>
+          <p:cNvSpPr txBox="1"/>
+          <p:nvPr/>
+        </p:nvSpPr>
+        <p:spPr>
+          <a:xfrm>
+            <a:off x="5615045" y="5346498"/>
+            <a:ext cx="4855816" cy="307777"/>
+          </a:xfrm>
+          <a:prstGeom prst="rect">
+            <a:avLst/>
+          </a:prstGeom>
+          <a:noFill/>
+        </p:spPr>
+        <p:txBody>
+          <a:bodyPr wrap="none" rtlCol="0">
+            <a:spAutoFit/>
+          </a:bodyPr>
+          <a:lstStyle/>
+          <a:p>
+            <a:r>
+              <a:rPr lang="en-US" sz="1400" dirty="0" err="1">
+                <a:latin typeface="Consolas" panose="020B0609020204030204" pitchFamily="49" charset="0"/>
+              </a:rPr>
+              <a:t>Strutture</a:t>
+            </a:r>
+            <a:r>
+              <a:rPr lang="en-US" sz="1400" dirty="0">
+                <a:latin typeface="Consolas" panose="020B0609020204030204" pitchFamily="49" charset="0"/>
+              </a:rPr>
+              <a:t> </a:t>
+            </a:r>
+            <a:r>
+              <a:rPr lang="en-US" sz="1400" dirty="0" err="1">
+                <a:latin typeface="Consolas" panose="020B0609020204030204" pitchFamily="49" charset="0"/>
+              </a:rPr>
+              <a:t>dati</a:t>
+            </a:r>
+            <a:r>
+              <a:rPr lang="en-US" sz="1400" dirty="0">
+                <a:latin typeface="Consolas" panose="020B0609020204030204" pitchFamily="49" charset="0"/>
+              </a:rPr>
+              <a:t> </a:t>
+            </a:r>
+            <a:r>
+              <a:rPr lang="en-US" sz="1400" dirty="0" err="1">
+                <a:latin typeface="Consolas" panose="020B0609020204030204" pitchFamily="49" charset="0"/>
+              </a:rPr>
+              <a:t>che</a:t>
+            </a:r>
+            <a:r>
+              <a:rPr lang="en-US" sz="1400" dirty="0">
+                <a:latin typeface="Consolas" panose="020B0609020204030204" pitchFamily="49" charset="0"/>
+              </a:rPr>
+              <a:t> </a:t>
+            </a:r>
+            <a:r>
+              <a:rPr lang="en-US" sz="1400" dirty="0" err="1">
+                <a:latin typeface="Consolas" panose="020B0609020204030204" pitchFamily="49" charset="0"/>
+              </a:rPr>
+              <a:t>contengono</a:t>
+            </a:r>
+            <a:r>
+              <a:rPr lang="en-US" sz="1400" dirty="0">
+                <a:latin typeface="Consolas" panose="020B0609020204030204" pitchFamily="49" charset="0"/>
+              </a:rPr>
+              <a:t> filename e </a:t>
+            </a:r>
+            <a:r>
+              <a:rPr lang="en-US" sz="1400" dirty="0" err="1">
+                <a:latin typeface="Consolas" panose="020B0609020204030204" pitchFamily="49" charset="0"/>
+              </a:rPr>
+              <a:t>porte</a:t>
+            </a:r>
+            <a:r>
+              <a:rPr lang="en-US" sz="1400" dirty="0">
+                <a:latin typeface="Consolas" panose="020B0609020204030204" pitchFamily="49" charset="0"/>
+              </a:rPr>
+              <a:t>.</a:t>
+            </a:r>
+            <a:endParaRPr lang="it-IT" sz="1400" dirty="0">
+              <a:latin typeface="Consolas" panose="020B0609020204030204" pitchFamily="49" charset="0"/>
+            </a:endParaRPr>
           </a:p>
         </p:txBody>
       </p:sp>
@@ -4516,10 +5081,1244 @@
 </p:sld>
 </file>
 
+<file path=ppt/slides/slide5.xml><?xml version="1.0" encoding="utf-8"?>
+<p:sld xmlns:a="http://schemas.openxmlformats.org/drawingml/2006/main" xmlns:r="http://schemas.openxmlformats.org/officeDocument/2006/relationships" xmlns:p="http://schemas.openxmlformats.org/presentationml/2006/main">
+  <p:cSld>
+    <p:spTree>
+      <p:nvGrpSpPr>
+        <p:cNvPr id="1" name=""/>
+        <p:cNvGrpSpPr/>
+        <p:nvPr/>
+      </p:nvGrpSpPr>
+      <p:grpSpPr>
+        <a:xfrm>
+          <a:off x="0" y="0"/>
+          <a:ext cx="0" cy="0"/>
+          <a:chOff x="0" y="0"/>
+          <a:chExt cx="0" cy="0"/>
+        </a:xfrm>
+      </p:grpSpPr>
+      <p:sp>
+        <p:nvSpPr>
+          <p:cNvPr id="2" name="Titolo 1">
+            <a:extLst>
+              <a:ext uri="{FF2B5EF4-FFF2-40B4-BE49-F238E27FC236}">
+                <a16:creationId xmlns:a16="http://schemas.microsoft.com/office/drawing/2014/main" id="{F1DDE7A4-1A5F-4F0D-B842-7798EDC6EDA8}"/>
+              </a:ext>
+            </a:extLst>
+          </p:cNvPr>
+          <p:cNvSpPr>
+            <a:spLocks noGrp="1"/>
+          </p:cNvSpPr>
+          <p:nvPr>
+            <p:ph type="title"/>
+          </p:nvPr>
+        </p:nvSpPr>
+        <p:spPr>
+          <a:xfrm>
+            <a:off x="2152650" y="92077"/>
+            <a:ext cx="7886700" cy="911224"/>
+          </a:xfrm>
+        </p:spPr>
+        <p:txBody>
+          <a:bodyPr>
+            <a:normAutofit/>
+          </a:bodyPr>
+          <a:lstStyle/>
+          <a:p>
+            <a:pPr algn="ctr"/>
+            <a:r>
+              <a:rPr lang="it-IT" u="sng" dirty="0"/>
+              <a:t>DiscoveryServer.java</a:t>
+            </a:r>
+          </a:p>
+        </p:txBody>
+      </p:sp>
+      <p:pic>
+        <p:nvPicPr>
+          <p:cNvPr id="5" name="Content Placeholder 4">
+            <a:extLst>
+              <a:ext uri="{FF2B5EF4-FFF2-40B4-BE49-F238E27FC236}">
+                <a16:creationId xmlns:a16="http://schemas.microsoft.com/office/drawing/2014/main" id="{8DDE16C0-7C3D-4B49-929C-10E713E7045E}"/>
+              </a:ext>
+            </a:extLst>
+          </p:cNvPr>
+          <p:cNvPicPr>
+            <a:picLocks noGrp="1" noChangeAspect="1"/>
+          </p:cNvPicPr>
+          <p:nvPr>
+            <p:ph idx="1"/>
+          </p:nvPr>
+        </p:nvPicPr>
+        <p:blipFill>
+          <a:blip r:embed="rId2"/>
+          <a:stretch>
+            <a:fillRect/>
+          </a:stretch>
+        </p:blipFill>
+        <p:spPr>
+          <a:xfrm>
+            <a:off x="563837" y="4255811"/>
+            <a:ext cx="5063240" cy="2100539"/>
+          </a:xfrm>
+          <a:prstGeom prst="rect">
+            <a:avLst/>
+          </a:prstGeom>
+        </p:spPr>
+      </p:pic>
+      <p:sp>
+        <p:nvSpPr>
+          <p:cNvPr id="3" name="Segnaposto numero diapositiva 2">
+            <a:extLst>
+              <a:ext uri="{FF2B5EF4-FFF2-40B4-BE49-F238E27FC236}">
+                <a16:creationId xmlns:a16="http://schemas.microsoft.com/office/drawing/2014/main" id="{8DA42C05-2B68-46AA-9D4B-C5C753DA13AA}"/>
+              </a:ext>
+            </a:extLst>
+          </p:cNvPr>
+          <p:cNvSpPr>
+            <a:spLocks noGrp="1"/>
+          </p:cNvSpPr>
+          <p:nvPr>
+            <p:ph type="sldNum" sz="quarter" idx="12"/>
+          </p:nvPr>
+        </p:nvSpPr>
+        <p:spPr/>
+        <p:txBody>
+          <a:bodyPr/>
+          <a:lstStyle/>
+          <a:p>
+            <a:fld id="{4A6DC286-705F-4A37-A21F-B485E3A29C72}" type="slidenum">
+              <a:rPr lang="it-IT" smtClean="0"/>
+              <a:t>5</a:t>
+            </a:fld>
+            <a:endParaRPr lang="it-IT"/>
+          </a:p>
+        </p:txBody>
+      </p:sp>
+      <p:sp>
+        <p:nvSpPr>
+          <p:cNvPr id="6" name="TextBox 5">
+            <a:extLst>
+              <a:ext uri="{FF2B5EF4-FFF2-40B4-BE49-F238E27FC236}">
+                <a16:creationId xmlns:a16="http://schemas.microsoft.com/office/drawing/2014/main" id="{D3438470-79FC-412C-9A2C-CF1D9B50A62D}"/>
+              </a:ext>
+            </a:extLst>
+          </p:cNvPr>
+          <p:cNvSpPr txBox="1"/>
+          <p:nvPr/>
+        </p:nvSpPr>
+        <p:spPr>
+          <a:xfrm>
+            <a:off x="5725772" y="4982914"/>
+            <a:ext cx="5376793" cy="923330"/>
+          </a:xfrm>
+          <a:prstGeom prst="rect">
+            <a:avLst/>
+          </a:prstGeom>
+          <a:noFill/>
+        </p:spPr>
+        <p:txBody>
+          <a:bodyPr wrap="none" rtlCol="0">
+            <a:spAutoFit/>
+          </a:bodyPr>
+          <a:lstStyle/>
+          <a:p>
+            <a:r>
+              <a:rPr lang="en-US" dirty="0" err="1">
+                <a:latin typeface="Consolas" panose="020B0609020204030204" pitchFamily="49" charset="0"/>
+              </a:rPr>
+              <a:t>Elaborazione</a:t>
+            </a:r>
+            <a:r>
+              <a:rPr lang="en-US" dirty="0">
+                <a:latin typeface="Consolas" panose="020B0609020204030204" pitchFamily="49" charset="0"/>
+              </a:rPr>
+              <a:t> </a:t>
+            </a:r>
+            <a:r>
+              <a:rPr lang="en-US" dirty="0" err="1">
+                <a:latin typeface="Consolas" panose="020B0609020204030204" pitchFamily="49" charset="0"/>
+              </a:rPr>
+              <a:t>della</a:t>
+            </a:r>
+            <a:r>
+              <a:rPr lang="en-US" dirty="0">
+                <a:latin typeface="Consolas" panose="020B0609020204030204" pitchFamily="49" charset="0"/>
+              </a:rPr>
+              <a:t> </a:t>
+            </a:r>
+            <a:r>
+              <a:rPr lang="en-US" dirty="0" err="1">
+                <a:latin typeface="Consolas" panose="020B0609020204030204" pitchFamily="49" charset="0"/>
+              </a:rPr>
+              <a:t>richiesta</a:t>
+            </a:r>
+            <a:r>
+              <a:rPr lang="en-US" dirty="0">
+                <a:latin typeface="Consolas" panose="020B0609020204030204" pitchFamily="49" charset="0"/>
+              </a:rPr>
+              <a:t> </a:t>
+            </a:r>
+            <a:r>
+              <a:rPr lang="en-US" dirty="0" err="1">
+                <a:latin typeface="Consolas" panose="020B0609020204030204" pitchFamily="49" charset="0"/>
+              </a:rPr>
+              <a:t>dell’utente</a:t>
+            </a:r>
+            <a:r>
+              <a:rPr lang="en-US" dirty="0">
+                <a:latin typeface="Consolas" panose="020B0609020204030204" pitchFamily="49" charset="0"/>
+              </a:rPr>
+              <a:t> </a:t>
+            </a:r>
+          </a:p>
+          <a:p>
+            <a:r>
+              <a:rPr lang="en-US" dirty="0">
+                <a:latin typeface="Consolas" panose="020B0609020204030204" pitchFamily="49" charset="0"/>
+              </a:rPr>
+              <a:t>e </a:t>
+            </a:r>
+            <a:r>
+              <a:rPr lang="en-US" dirty="0" err="1">
+                <a:latin typeface="Consolas" panose="020B0609020204030204" pitchFamily="49" charset="0"/>
+              </a:rPr>
+              <a:t>risposta</a:t>
+            </a:r>
+            <a:r>
+              <a:rPr lang="en-US" dirty="0">
+                <a:latin typeface="Consolas" panose="020B0609020204030204" pitchFamily="49" charset="0"/>
+              </a:rPr>
+              <a:t> con </a:t>
+            </a:r>
+            <a:r>
+              <a:rPr lang="en-US" dirty="0" err="1">
+                <a:latin typeface="Consolas" panose="020B0609020204030204" pitchFamily="49" charset="0"/>
+              </a:rPr>
+              <a:t>esito</a:t>
+            </a:r>
+            <a:r>
+              <a:rPr lang="en-US" dirty="0">
+                <a:latin typeface="Consolas" panose="020B0609020204030204" pitchFamily="49" charset="0"/>
+              </a:rPr>
+              <a:t> positive </a:t>
+            </a:r>
+          </a:p>
+          <a:p>
+            <a:r>
+              <a:rPr lang="en-US" dirty="0">
+                <a:latin typeface="Consolas" panose="020B0609020204030204" pitchFamily="49" charset="0"/>
+              </a:rPr>
+              <a:t>o negative (se </a:t>
+            </a:r>
+            <a:r>
+              <a:rPr lang="en-US" dirty="0" err="1">
+                <a:latin typeface="Consolas" panose="020B0609020204030204" pitchFamily="49" charset="0"/>
+              </a:rPr>
+              <a:t>il</a:t>
+            </a:r>
+            <a:r>
+              <a:rPr lang="en-US" dirty="0">
+                <a:latin typeface="Consolas" panose="020B0609020204030204" pitchFamily="49" charset="0"/>
+              </a:rPr>
+              <a:t> file non </a:t>
+            </a:r>
+            <a:r>
+              <a:rPr lang="en-US" dirty="0" err="1">
+                <a:latin typeface="Consolas" panose="020B0609020204030204" pitchFamily="49" charset="0"/>
+              </a:rPr>
+              <a:t>esiste</a:t>
+            </a:r>
+            <a:r>
+              <a:rPr lang="it-IT" dirty="0">
+                <a:latin typeface="Consolas" panose="020B0609020204030204" pitchFamily="49" charset="0"/>
+              </a:rPr>
+              <a:t>).</a:t>
+            </a:r>
+            <a:endParaRPr lang="en-US" dirty="0">
+              <a:latin typeface="Consolas" panose="020B0609020204030204" pitchFamily="49" charset="0"/>
+            </a:endParaRPr>
+          </a:p>
+        </p:txBody>
+      </p:sp>
+      <p:pic>
+        <p:nvPicPr>
+          <p:cNvPr id="7" name="Picture 6">
+            <a:extLst>
+              <a:ext uri="{FF2B5EF4-FFF2-40B4-BE49-F238E27FC236}">
+                <a16:creationId xmlns:a16="http://schemas.microsoft.com/office/drawing/2014/main" id="{7E2E1380-E449-4755-9994-8AFDED610EF0}"/>
+              </a:ext>
+            </a:extLst>
+          </p:cNvPr>
+          <p:cNvPicPr>
+            <a:picLocks noChangeAspect="1"/>
+          </p:cNvPicPr>
+          <p:nvPr/>
+        </p:nvPicPr>
+        <p:blipFill>
+          <a:blip r:embed="rId3"/>
+          <a:stretch>
+            <a:fillRect/>
+          </a:stretch>
+        </p:blipFill>
+        <p:spPr>
+          <a:xfrm>
+            <a:off x="691127" y="1047760"/>
+            <a:ext cx="4808660" cy="3163592"/>
+          </a:xfrm>
+          <a:prstGeom prst="rect">
+            <a:avLst/>
+          </a:prstGeom>
+        </p:spPr>
+      </p:pic>
+      <p:sp>
+        <p:nvSpPr>
+          <p:cNvPr id="8" name="TextBox 7">
+            <a:extLst>
+              <a:ext uri="{FF2B5EF4-FFF2-40B4-BE49-F238E27FC236}">
+                <a16:creationId xmlns:a16="http://schemas.microsoft.com/office/drawing/2014/main" id="{BC6735B2-4239-4423-9DF3-AEEB84B15673}"/>
+              </a:ext>
+            </a:extLst>
+          </p:cNvPr>
+          <p:cNvSpPr txBox="1"/>
+          <p:nvPr/>
+        </p:nvSpPr>
+        <p:spPr>
+          <a:xfrm>
+            <a:off x="5738724" y="1730406"/>
+            <a:ext cx="5756704" cy="1477328"/>
+          </a:xfrm>
+          <a:prstGeom prst="rect">
+            <a:avLst/>
+          </a:prstGeom>
+          <a:noFill/>
+        </p:spPr>
+        <p:txBody>
+          <a:bodyPr wrap="none" rtlCol="0">
+            <a:spAutoFit/>
+          </a:bodyPr>
+          <a:lstStyle/>
+          <a:p>
+            <a:r>
+              <a:rPr lang="en-US" dirty="0" err="1">
+                <a:latin typeface="Consolas" panose="020B0609020204030204" pitchFamily="49" charset="0"/>
+              </a:rPr>
+              <a:t>Controllo</a:t>
+            </a:r>
+            <a:r>
+              <a:rPr lang="en-US" dirty="0">
+                <a:latin typeface="Consolas" panose="020B0609020204030204" pitchFamily="49" charset="0"/>
+              </a:rPr>
+              <a:t> </a:t>
+            </a:r>
+            <a:r>
+              <a:rPr lang="en-US" dirty="0" err="1">
+                <a:latin typeface="Consolas" panose="020B0609020204030204" pitchFamily="49" charset="0"/>
+              </a:rPr>
+              <a:t>validità</a:t>
+            </a:r>
+            <a:r>
+              <a:rPr lang="en-US" dirty="0">
+                <a:latin typeface="Consolas" panose="020B0609020204030204" pitchFamily="49" charset="0"/>
+              </a:rPr>
+              <a:t> </a:t>
+            </a:r>
+            <a:r>
+              <a:rPr lang="en-US" dirty="0" err="1">
+                <a:latin typeface="Consolas" panose="020B0609020204030204" pitchFamily="49" charset="0"/>
+              </a:rPr>
+              <a:t>delle</a:t>
+            </a:r>
+            <a:r>
+              <a:rPr lang="en-US" dirty="0">
+                <a:latin typeface="Consolas" panose="020B0609020204030204" pitchFamily="49" charset="0"/>
+              </a:rPr>
+              <a:t> </a:t>
+            </a:r>
+            <a:r>
+              <a:rPr lang="en-US" dirty="0" err="1">
+                <a:latin typeface="Consolas" panose="020B0609020204030204" pitchFamily="49" charset="0"/>
+              </a:rPr>
+              <a:t>porte</a:t>
+            </a:r>
+            <a:r>
+              <a:rPr lang="en-US" dirty="0">
+                <a:latin typeface="Consolas" panose="020B0609020204030204" pitchFamily="49" charset="0"/>
+              </a:rPr>
+              <a:t> ed </a:t>
+            </a:r>
+            <a:r>
+              <a:rPr lang="en-US" dirty="0" err="1">
+                <a:latin typeface="Consolas" panose="020B0609020204030204" pitchFamily="49" charset="0"/>
+              </a:rPr>
+              <a:t>esistenza</a:t>
+            </a:r>
+            <a:r>
+              <a:rPr lang="en-US" dirty="0">
+                <a:latin typeface="Consolas" panose="020B0609020204030204" pitchFamily="49" charset="0"/>
+              </a:rPr>
+              <a:t> </a:t>
+            </a:r>
+          </a:p>
+          <a:p>
+            <a:r>
+              <a:rPr lang="en-US" dirty="0">
+                <a:latin typeface="Consolas" panose="020B0609020204030204" pitchFamily="49" charset="0"/>
+              </a:rPr>
+              <a:t>del file.</a:t>
+            </a:r>
+          </a:p>
+          <a:p>
+            <a:r>
+              <a:rPr lang="en-US" dirty="0" err="1">
+                <a:latin typeface="Consolas" panose="020B0609020204030204" pitchFamily="49" charset="0"/>
+              </a:rPr>
+              <a:t>Controllo</a:t>
+            </a:r>
+            <a:r>
+              <a:rPr lang="en-US" dirty="0">
+                <a:latin typeface="Consolas" panose="020B0609020204030204" pitchFamily="49" charset="0"/>
+              </a:rPr>
+              <a:t> </a:t>
+            </a:r>
+            <a:r>
+              <a:rPr lang="en-US" dirty="0" err="1">
+                <a:latin typeface="Consolas" panose="020B0609020204030204" pitchFamily="49" charset="0"/>
+              </a:rPr>
+              <a:t>che</a:t>
+            </a:r>
+            <a:r>
+              <a:rPr lang="en-US" dirty="0">
+                <a:latin typeface="Consolas" panose="020B0609020204030204" pitchFamily="49" charset="0"/>
+              </a:rPr>
+              <a:t> le </a:t>
+            </a:r>
+            <a:r>
+              <a:rPr lang="en-US" dirty="0" err="1">
+                <a:latin typeface="Consolas" panose="020B0609020204030204" pitchFamily="49" charset="0"/>
+              </a:rPr>
+              <a:t>porte</a:t>
+            </a:r>
+            <a:r>
+              <a:rPr lang="en-US" dirty="0">
+                <a:latin typeface="Consolas" panose="020B0609020204030204" pitchFamily="49" charset="0"/>
+              </a:rPr>
+              <a:t> non </a:t>
+            </a:r>
+            <a:r>
+              <a:rPr lang="en-US" dirty="0" err="1">
+                <a:latin typeface="Consolas" panose="020B0609020204030204" pitchFamily="49" charset="0"/>
+              </a:rPr>
+              <a:t>siano</a:t>
+            </a:r>
+            <a:r>
+              <a:rPr lang="en-US" dirty="0">
+                <a:latin typeface="Consolas" panose="020B0609020204030204" pitchFamily="49" charset="0"/>
+              </a:rPr>
+              <a:t> duplicate</a:t>
+            </a:r>
+          </a:p>
+          <a:p>
+            <a:r>
+              <a:rPr lang="en-US" dirty="0">
+                <a:latin typeface="Consolas" panose="020B0609020204030204" pitchFamily="49" charset="0"/>
+              </a:rPr>
+              <a:t>ed </a:t>
+            </a:r>
+            <a:r>
+              <a:rPr lang="en-US" dirty="0" err="1">
+                <a:latin typeface="Consolas" panose="020B0609020204030204" pitchFamily="49" charset="0"/>
+              </a:rPr>
+              <a:t>inserimento</a:t>
+            </a:r>
+            <a:r>
+              <a:rPr lang="en-US" dirty="0">
+                <a:latin typeface="Consolas" panose="020B0609020204030204" pitchFamily="49" charset="0"/>
+              </a:rPr>
+              <a:t> di </a:t>
+            </a:r>
+            <a:r>
+              <a:rPr lang="en-US" dirty="0" err="1">
+                <a:latin typeface="Consolas" panose="020B0609020204030204" pitchFamily="49" charset="0"/>
+              </a:rPr>
+              <a:t>fileName</a:t>
+            </a:r>
+            <a:r>
+              <a:rPr lang="en-US" dirty="0">
+                <a:latin typeface="Consolas" panose="020B0609020204030204" pitchFamily="49" charset="0"/>
+              </a:rPr>
+              <a:t> e </a:t>
+            </a:r>
+            <a:r>
+              <a:rPr lang="en-US" dirty="0" err="1">
+                <a:latin typeface="Consolas" panose="020B0609020204030204" pitchFamily="49" charset="0"/>
+              </a:rPr>
+              <a:t>delle</a:t>
+            </a:r>
+            <a:r>
+              <a:rPr lang="en-US" dirty="0">
+                <a:latin typeface="Consolas" panose="020B0609020204030204" pitchFamily="49" charset="0"/>
+              </a:rPr>
+              <a:t> </a:t>
+            </a:r>
+            <a:r>
+              <a:rPr lang="en-US" dirty="0" err="1">
+                <a:latin typeface="Consolas" panose="020B0609020204030204" pitchFamily="49" charset="0"/>
+              </a:rPr>
+              <a:t>porte</a:t>
+            </a:r>
+            <a:r>
+              <a:rPr lang="en-US" dirty="0">
+                <a:latin typeface="Consolas" panose="020B0609020204030204" pitchFamily="49" charset="0"/>
+              </a:rPr>
+              <a:t> </a:t>
+            </a:r>
+          </a:p>
+          <a:p>
+            <a:r>
+              <a:rPr lang="en-US" dirty="0" err="1">
+                <a:latin typeface="Consolas" panose="020B0609020204030204" pitchFamily="49" charset="0"/>
+              </a:rPr>
+              <a:t>nelle</a:t>
+            </a:r>
+            <a:r>
+              <a:rPr lang="en-US" dirty="0">
+                <a:latin typeface="Consolas" panose="020B0609020204030204" pitchFamily="49" charset="0"/>
+              </a:rPr>
+              <a:t> </a:t>
+            </a:r>
+            <a:r>
+              <a:rPr lang="en-US" dirty="0" err="1">
+                <a:latin typeface="Consolas" panose="020B0609020204030204" pitchFamily="49" charset="0"/>
+              </a:rPr>
+              <a:t>strutture</a:t>
+            </a:r>
+            <a:r>
+              <a:rPr lang="en-US" dirty="0">
+                <a:latin typeface="Consolas" panose="020B0609020204030204" pitchFamily="49" charset="0"/>
+              </a:rPr>
+              <a:t> </a:t>
+            </a:r>
+            <a:r>
+              <a:rPr lang="en-US" dirty="0" err="1">
+                <a:latin typeface="Consolas" panose="020B0609020204030204" pitchFamily="49" charset="0"/>
+              </a:rPr>
+              <a:t>dati</a:t>
+            </a:r>
+            <a:r>
+              <a:rPr lang="en-US" dirty="0">
+                <a:latin typeface="Consolas" panose="020B0609020204030204" pitchFamily="49" charset="0"/>
+              </a:rPr>
+              <a:t>.</a:t>
+            </a:r>
+          </a:p>
+        </p:txBody>
+      </p:sp>
+    </p:spTree>
+    <p:extLst>
+      <p:ext uri="{BB962C8B-B14F-4D97-AF65-F5344CB8AC3E}">
+        <p14:creationId xmlns:p14="http://schemas.microsoft.com/office/powerpoint/2010/main" val="4221890758"/>
+      </p:ext>
+    </p:extLst>
+  </p:cSld>
+  <p:clrMapOvr>
+    <a:masterClrMapping/>
+  </p:clrMapOvr>
+</p:sld>
+</file>
+
+<file path=ppt/slides/slide6.xml><?xml version="1.0" encoding="utf-8"?>
+<p:sld xmlns:a="http://schemas.openxmlformats.org/drawingml/2006/main" xmlns:r="http://schemas.openxmlformats.org/officeDocument/2006/relationships" xmlns:p="http://schemas.openxmlformats.org/presentationml/2006/main">
+  <p:cSld>
+    <p:spTree>
+      <p:nvGrpSpPr>
+        <p:cNvPr id="1" name=""/>
+        <p:cNvGrpSpPr/>
+        <p:nvPr/>
+      </p:nvGrpSpPr>
+      <p:grpSpPr>
+        <a:xfrm>
+          <a:off x="0" y="0"/>
+          <a:ext cx="0" cy="0"/>
+          <a:chOff x="0" y="0"/>
+          <a:chExt cx="0" cy="0"/>
+        </a:xfrm>
+      </p:grpSpPr>
+      <p:sp>
+        <p:nvSpPr>
+          <p:cNvPr id="2" name="Titolo 1">
+            <a:extLst>
+              <a:ext uri="{FF2B5EF4-FFF2-40B4-BE49-F238E27FC236}">
+                <a16:creationId xmlns:a16="http://schemas.microsoft.com/office/drawing/2014/main" id="{F1DDE7A4-1A5F-4F0D-B842-7798EDC6EDA8}"/>
+              </a:ext>
+            </a:extLst>
+          </p:cNvPr>
+          <p:cNvSpPr>
+            <a:spLocks noGrp="1"/>
+          </p:cNvSpPr>
+          <p:nvPr>
+            <p:ph type="title"/>
+          </p:nvPr>
+        </p:nvSpPr>
+        <p:spPr>
+          <a:xfrm>
+            <a:off x="2152650" y="92077"/>
+            <a:ext cx="7886700" cy="911224"/>
+          </a:xfrm>
+        </p:spPr>
+        <p:txBody>
+          <a:bodyPr>
+            <a:normAutofit fontScale="90000"/>
+          </a:bodyPr>
+          <a:lstStyle/>
+          <a:p>
+            <a:pPr algn="ctr"/>
+            <a:r>
+              <a:rPr lang="it-IT" u="sng" dirty="0"/>
+              <a:t>RowSwapServer.java &amp; LineUtility.java</a:t>
+            </a:r>
+          </a:p>
+        </p:txBody>
+      </p:sp>
+      <p:pic>
+        <p:nvPicPr>
+          <p:cNvPr id="5" name="Content Placeholder 4">
+            <a:extLst>
+              <a:ext uri="{FF2B5EF4-FFF2-40B4-BE49-F238E27FC236}">
+                <a16:creationId xmlns:a16="http://schemas.microsoft.com/office/drawing/2014/main" id="{520C7A85-C2A4-4D88-B7EF-8D3DB9C9D731}"/>
+              </a:ext>
+            </a:extLst>
+          </p:cNvPr>
+          <p:cNvPicPr>
+            <a:picLocks noGrp="1" noChangeAspect="1"/>
+          </p:cNvPicPr>
+          <p:nvPr>
+            <p:ph idx="1"/>
+          </p:nvPr>
+        </p:nvPicPr>
+        <p:blipFill>
+          <a:blip r:embed="rId2"/>
+          <a:stretch>
+            <a:fillRect/>
+          </a:stretch>
+        </p:blipFill>
+        <p:spPr>
+          <a:xfrm>
+            <a:off x="572044" y="983707"/>
+            <a:ext cx="5101428" cy="3159668"/>
+          </a:xfrm>
+          <a:prstGeom prst="rect">
+            <a:avLst/>
+          </a:prstGeom>
+        </p:spPr>
+      </p:pic>
+      <p:sp>
+        <p:nvSpPr>
+          <p:cNvPr id="3" name="Segnaposto numero diapositiva 2">
+            <a:extLst>
+              <a:ext uri="{FF2B5EF4-FFF2-40B4-BE49-F238E27FC236}">
+                <a16:creationId xmlns:a16="http://schemas.microsoft.com/office/drawing/2014/main" id="{8DA42C05-2B68-46AA-9D4B-C5C753DA13AA}"/>
+              </a:ext>
+            </a:extLst>
+          </p:cNvPr>
+          <p:cNvSpPr>
+            <a:spLocks noGrp="1"/>
+          </p:cNvSpPr>
+          <p:nvPr>
+            <p:ph type="sldNum" sz="quarter" idx="12"/>
+          </p:nvPr>
+        </p:nvSpPr>
+        <p:spPr/>
+        <p:txBody>
+          <a:bodyPr/>
+          <a:lstStyle/>
+          <a:p>
+            <a:fld id="{4A6DC286-705F-4A37-A21F-B485E3A29C72}" type="slidenum">
+              <a:rPr lang="it-IT" smtClean="0"/>
+              <a:t>6</a:t>
+            </a:fld>
+            <a:endParaRPr lang="it-IT"/>
+          </a:p>
+        </p:txBody>
+      </p:sp>
+      <p:sp>
+        <p:nvSpPr>
+          <p:cNvPr id="6" name="TextBox 5">
+            <a:extLst>
+              <a:ext uri="{FF2B5EF4-FFF2-40B4-BE49-F238E27FC236}">
+                <a16:creationId xmlns:a16="http://schemas.microsoft.com/office/drawing/2014/main" id="{3BC3856D-C599-4B50-8845-4537CE1FBB5E}"/>
+              </a:ext>
+            </a:extLst>
+          </p:cNvPr>
+          <p:cNvSpPr txBox="1"/>
+          <p:nvPr/>
+        </p:nvSpPr>
+        <p:spPr>
+          <a:xfrm>
+            <a:off x="5867399" y="1824877"/>
+            <a:ext cx="5949577" cy="1477328"/>
+          </a:xfrm>
+          <a:prstGeom prst="rect">
+            <a:avLst/>
+          </a:prstGeom>
+          <a:noFill/>
+        </p:spPr>
+        <p:txBody>
+          <a:bodyPr wrap="none" rtlCol="0">
+            <a:spAutoFit/>
+          </a:bodyPr>
+          <a:lstStyle/>
+          <a:p>
+            <a:r>
+              <a:rPr lang="en-US" dirty="0" err="1"/>
+              <a:t>LineUtility</a:t>
+            </a:r>
+            <a:r>
+              <a:rPr lang="en-US" dirty="0"/>
+              <a:t> </a:t>
+            </a:r>
+            <a:r>
+              <a:rPr lang="en-US" dirty="0" err="1"/>
+              <a:t>legge</a:t>
+            </a:r>
+            <a:r>
+              <a:rPr lang="en-US" dirty="0"/>
+              <a:t> la </a:t>
+            </a:r>
+            <a:r>
+              <a:rPr lang="en-US" dirty="0" err="1"/>
+              <a:t>riga</a:t>
+            </a:r>
+            <a:r>
+              <a:rPr lang="en-US" dirty="0"/>
+              <a:t> </a:t>
+            </a:r>
+            <a:r>
+              <a:rPr lang="en-US" dirty="0" err="1"/>
+              <a:t>scelta</a:t>
+            </a:r>
+            <a:r>
+              <a:rPr lang="en-US" dirty="0"/>
+              <a:t> in </a:t>
+            </a:r>
+            <a:r>
+              <a:rPr lang="en-US" dirty="0" err="1"/>
+              <a:t>maniera</a:t>
+            </a:r>
+            <a:r>
+              <a:rPr lang="en-US" dirty="0"/>
+              <a:t> </a:t>
+            </a:r>
+            <a:r>
+              <a:rPr lang="en-US" dirty="0" err="1"/>
+              <a:t>statica</a:t>
+            </a:r>
+            <a:r>
+              <a:rPr lang="en-US" dirty="0"/>
+              <a:t>.</a:t>
+            </a:r>
+          </a:p>
+          <a:p>
+            <a:r>
+              <a:rPr lang="en-US" dirty="0" err="1"/>
+              <a:t>Tramite</a:t>
+            </a:r>
+            <a:r>
+              <a:rPr lang="en-US" dirty="0"/>
+              <a:t> un </a:t>
+            </a:r>
+            <a:r>
+              <a:rPr lang="en-US" dirty="0" err="1"/>
+              <a:t>BufferedReader</a:t>
+            </a:r>
+            <a:r>
+              <a:rPr lang="en-US" dirty="0"/>
+              <a:t> </a:t>
+            </a:r>
+            <a:r>
+              <a:rPr lang="en-US" dirty="0" err="1"/>
+              <a:t>leggiamo</a:t>
+            </a:r>
+            <a:r>
+              <a:rPr lang="en-US" dirty="0"/>
+              <a:t> </a:t>
+            </a:r>
+            <a:r>
+              <a:rPr lang="en-US" dirty="0" err="1"/>
+              <a:t>il</a:t>
+            </a:r>
+            <a:r>
+              <a:rPr lang="en-US" dirty="0"/>
+              <a:t> file </a:t>
+            </a:r>
+            <a:r>
+              <a:rPr lang="en-US" dirty="0" err="1"/>
+              <a:t>linea</a:t>
+            </a:r>
+            <a:r>
+              <a:rPr lang="en-US" dirty="0"/>
+              <a:t> per </a:t>
+            </a:r>
+            <a:r>
+              <a:rPr lang="en-US" dirty="0" err="1"/>
+              <a:t>linea</a:t>
+            </a:r>
+            <a:r>
+              <a:rPr lang="en-US" dirty="0"/>
+              <a:t>.</a:t>
+            </a:r>
+          </a:p>
+          <a:p>
+            <a:r>
+              <a:rPr lang="en-US" dirty="0"/>
+              <a:t>In base ad un </a:t>
+            </a:r>
+            <a:r>
+              <a:rPr lang="en-US" dirty="0" err="1"/>
+              <a:t>indice</a:t>
+            </a:r>
+            <a:r>
+              <a:rPr lang="en-US" dirty="0"/>
+              <a:t>, </a:t>
+            </a:r>
+            <a:r>
+              <a:rPr lang="en-US" dirty="0" err="1"/>
+              <a:t>controlliamo</a:t>
+            </a:r>
+            <a:r>
+              <a:rPr lang="en-US" dirty="0"/>
+              <a:t> </a:t>
+            </a:r>
+            <a:r>
+              <a:rPr lang="en-US" dirty="0" err="1"/>
+              <a:t>il</a:t>
+            </a:r>
+            <a:r>
+              <a:rPr lang="en-US" dirty="0"/>
+              <a:t> </a:t>
+            </a:r>
+            <a:r>
+              <a:rPr lang="en-US" dirty="0" err="1"/>
+              <a:t>numero</a:t>
+            </a:r>
+            <a:r>
+              <a:rPr lang="en-US" dirty="0"/>
+              <a:t> di </a:t>
+            </a:r>
+            <a:r>
+              <a:rPr lang="en-US" dirty="0" err="1"/>
+              <a:t>linea</a:t>
+            </a:r>
+            <a:r>
+              <a:rPr lang="en-US" dirty="0"/>
+              <a:t> e </a:t>
+            </a:r>
+            <a:r>
+              <a:rPr lang="en-US" dirty="0" err="1"/>
+              <a:t>tramite</a:t>
+            </a:r>
+            <a:endParaRPr lang="en-US" dirty="0"/>
+          </a:p>
+          <a:p>
+            <a:r>
+              <a:rPr lang="en-US" dirty="0"/>
+              <a:t>le apposite </a:t>
+            </a:r>
+            <a:r>
+              <a:rPr lang="en-US" dirty="0" err="1"/>
+              <a:t>clausole</a:t>
+            </a:r>
+            <a:r>
+              <a:rPr lang="en-US" dirty="0"/>
+              <a:t> IF, </a:t>
+            </a:r>
+            <a:r>
+              <a:rPr lang="en-US" dirty="0" err="1"/>
+              <a:t>invertiamo</a:t>
+            </a:r>
+            <a:r>
+              <a:rPr lang="en-US" dirty="0"/>
+              <a:t> le </a:t>
+            </a:r>
+            <a:r>
+              <a:rPr lang="en-US" dirty="0" err="1"/>
+              <a:t>righe</a:t>
+            </a:r>
+            <a:r>
+              <a:rPr lang="en-US" dirty="0"/>
+              <a:t>, </a:t>
+            </a:r>
+            <a:r>
+              <a:rPr lang="en-US" dirty="0" err="1"/>
+              <a:t>scrivendo</a:t>
+            </a:r>
+            <a:r>
+              <a:rPr lang="en-US" dirty="0"/>
+              <a:t> </a:t>
+            </a:r>
+            <a:r>
+              <a:rPr lang="en-US" dirty="0" err="1"/>
+              <a:t>su</a:t>
+            </a:r>
+            <a:r>
+              <a:rPr lang="en-US" dirty="0"/>
+              <a:t> un </a:t>
+            </a:r>
+          </a:p>
+          <a:p>
+            <a:r>
+              <a:rPr lang="en-US" dirty="0"/>
+              <a:t>file </a:t>
+            </a:r>
+            <a:r>
+              <a:rPr lang="en-US" dirty="0" err="1"/>
+              <a:t>creato</a:t>
+            </a:r>
+            <a:r>
+              <a:rPr lang="en-US" dirty="0"/>
+              <a:t> con </a:t>
+            </a:r>
+            <a:r>
+              <a:rPr lang="en-US" dirty="0" err="1"/>
+              <a:t>estensione</a:t>
+            </a:r>
+            <a:r>
+              <a:rPr lang="en-US" dirty="0"/>
+              <a:t> .</a:t>
+            </a:r>
+            <a:r>
+              <a:rPr lang="en-US" dirty="0" err="1"/>
+              <a:t>tmp</a:t>
+            </a:r>
+            <a:r>
+              <a:rPr lang="en-US" dirty="0"/>
+              <a:t>.</a:t>
+            </a:r>
+            <a:endParaRPr lang="it-IT" dirty="0"/>
+          </a:p>
+        </p:txBody>
+      </p:sp>
+      <p:pic>
+        <p:nvPicPr>
+          <p:cNvPr id="7" name="Picture 6">
+            <a:extLst>
+              <a:ext uri="{FF2B5EF4-FFF2-40B4-BE49-F238E27FC236}">
+                <a16:creationId xmlns:a16="http://schemas.microsoft.com/office/drawing/2014/main" id="{CB74CF9F-BD02-42C8-8379-DE6D9E7F97DA}"/>
+              </a:ext>
+            </a:extLst>
+          </p:cNvPr>
+          <p:cNvPicPr>
+            <a:picLocks noChangeAspect="1"/>
+          </p:cNvPicPr>
+          <p:nvPr/>
+        </p:nvPicPr>
+        <p:blipFill>
+          <a:blip r:embed="rId3"/>
+          <a:stretch>
+            <a:fillRect/>
+          </a:stretch>
+        </p:blipFill>
+        <p:spPr>
+          <a:xfrm>
+            <a:off x="1489220" y="4767262"/>
+            <a:ext cx="3267075" cy="981075"/>
+          </a:xfrm>
+          <a:prstGeom prst="rect">
+            <a:avLst/>
+          </a:prstGeom>
+        </p:spPr>
+      </p:pic>
+      <p:sp>
+        <p:nvSpPr>
+          <p:cNvPr id="8" name="Rectangle 7">
+            <a:extLst>
+              <a:ext uri="{FF2B5EF4-FFF2-40B4-BE49-F238E27FC236}">
+                <a16:creationId xmlns:a16="http://schemas.microsoft.com/office/drawing/2014/main" id="{05C5EC19-2FCB-407F-A54F-E68D7205F35B}"/>
+              </a:ext>
+            </a:extLst>
+          </p:cNvPr>
+          <p:cNvSpPr/>
+          <p:nvPr/>
+        </p:nvSpPr>
+        <p:spPr>
+          <a:xfrm>
+            <a:off x="1214438" y="1003301"/>
+            <a:ext cx="938212" cy="182562"/>
+          </a:xfrm>
+          <a:prstGeom prst="rect">
+            <a:avLst/>
+          </a:prstGeom>
+          <a:noFill/>
+          <a:ln>
+            <a:solidFill>
+              <a:srgbClr val="FF0000"/>
+            </a:solidFill>
+          </a:ln>
+        </p:spPr>
+        <p:style>
+          <a:lnRef idx="2">
+            <a:schemeClr val="accent1">
+              <a:shade val="50000"/>
+            </a:schemeClr>
+          </a:lnRef>
+          <a:fillRef idx="1">
+            <a:schemeClr val="accent1"/>
+          </a:fillRef>
+          <a:effectRef idx="0">
+            <a:schemeClr val="accent1"/>
+          </a:effectRef>
+          <a:fontRef idx="minor">
+            <a:schemeClr val="lt1"/>
+          </a:fontRef>
+        </p:style>
+        <p:txBody>
+          <a:bodyPr rtlCol="0" anchor="ctr"/>
+          <a:lstStyle/>
+          <a:p>
+            <a:pPr algn="ctr"/>
+            <a:endParaRPr lang="it-IT"/>
+          </a:p>
+        </p:txBody>
+      </p:sp>
+      <p:cxnSp>
+        <p:nvCxnSpPr>
+          <p:cNvPr id="10" name="Connector: Elbow 9">
+            <a:extLst>
+              <a:ext uri="{FF2B5EF4-FFF2-40B4-BE49-F238E27FC236}">
+                <a16:creationId xmlns:a16="http://schemas.microsoft.com/office/drawing/2014/main" id="{CBB4D074-9EEE-4BE3-931F-580649CA2D15}"/>
+              </a:ext>
+            </a:extLst>
+          </p:cNvPr>
+          <p:cNvCxnSpPr>
+            <a:stCxn id="8" idx="1"/>
+          </p:cNvCxnSpPr>
+          <p:nvPr/>
+        </p:nvCxnSpPr>
+        <p:spPr>
+          <a:xfrm rot="10800000" flipV="1">
+            <a:off x="271464" y="1094581"/>
+            <a:ext cx="942975" cy="4320381"/>
+          </a:xfrm>
+          <a:prstGeom prst="bentConnector2">
+            <a:avLst/>
+          </a:prstGeom>
+          <a:ln>
+            <a:solidFill>
+              <a:srgbClr val="C00000"/>
+            </a:solidFill>
+            <a:tailEnd type="none"/>
+          </a:ln>
+        </p:spPr>
+        <p:style>
+          <a:lnRef idx="1">
+            <a:schemeClr val="accent1"/>
+          </a:lnRef>
+          <a:fillRef idx="0">
+            <a:schemeClr val="accent1"/>
+          </a:fillRef>
+          <a:effectRef idx="0">
+            <a:schemeClr val="accent1"/>
+          </a:effectRef>
+          <a:fontRef idx="minor">
+            <a:schemeClr val="tx1"/>
+          </a:fontRef>
+        </p:style>
+      </p:cxnSp>
+      <p:cxnSp>
+        <p:nvCxnSpPr>
+          <p:cNvPr id="12" name="Straight Arrow Connector 11">
+            <a:extLst>
+              <a:ext uri="{FF2B5EF4-FFF2-40B4-BE49-F238E27FC236}">
+                <a16:creationId xmlns:a16="http://schemas.microsoft.com/office/drawing/2014/main" id="{BD91B8AC-A4A0-4401-AB5B-995D88F404E1}"/>
+              </a:ext>
+            </a:extLst>
+          </p:cNvPr>
+          <p:cNvCxnSpPr>
+            <a:cxnSpLocks/>
+          </p:cNvCxnSpPr>
+          <p:nvPr/>
+        </p:nvCxnSpPr>
+        <p:spPr>
+          <a:xfrm>
+            <a:off x="271463" y="5414962"/>
+            <a:ext cx="1243558" cy="0"/>
+          </a:xfrm>
+          <a:prstGeom prst="straightConnector1">
+            <a:avLst/>
+          </a:prstGeom>
+          <a:ln>
+            <a:solidFill>
+              <a:srgbClr val="C00000"/>
+            </a:solidFill>
+            <a:tailEnd type="triangle"/>
+          </a:ln>
+        </p:spPr>
+        <p:style>
+          <a:lnRef idx="1">
+            <a:schemeClr val="accent1"/>
+          </a:lnRef>
+          <a:fillRef idx="0">
+            <a:schemeClr val="accent1"/>
+          </a:fillRef>
+          <a:effectRef idx="0">
+            <a:schemeClr val="accent1"/>
+          </a:effectRef>
+          <a:fontRef idx="minor">
+            <a:schemeClr val="tx1"/>
+          </a:fontRef>
+        </p:style>
+      </p:cxnSp>
+      <p:sp>
+        <p:nvSpPr>
+          <p:cNvPr id="14" name="TextBox 13">
+            <a:extLst>
+              <a:ext uri="{FF2B5EF4-FFF2-40B4-BE49-F238E27FC236}">
+                <a16:creationId xmlns:a16="http://schemas.microsoft.com/office/drawing/2014/main" id="{50236966-69A3-484A-AB37-FC148B8421F2}"/>
+              </a:ext>
+            </a:extLst>
+          </p:cNvPr>
+          <p:cNvSpPr txBox="1"/>
+          <p:nvPr/>
+        </p:nvSpPr>
+        <p:spPr>
+          <a:xfrm>
+            <a:off x="5031075" y="4657634"/>
+            <a:ext cx="6556860" cy="1200329"/>
+          </a:xfrm>
+          <a:prstGeom prst="rect">
+            <a:avLst/>
+          </a:prstGeom>
+          <a:noFill/>
+        </p:spPr>
+        <p:txBody>
+          <a:bodyPr wrap="none" rtlCol="0">
+            <a:spAutoFit/>
+          </a:bodyPr>
+          <a:lstStyle/>
+          <a:p>
+            <a:r>
+              <a:rPr lang="en-US" dirty="0" err="1"/>
+              <a:t>Abbiamo</a:t>
+            </a:r>
+            <a:r>
+              <a:rPr lang="en-US" dirty="0"/>
+              <a:t> </a:t>
+            </a:r>
+            <a:r>
+              <a:rPr lang="en-US" dirty="0" err="1"/>
+              <a:t>modificato</a:t>
+            </a:r>
+            <a:r>
+              <a:rPr lang="en-US" dirty="0"/>
+              <a:t> </a:t>
+            </a:r>
+            <a:r>
+              <a:rPr lang="en-US" dirty="0" err="1"/>
+              <a:t>LineUtility</a:t>
+            </a:r>
+            <a:r>
+              <a:rPr lang="en-US" dirty="0"/>
+              <a:t> </a:t>
+            </a:r>
+            <a:r>
+              <a:rPr lang="en-US" dirty="0" err="1"/>
+              <a:t>rimuovendo</a:t>
+            </a:r>
+            <a:r>
+              <a:rPr lang="en-US" dirty="0"/>
+              <a:t> </a:t>
+            </a:r>
+            <a:r>
+              <a:rPr lang="en-US" dirty="0" err="1"/>
+              <a:t>getNextLine</a:t>
+            </a:r>
+            <a:r>
+              <a:rPr lang="en-US" dirty="0"/>
+              <a:t> in </a:t>
+            </a:r>
+            <a:r>
+              <a:rPr lang="en-US" dirty="0" err="1"/>
+              <a:t>quanto</a:t>
+            </a:r>
+            <a:endParaRPr lang="en-US" dirty="0"/>
+          </a:p>
+          <a:p>
+            <a:r>
+              <a:rPr lang="en-US" dirty="0"/>
+              <a:t>non </a:t>
+            </a:r>
+            <a:r>
+              <a:rPr lang="en-US" dirty="0" err="1"/>
+              <a:t>utilizzato</a:t>
+            </a:r>
+            <a:r>
+              <a:rPr lang="en-US" dirty="0"/>
+              <a:t> e al </a:t>
+            </a:r>
+            <a:r>
+              <a:rPr lang="en-US" dirty="0" err="1"/>
+              <a:t>posto</a:t>
+            </a:r>
+            <a:r>
+              <a:rPr lang="en-US" dirty="0"/>
+              <a:t> di </a:t>
+            </a:r>
+            <a:r>
+              <a:rPr lang="en-US" dirty="0" err="1"/>
+              <a:t>restituire</a:t>
+            </a:r>
+            <a:r>
+              <a:rPr lang="en-US" dirty="0"/>
+              <a:t> una </a:t>
+            </a:r>
+            <a:r>
+              <a:rPr lang="en-US" dirty="0" err="1"/>
+              <a:t>stringa</a:t>
+            </a:r>
+            <a:r>
+              <a:rPr lang="en-US" dirty="0"/>
+              <a:t> “Linea non </a:t>
+            </a:r>
+            <a:r>
+              <a:rPr lang="en-US" dirty="0" err="1"/>
+              <a:t>trovata</a:t>
+            </a:r>
+            <a:r>
+              <a:rPr lang="en-US" dirty="0"/>
+              <a:t>”,</a:t>
+            </a:r>
+          </a:p>
+          <a:p>
+            <a:r>
+              <a:rPr lang="it-IT" dirty="0"/>
+              <a:t>lanciamo un’eccezione che notifica l’errore al RowSwapServer che</a:t>
+            </a:r>
+          </a:p>
+          <a:p>
+            <a:r>
+              <a:rPr lang="it-IT" dirty="0"/>
+              <a:t>blocca lo scambio righe, se la riga non esiste.</a:t>
+            </a:r>
+          </a:p>
+        </p:txBody>
+      </p:sp>
+    </p:spTree>
+    <p:extLst>
+      <p:ext uri="{BB962C8B-B14F-4D97-AF65-F5344CB8AC3E}">
+        <p14:creationId xmlns:p14="http://schemas.microsoft.com/office/powerpoint/2010/main" val="1889561379"/>
+      </p:ext>
+    </p:extLst>
+  </p:cSld>
+  <p:clrMapOvr>
+    <a:masterClrMapping/>
+  </p:clrMapOvr>
+</p:sld>
+</file>
+
 <file path=ppt/theme/theme1.xml><?xml version="1.0" encoding="utf-8"?>
 <a:theme xmlns:a="http://schemas.openxmlformats.org/drawingml/2006/main" name="Tema di Office">
   <a:themeElements>
-    <a:clrScheme name="Office">
+    <a:clrScheme name="Office Theme">
       <a:dk1>
         <a:sysClr val="windowText" lastClr="000000"/>
       </a:dk1>
@@ -4557,7 +6356,7 @@
         <a:srgbClr val="954F72"/>
       </a:folHlink>
     </a:clrScheme>
-    <a:fontScheme name="Office">
+    <a:fontScheme name="Office Theme">
       <a:majorFont>
         <a:latin typeface="Calibri Light" panose="020F0302020204030204"/>
         <a:ea typeface=""/>
@@ -4592,23 +6391,6 @@
         <a:font script="Viet" typeface="Times New Roman"/>
         <a:font script="Uigh" typeface="Microsoft Uighur"/>
         <a:font script="Geor" typeface="Sylfaen"/>
-        <a:font script="Armn" typeface="Arial"/>
-        <a:font script="Bugi" typeface="Leelawadee UI"/>
-        <a:font script="Bopo" typeface="Microsoft JhengHei"/>
-        <a:font script="Java" typeface="Javanese Text"/>
-        <a:font script="Lisu" typeface="Segoe UI"/>
-        <a:font script="Mymr" typeface="Myanmar Text"/>
-        <a:font script="Nkoo" typeface="Ebrima"/>
-        <a:font script="Olck" typeface="Nirmala UI"/>
-        <a:font script="Osma" typeface="Ebrima"/>
-        <a:font script="Phag" typeface="Phagspa"/>
-        <a:font script="Syrn" typeface="Estrangelo Edessa"/>
-        <a:font script="Syrj" typeface="Estrangelo Edessa"/>
-        <a:font script="Syre" typeface="Estrangelo Edessa"/>
-        <a:font script="Sora" typeface="Nirmala UI"/>
-        <a:font script="Tale" typeface="Microsoft Tai Le"/>
-        <a:font script="Talu" typeface="Microsoft New Tai Lue"/>
-        <a:font script="Tfng" typeface="Ebrima"/>
       </a:majorFont>
       <a:minorFont>
         <a:latin typeface="Calibri" panose="020F0502020204030204"/>
@@ -4644,26 +6426,9 @@
         <a:font script="Viet" typeface="Arial"/>
         <a:font script="Uigh" typeface="Microsoft Uighur"/>
         <a:font script="Geor" typeface="Sylfaen"/>
-        <a:font script="Armn" typeface="Arial"/>
-        <a:font script="Bugi" typeface="Leelawadee UI"/>
-        <a:font script="Bopo" typeface="Microsoft JhengHei"/>
-        <a:font script="Java" typeface="Javanese Text"/>
-        <a:font script="Lisu" typeface="Segoe UI"/>
-        <a:font script="Mymr" typeface="Myanmar Text"/>
-        <a:font script="Nkoo" typeface="Ebrima"/>
-        <a:font script="Olck" typeface="Nirmala UI"/>
-        <a:font script="Osma" typeface="Ebrima"/>
-        <a:font script="Phag" typeface="Phagspa"/>
-        <a:font script="Syrn" typeface="Estrangelo Edessa"/>
-        <a:font script="Syrj" typeface="Estrangelo Edessa"/>
-        <a:font script="Syre" typeface="Estrangelo Edessa"/>
-        <a:font script="Sora" typeface="Nirmala UI"/>
-        <a:font script="Tale" typeface="Microsoft Tai Le"/>
-        <a:font script="Talu" typeface="Microsoft New Tai Lue"/>
-        <a:font script="Tfng" typeface="Ebrima"/>
       </a:minorFont>
     </a:fontScheme>
-    <a:fmtScheme name="Office">
+    <a:fmtScheme name="Office Theme">
       <a:fillStyleLst>
         <a:solidFill>
           <a:schemeClr val="phClr"/>
